--- a/ostatni/strašidla.pptx
+++ b/ostatni/strašidla.pptx
@@ -8,6 +8,16 @@
     <p:sldId id="256" r:id="rId2"/>
     <p:sldId id="257" r:id="rId3"/>
     <p:sldId id="258" r:id="rId4"/>
+    <p:sldId id="259" r:id="rId5"/>
+    <p:sldId id="260" r:id="rId6"/>
+    <p:sldId id="261" r:id="rId7"/>
+    <p:sldId id="262" r:id="rId8"/>
+    <p:sldId id="263" r:id="rId9"/>
+    <p:sldId id="264" r:id="rId10"/>
+    <p:sldId id="265" r:id="rId11"/>
+    <p:sldId id="266" r:id="rId12"/>
+    <p:sldId id="267" r:id="rId13"/>
+    <p:sldId id="268" r:id="rId14"/>
   </p:sldIdLst>
   <p:sldSz cx="9906000" cy="6858000" type="A4"/>
   <p:notesSz cx="6858000" cy="9144000"/>
@@ -106,6 +116,11 @@
       </a:defRPr>
     </a:lvl9pPr>
   </p:defaultTextStyle>
+  <p:extLst>
+    <p:ext uri="{EFAFB233-063F-42B5-8137-9DF3F51BA10A}">
+      <p15:sldGuideLst xmlns:p15="http://schemas.microsoft.com/office/powerpoint/2012/main"/>
+    </p:ext>
+  </p:extLst>
 </p:presentation>
 </file>
 
@@ -240,7 +255,7 @@
           <a:p>
             <a:fld id="{2B232A06-A56E-47F0-AEAA-7EF5C5791FB0}" type="datetimeFigureOut">
               <a:rPr lang="cs-CZ" smtClean="0"/>
-              <a:t>19.02.2024</a:t>
+              <a:t>23.02.2024</a:t>
             </a:fld>
             <a:endParaRPr lang="cs-CZ"/>
           </a:p>
@@ -410,7 +425,7 @@
           <a:p>
             <a:fld id="{2B232A06-A56E-47F0-AEAA-7EF5C5791FB0}" type="datetimeFigureOut">
               <a:rPr lang="cs-CZ" smtClean="0"/>
-              <a:t>19.02.2024</a:t>
+              <a:t>23.02.2024</a:t>
             </a:fld>
             <a:endParaRPr lang="cs-CZ"/>
           </a:p>
@@ -590,7 +605,7 @@
           <a:p>
             <a:fld id="{2B232A06-A56E-47F0-AEAA-7EF5C5791FB0}" type="datetimeFigureOut">
               <a:rPr lang="cs-CZ" smtClean="0"/>
-              <a:t>19.02.2024</a:t>
+              <a:t>23.02.2024</a:t>
             </a:fld>
             <a:endParaRPr lang="cs-CZ"/>
           </a:p>
@@ -760,7 +775,7 @@
           <a:p>
             <a:fld id="{2B232A06-A56E-47F0-AEAA-7EF5C5791FB0}" type="datetimeFigureOut">
               <a:rPr lang="cs-CZ" smtClean="0"/>
-              <a:t>19.02.2024</a:t>
+              <a:t>23.02.2024</a:t>
             </a:fld>
             <a:endParaRPr lang="cs-CZ"/>
           </a:p>
@@ -1004,7 +1019,7 @@
           <a:p>
             <a:fld id="{2B232A06-A56E-47F0-AEAA-7EF5C5791FB0}" type="datetimeFigureOut">
               <a:rPr lang="cs-CZ" smtClean="0"/>
-              <a:t>19.02.2024</a:t>
+              <a:t>23.02.2024</a:t>
             </a:fld>
             <a:endParaRPr lang="cs-CZ"/>
           </a:p>
@@ -1236,7 +1251,7 @@
           <a:p>
             <a:fld id="{2B232A06-A56E-47F0-AEAA-7EF5C5791FB0}" type="datetimeFigureOut">
               <a:rPr lang="cs-CZ" smtClean="0"/>
-              <a:t>19.02.2024</a:t>
+              <a:t>23.02.2024</a:t>
             </a:fld>
             <a:endParaRPr lang="cs-CZ"/>
           </a:p>
@@ -1603,7 +1618,7 @@
           <a:p>
             <a:fld id="{2B232A06-A56E-47F0-AEAA-7EF5C5791FB0}" type="datetimeFigureOut">
               <a:rPr lang="cs-CZ" smtClean="0"/>
-              <a:t>19.02.2024</a:t>
+              <a:t>23.02.2024</a:t>
             </a:fld>
             <a:endParaRPr lang="cs-CZ"/>
           </a:p>
@@ -1721,7 +1736,7 @@
           <a:p>
             <a:fld id="{2B232A06-A56E-47F0-AEAA-7EF5C5791FB0}" type="datetimeFigureOut">
               <a:rPr lang="cs-CZ" smtClean="0"/>
-              <a:t>19.02.2024</a:t>
+              <a:t>23.02.2024</a:t>
             </a:fld>
             <a:endParaRPr lang="cs-CZ"/>
           </a:p>
@@ -1816,7 +1831,7 @@
           <a:p>
             <a:fld id="{2B232A06-A56E-47F0-AEAA-7EF5C5791FB0}" type="datetimeFigureOut">
               <a:rPr lang="cs-CZ" smtClean="0"/>
-              <a:t>19.02.2024</a:t>
+              <a:t>23.02.2024</a:t>
             </a:fld>
             <a:endParaRPr lang="cs-CZ"/>
           </a:p>
@@ -2093,7 +2108,7 @@
           <a:p>
             <a:fld id="{2B232A06-A56E-47F0-AEAA-7EF5C5791FB0}" type="datetimeFigureOut">
               <a:rPr lang="cs-CZ" smtClean="0"/>
-              <a:t>19.02.2024</a:t>
+              <a:t>23.02.2024</a:t>
             </a:fld>
             <a:endParaRPr lang="cs-CZ"/>
           </a:p>
@@ -2350,7 +2365,7 @@
           <a:p>
             <a:fld id="{2B232A06-A56E-47F0-AEAA-7EF5C5791FB0}" type="datetimeFigureOut">
               <a:rPr lang="cs-CZ" smtClean="0"/>
-              <a:t>19.02.2024</a:t>
+              <a:t>23.02.2024</a:t>
             </a:fld>
             <a:endParaRPr lang="cs-CZ"/>
           </a:p>
@@ -2563,7 +2578,7 @@
           <a:p>
             <a:fld id="{2B232A06-A56E-47F0-AEAA-7EF5C5791FB0}" type="datetimeFigureOut">
               <a:rPr lang="cs-CZ" smtClean="0"/>
-              <a:t>19.02.2024</a:t>
+              <a:t>23.02.2024</a:t>
             </a:fld>
             <a:endParaRPr lang="cs-CZ"/>
           </a:p>
@@ -3340,6 +3355,2193 @@
   <p:clrMapOvr>
     <a:masterClrMapping/>
   </p:clrMapOvr>
+  <p:timing>
+    <p:tnLst>
+      <p:par>
+        <p:cTn id="1" dur="indefinite" restart="never" nodeType="tmRoot"/>
+      </p:par>
+    </p:tnLst>
+  </p:timing>
+</p:sld>
+</file>
+
+<file path=ppt/slides/slide10.xml><?xml version="1.0" encoding="utf-8"?>
+<p:sld xmlns:a="http://schemas.openxmlformats.org/drawingml/2006/main" xmlns:r="http://schemas.openxmlformats.org/officeDocument/2006/relationships" xmlns:p="http://schemas.openxmlformats.org/presentationml/2006/main">
+  <p:cSld>
+    <p:spTree>
+      <p:nvGrpSpPr>
+        <p:cNvPr id="1" name=""/>
+        <p:cNvGrpSpPr/>
+        <p:nvPr/>
+      </p:nvGrpSpPr>
+      <p:grpSpPr>
+        <a:xfrm>
+          <a:off x="0" y="0"/>
+          <a:ext cx="0" cy="0"/>
+          <a:chOff x="0" y="0"/>
+          <a:chExt cx="0" cy="0"/>
+        </a:xfrm>
+      </p:grpSpPr>
+      <p:sp>
+        <p:nvSpPr>
+          <p:cNvPr id="2" name="Obdélník 1"/>
+          <p:cNvSpPr/>
+          <p:nvPr/>
+        </p:nvSpPr>
+        <p:spPr>
+          <a:xfrm>
+            <a:off x="3508132" y="306911"/>
+            <a:ext cx="5952392" cy="5447645"/>
+          </a:xfrm>
+          <a:prstGeom prst="rect">
+            <a:avLst/>
+          </a:prstGeom>
+        </p:spPr>
+        <p:txBody>
+          <a:bodyPr wrap="square">
+            <a:spAutoFit/>
+          </a:bodyPr>
+          <a:lstStyle/>
+          <a:p>
+            <a:pPr fontAlgn="base">
+              <a:buFont typeface="+mj-lt"/>
+              <a:buAutoNum type="arabicPeriod" startAt="8"/>
+            </a:pPr>
+            <a:r>
+              <a:rPr lang="cs-CZ" sz="1200" b="1" dirty="0">
+                <a:solidFill>
+                  <a:srgbClr val="C00000"/>
+                </a:solidFill>
+                <a:latin typeface="Century Gothic" panose="020B0502020202020204" pitchFamily="34" charset="0"/>
+              </a:rPr>
+              <a:t>DIVOŽENKA (</a:t>
+            </a:r>
+            <a:r>
+              <a:rPr lang="cs-CZ" sz="1200" b="1" dirty="0" err="1">
+                <a:solidFill>
+                  <a:srgbClr val="C00000"/>
+                </a:solidFill>
+                <a:latin typeface="Century Gothic" panose="020B0502020202020204" pitchFamily="34" charset="0"/>
+              </a:rPr>
+              <a:t>Nurus</a:t>
+            </a:r>
+            <a:r>
+              <a:rPr lang="cs-CZ" sz="1200" b="1" dirty="0">
+                <a:solidFill>
+                  <a:srgbClr val="C00000"/>
+                </a:solidFill>
+                <a:latin typeface="Century Gothic" panose="020B0502020202020204" pitchFamily="34" charset="0"/>
+              </a:rPr>
+              <a:t> </a:t>
+            </a:r>
+            <a:r>
+              <a:rPr lang="cs-CZ" sz="1200" b="1" dirty="0" err="1">
+                <a:solidFill>
+                  <a:srgbClr val="C00000"/>
+                </a:solidFill>
+                <a:latin typeface="Century Gothic" panose="020B0502020202020204" pitchFamily="34" charset="0"/>
+              </a:rPr>
+              <a:t>divus</a:t>
+            </a:r>
+            <a:r>
+              <a:rPr lang="cs-CZ" sz="1200" b="1" dirty="0">
+                <a:solidFill>
+                  <a:srgbClr val="C00000"/>
+                </a:solidFill>
+                <a:latin typeface="Century Gothic" panose="020B0502020202020204" pitchFamily="34" charset="0"/>
+              </a:rPr>
+              <a:t>) </a:t>
+            </a:r>
+            <a:endParaRPr lang="cs-CZ" sz="1200" b="1" dirty="0" smtClean="0">
+              <a:solidFill>
+                <a:srgbClr val="C00000"/>
+              </a:solidFill>
+              <a:latin typeface="Century Gothic" panose="020B0502020202020204" pitchFamily="34" charset="0"/>
+            </a:endParaRPr>
+          </a:p>
+          <a:p>
+            <a:pPr fontAlgn="base"/>
+            <a:r>
+              <a:rPr lang="cs-CZ" sz="1200" dirty="0" smtClean="0">
+                <a:latin typeface="Century Gothic" panose="020B0502020202020204" pitchFamily="34" charset="0"/>
+              </a:rPr>
+              <a:t>Ženská postava</a:t>
+            </a:r>
+          </a:p>
+          <a:p>
+            <a:pPr fontAlgn="base"/>
+            <a:r>
+              <a:rPr lang="cs-CZ" sz="1200" dirty="0" smtClean="0">
+                <a:latin typeface="Century Gothic" panose="020B0502020202020204" pitchFamily="34" charset="0"/>
+              </a:rPr>
+              <a:t>Zelené šaty až na zem se širokými rukávy, které zakrývají dlaně. Ideálně má rozpažené a trochu pokrčené ruce tak, jak vidíš na ilustrační fotografii.</a:t>
+            </a:r>
+          </a:p>
+          <a:p>
+            <a:pPr fontAlgn="base"/>
+            <a:r>
+              <a:rPr lang="cs-CZ" sz="1200" dirty="0" smtClean="0">
+                <a:latin typeface="Century Gothic" panose="020B0502020202020204" pitchFamily="34" charset="0"/>
+              </a:rPr>
+              <a:t>Šaty jsou zdobeny kožešinami (jak vidíš na fotce)</a:t>
+            </a:r>
+          </a:p>
+          <a:p>
+            <a:pPr fontAlgn="base"/>
+            <a:r>
+              <a:rPr lang="cs-CZ" sz="1200" dirty="0" smtClean="0">
+                <a:latin typeface="Century Gothic" panose="020B0502020202020204" pitchFamily="34" charset="0"/>
+              </a:rPr>
+              <a:t>Místo hlavy je lebka s parožím (ideálně realistická lebka – tzn. Není potřeba zbytečně hledat lebku démoničtější.</a:t>
+            </a:r>
+          </a:p>
+          <a:p>
+            <a:pPr fontAlgn="base"/>
+            <a:r>
+              <a:rPr lang="cs-CZ" sz="1200" dirty="0" smtClean="0">
+                <a:latin typeface="Century Gothic" panose="020B0502020202020204" pitchFamily="34" charset="0"/>
+              </a:rPr>
+              <a:t>Kolem hlavy pod parožím je věnec podobný tomu, co má bludička jen bez svíček. Ideálně na věnci nějaké červené plody.</a:t>
+            </a:r>
+          </a:p>
+          <a:p>
+            <a:pPr fontAlgn="base"/>
+            <a:r>
+              <a:rPr lang="cs-CZ" sz="1200" dirty="0" smtClean="0">
+                <a:latin typeface="Century Gothic" panose="020B0502020202020204" pitchFamily="34" charset="0"/>
+              </a:rPr>
+              <a:t>Pohyb: Vlnění látky na rukávech</a:t>
+            </a:r>
+            <a:endParaRPr lang="cs-CZ" sz="1200" dirty="0">
+              <a:latin typeface="Century Gothic" panose="020B0502020202020204" pitchFamily="34" charset="0"/>
+            </a:endParaRPr>
+          </a:p>
+          <a:p>
+            <a:pPr fontAlgn="base"/>
+            <a:r>
+              <a:rPr lang="cs-CZ" sz="1200" b="1" dirty="0">
+                <a:solidFill>
+                  <a:srgbClr val="000000"/>
+                </a:solidFill>
+                <a:latin typeface="Century Gothic" panose="020B0502020202020204" pitchFamily="34" charset="0"/>
+              </a:rPr>
+              <a:t>Výskyt:</a:t>
+            </a:r>
+            <a:r>
+              <a:rPr lang="cs-CZ" sz="1200" dirty="0">
+                <a:solidFill>
+                  <a:srgbClr val="000000"/>
+                </a:solidFill>
+                <a:latin typeface="Century Gothic" panose="020B0502020202020204" pitchFamily="34" charset="0"/>
+              </a:rPr>
+              <a:t> v hlubokých lesích, budují si rozsáhlé podzemní říše </a:t>
+            </a:r>
+          </a:p>
+          <a:p>
+            <a:pPr fontAlgn="base">
+              <a:buFont typeface="Arial" panose="020B0604020202020204" pitchFamily="34" charset="0"/>
+              <a:buChar char="•"/>
+            </a:pPr>
+            <a:r>
+              <a:rPr lang="cs-CZ" sz="1200" b="1" dirty="0">
+                <a:solidFill>
+                  <a:srgbClr val="000000"/>
+                </a:solidFill>
+                <a:latin typeface="Century Gothic" panose="020B0502020202020204" pitchFamily="34" charset="0"/>
+              </a:rPr>
+              <a:t>Děčínsko:</a:t>
+            </a:r>
+            <a:r>
+              <a:rPr lang="cs-CZ" sz="1200" dirty="0">
+                <a:solidFill>
+                  <a:srgbClr val="000000"/>
+                </a:solidFill>
+                <a:latin typeface="Century Gothic" panose="020B0502020202020204" pitchFamily="34" charset="0"/>
+              </a:rPr>
+              <a:t> Verneřice – Boží vrch, Varnsdorf </a:t>
+            </a:r>
+          </a:p>
+          <a:p>
+            <a:pPr fontAlgn="base">
+              <a:buFont typeface="Arial" panose="020B0604020202020204" pitchFamily="34" charset="0"/>
+              <a:buChar char="•"/>
+            </a:pPr>
+            <a:r>
+              <a:rPr lang="cs-CZ" sz="1200" b="1" dirty="0" err="1">
+                <a:solidFill>
+                  <a:srgbClr val="000000"/>
+                </a:solidFill>
+                <a:latin typeface="Century Gothic" panose="020B0502020202020204" pitchFamily="34" charset="0"/>
+              </a:rPr>
+              <a:t>Teplicko</a:t>
+            </a:r>
+            <a:r>
+              <a:rPr lang="cs-CZ" sz="1200" b="1" dirty="0">
+                <a:solidFill>
+                  <a:srgbClr val="000000"/>
+                </a:solidFill>
+                <a:latin typeface="Century Gothic" panose="020B0502020202020204" pitchFamily="34" charset="0"/>
+              </a:rPr>
+              <a:t>:</a:t>
+            </a:r>
+            <a:r>
+              <a:rPr lang="cs-CZ" sz="1200" dirty="0">
+                <a:solidFill>
+                  <a:srgbClr val="000000"/>
+                </a:solidFill>
+                <a:latin typeface="Century Gothic" panose="020B0502020202020204" pitchFamily="34" charset="0"/>
+              </a:rPr>
+              <a:t> Bystřice (Dubí u Teplic) </a:t>
+            </a:r>
+          </a:p>
+          <a:p>
+            <a:pPr fontAlgn="base">
+              <a:buFont typeface="Arial" panose="020B0604020202020204" pitchFamily="34" charset="0"/>
+              <a:buChar char="•"/>
+            </a:pPr>
+            <a:r>
+              <a:rPr lang="cs-CZ" sz="1200" b="1" dirty="0">
+                <a:solidFill>
+                  <a:srgbClr val="000000"/>
+                </a:solidFill>
+                <a:latin typeface="Century Gothic" panose="020B0502020202020204" pitchFamily="34" charset="0"/>
+              </a:rPr>
+              <a:t>Ústecko:</a:t>
+            </a:r>
+            <a:r>
+              <a:rPr lang="cs-CZ" sz="1200" dirty="0">
+                <a:solidFill>
+                  <a:srgbClr val="000000"/>
+                </a:solidFill>
+                <a:latin typeface="Century Gothic" panose="020B0502020202020204" pitchFamily="34" charset="0"/>
+              </a:rPr>
+              <a:t> vrch Rovný (</a:t>
+            </a:r>
+            <a:r>
+              <a:rPr lang="cs-CZ" sz="1200" dirty="0" err="1">
+                <a:solidFill>
+                  <a:srgbClr val="000000"/>
+                </a:solidFill>
+                <a:latin typeface="Century Gothic" panose="020B0502020202020204" pitchFamily="34" charset="0"/>
+              </a:rPr>
+              <a:t>křovinová</a:t>
+            </a:r>
+            <a:r>
+              <a:rPr lang="cs-CZ" sz="1200" dirty="0">
+                <a:solidFill>
+                  <a:srgbClr val="000000"/>
+                </a:solidFill>
+                <a:latin typeface="Century Gothic" panose="020B0502020202020204" pitchFamily="34" charset="0"/>
+              </a:rPr>
+              <a:t> žínka), </a:t>
+            </a:r>
+            <a:r>
+              <a:rPr lang="cs-CZ" sz="1200" dirty="0" err="1">
+                <a:solidFill>
+                  <a:srgbClr val="000000"/>
+                </a:solidFill>
+                <a:latin typeface="Century Gothic" panose="020B0502020202020204" pitchFamily="34" charset="0"/>
+              </a:rPr>
+              <a:t>Tuchomyšl</a:t>
+            </a:r>
+            <a:r>
+              <a:rPr lang="cs-CZ" sz="1200" dirty="0">
+                <a:solidFill>
+                  <a:srgbClr val="000000"/>
+                </a:solidFill>
+                <a:latin typeface="Century Gothic" panose="020B0502020202020204" pitchFamily="34" charset="0"/>
+              </a:rPr>
+              <a:t> (</a:t>
+            </a:r>
+            <a:r>
+              <a:rPr lang="cs-CZ" sz="1200" dirty="0" err="1">
+                <a:solidFill>
+                  <a:srgbClr val="000000"/>
+                </a:solidFill>
+                <a:latin typeface="Century Gothic" panose="020B0502020202020204" pitchFamily="34" charset="0"/>
+              </a:rPr>
+              <a:t>křovinová</a:t>
+            </a:r>
+            <a:r>
+              <a:rPr lang="cs-CZ" sz="1200" dirty="0">
+                <a:solidFill>
+                  <a:srgbClr val="000000"/>
+                </a:solidFill>
+                <a:latin typeface="Century Gothic" panose="020B0502020202020204" pitchFamily="34" charset="0"/>
+              </a:rPr>
+              <a:t> žínka) </a:t>
+            </a:r>
+          </a:p>
+          <a:p>
+            <a:pPr fontAlgn="base"/>
+            <a:r>
+              <a:rPr lang="cs-CZ" sz="1200" b="1" dirty="0">
+                <a:solidFill>
+                  <a:srgbClr val="000000"/>
+                </a:solidFill>
+                <a:latin typeface="Century Gothic" panose="020B0502020202020204" pitchFamily="34" charset="0"/>
+              </a:rPr>
+              <a:t>Živel: </a:t>
+            </a:r>
+            <a:r>
+              <a:rPr lang="cs-CZ" sz="1200" dirty="0">
+                <a:solidFill>
+                  <a:srgbClr val="000000"/>
+                </a:solidFill>
+                <a:latin typeface="Century Gothic" panose="020B0502020202020204" pitchFamily="34" charset="0"/>
+              </a:rPr>
+              <a:t>země </a:t>
+            </a:r>
+          </a:p>
+          <a:p>
+            <a:pPr fontAlgn="base"/>
+            <a:r>
+              <a:rPr lang="cs-CZ" sz="1200" b="1" dirty="0">
+                <a:solidFill>
+                  <a:srgbClr val="000000"/>
+                </a:solidFill>
+                <a:latin typeface="Century Gothic" panose="020B0502020202020204" pitchFamily="34" charset="0"/>
+              </a:rPr>
+              <a:t>Potrava: </a:t>
+            </a:r>
+            <a:r>
+              <a:rPr lang="cs-CZ" sz="1200" dirty="0">
+                <a:solidFill>
+                  <a:srgbClr val="000000"/>
+                </a:solidFill>
+                <a:latin typeface="Century Gothic" panose="020B0502020202020204" pitchFamily="34" charset="0"/>
+              </a:rPr>
+              <a:t>konkrétně jezinky vykrmují a jedí malé děti </a:t>
+            </a:r>
+          </a:p>
+          <a:p>
+            <a:pPr fontAlgn="base"/>
+            <a:r>
+              <a:rPr lang="cs-CZ" sz="1200" b="1" dirty="0">
+                <a:solidFill>
+                  <a:srgbClr val="000000"/>
+                </a:solidFill>
+                <a:latin typeface="Century Gothic" panose="020B0502020202020204" pitchFamily="34" charset="0"/>
+              </a:rPr>
+              <a:t>Původ/Vznik:</a:t>
+            </a:r>
+            <a:r>
+              <a:rPr lang="cs-CZ" sz="1200" dirty="0">
+                <a:solidFill>
+                  <a:srgbClr val="000000"/>
+                </a:solidFill>
+                <a:latin typeface="Century Gothic" panose="020B0502020202020204" pitchFamily="34" charset="0"/>
+              </a:rPr>
+              <a:t> </a:t>
+            </a:r>
+          </a:p>
+          <a:p>
+            <a:pPr fontAlgn="base">
+              <a:buFont typeface="Arial" panose="020B0604020202020204" pitchFamily="34" charset="0"/>
+              <a:buChar char="•"/>
+            </a:pPr>
+            <a:r>
+              <a:rPr lang="cs-CZ" sz="1200" dirty="0">
+                <a:solidFill>
+                  <a:srgbClr val="000000"/>
+                </a:solidFill>
+                <a:latin typeface="Century Gothic" panose="020B0502020202020204" pitchFamily="34" charset="0"/>
+              </a:rPr>
+              <a:t>zřejmě zdivočelé lesní panny, které o sebe přestaly pečovat </a:t>
+            </a:r>
+          </a:p>
+          <a:p>
+            <a:pPr fontAlgn="base"/>
+            <a:r>
+              <a:rPr lang="cs-CZ" sz="1200" b="1" dirty="0">
+                <a:solidFill>
+                  <a:srgbClr val="000000"/>
+                </a:solidFill>
+                <a:latin typeface="Century Gothic" panose="020B0502020202020204" pitchFamily="34" charset="0"/>
+              </a:rPr>
+              <a:t>Popis (jak vypadá, co umí, zajímavosti): </a:t>
+            </a:r>
+            <a:r>
+              <a:rPr lang="cs-CZ" sz="1200" dirty="0">
+                <a:solidFill>
+                  <a:srgbClr val="000000"/>
+                </a:solidFill>
+                <a:latin typeface="Century Gothic" panose="020B0502020202020204" pitchFamily="34" charset="0"/>
+              </a:rPr>
+              <a:t> </a:t>
+            </a:r>
+          </a:p>
+          <a:p>
+            <a:pPr fontAlgn="base">
+              <a:buFont typeface="Arial" panose="020B0604020202020204" pitchFamily="34" charset="0"/>
+              <a:buChar char="•"/>
+            </a:pPr>
+            <a:r>
+              <a:rPr lang="cs-CZ" sz="1200" dirty="0">
+                <a:solidFill>
+                  <a:srgbClr val="000000"/>
+                </a:solidFill>
+                <a:latin typeface="Century Gothic" panose="020B0502020202020204" pitchFamily="34" charset="0"/>
+              </a:rPr>
+              <a:t>divoženkám se říká i </a:t>
+            </a:r>
+            <a:r>
+              <a:rPr lang="cs-CZ" sz="1200" dirty="0" err="1">
+                <a:solidFill>
+                  <a:srgbClr val="000000"/>
+                </a:solidFill>
+                <a:latin typeface="Century Gothic" panose="020B0502020202020204" pitchFamily="34" charset="0"/>
+              </a:rPr>
+              <a:t>věštice</a:t>
+            </a:r>
+            <a:r>
+              <a:rPr lang="cs-CZ" sz="1200" dirty="0">
+                <a:solidFill>
+                  <a:srgbClr val="000000"/>
+                </a:solidFill>
+                <a:latin typeface="Century Gothic" panose="020B0502020202020204" pitchFamily="34" charset="0"/>
+              </a:rPr>
+              <a:t> nebo </a:t>
+            </a:r>
+            <a:r>
+              <a:rPr lang="cs-CZ" sz="1200" dirty="0" err="1">
+                <a:solidFill>
+                  <a:srgbClr val="000000"/>
+                </a:solidFill>
+                <a:latin typeface="Century Gothic" panose="020B0502020202020204" pitchFamily="34" charset="0"/>
+              </a:rPr>
+              <a:t>bosorky</a:t>
+            </a:r>
+            <a:r>
+              <a:rPr lang="cs-CZ" sz="1200" dirty="0">
+                <a:solidFill>
+                  <a:srgbClr val="000000"/>
+                </a:solidFill>
+                <a:latin typeface="Century Gothic" panose="020B0502020202020204" pitchFamily="34" charset="0"/>
+              </a:rPr>
+              <a:t>, patří k nim také jezinky (ty jsou obzvlášť šeredné a zpustlé) </a:t>
+            </a:r>
+          </a:p>
+          <a:p>
+            <a:pPr fontAlgn="base">
+              <a:buFont typeface="Arial" panose="020B0604020202020204" pitchFamily="34" charset="0"/>
+              <a:buChar char="•"/>
+            </a:pPr>
+            <a:r>
+              <a:rPr lang="cs-CZ" sz="1200" dirty="0" smtClean="0">
+                <a:solidFill>
+                  <a:srgbClr val="000000"/>
+                </a:solidFill>
+                <a:latin typeface="Century Gothic" panose="020B0502020202020204" pitchFamily="34" charset="0"/>
+              </a:rPr>
+              <a:t>vášnivě </a:t>
+            </a:r>
+            <a:r>
+              <a:rPr lang="cs-CZ" sz="1200" dirty="0">
+                <a:solidFill>
+                  <a:srgbClr val="000000"/>
+                </a:solidFill>
+                <a:latin typeface="Century Gothic" panose="020B0502020202020204" pitchFamily="34" charset="0"/>
+              </a:rPr>
+              <a:t>rády tancují, jsou silně spojeny s přírodními silami a z jejich tanců vznikají bouře </a:t>
+            </a:r>
+          </a:p>
+          <a:p>
+            <a:pPr fontAlgn="base">
+              <a:buFont typeface="Arial" panose="020B0604020202020204" pitchFamily="34" charset="0"/>
+              <a:buChar char="•"/>
+            </a:pPr>
+            <a:r>
+              <a:rPr lang="cs-CZ" sz="1200" dirty="0">
+                <a:solidFill>
+                  <a:srgbClr val="000000"/>
+                </a:solidFill>
+                <a:latin typeface="Century Gothic" panose="020B0502020202020204" pitchFamily="34" charset="0"/>
+              </a:rPr>
+              <a:t>znají léčivou moc rostlin a umí předvídat počasí </a:t>
+            </a:r>
+          </a:p>
+          <a:p>
+            <a:pPr fontAlgn="base">
+              <a:buFont typeface="Arial" panose="020B0604020202020204" pitchFamily="34" charset="0"/>
+              <a:buChar char="•"/>
+            </a:pPr>
+            <a:r>
+              <a:rPr lang="cs-CZ" sz="1200" dirty="0">
+                <a:solidFill>
+                  <a:srgbClr val="000000"/>
+                </a:solidFill>
+                <a:latin typeface="Century Gothic" panose="020B0502020202020204" pitchFamily="34" charset="0"/>
+              </a:rPr>
+              <a:t>dokáží se zneviditelnit </a:t>
+            </a:r>
+          </a:p>
+          <a:p>
+            <a:pPr fontAlgn="base"/>
+            <a:r>
+              <a:rPr lang="cs-CZ" sz="1200" b="1" dirty="0" smtClean="0">
+                <a:solidFill>
+                  <a:srgbClr val="000000"/>
+                </a:solidFill>
+                <a:latin typeface="Century Gothic" panose="020B0502020202020204" pitchFamily="34" charset="0"/>
+              </a:rPr>
+              <a:t>Jak </a:t>
+            </a:r>
+            <a:r>
+              <a:rPr lang="cs-CZ" sz="1200" b="1" dirty="0">
+                <a:solidFill>
+                  <a:srgbClr val="000000"/>
+                </a:solidFill>
+                <a:latin typeface="Century Gothic" panose="020B0502020202020204" pitchFamily="34" charset="0"/>
+              </a:rPr>
+              <a:t>na ni:</a:t>
+            </a:r>
+            <a:r>
+              <a:rPr lang="cs-CZ" sz="1200" dirty="0">
+                <a:solidFill>
+                  <a:srgbClr val="000000"/>
+                </a:solidFill>
+                <a:latin typeface="Century Gothic" panose="020B0502020202020204" pitchFamily="34" charset="0"/>
+              </a:rPr>
+              <a:t> </a:t>
+            </a:r>
+          </a:p>
+          <a:p>
+            <a:pPr fontAlgn="base">
+              <a:buFont typeface="Arial" panose="020B0604020202020204" pitchFamily="34" charset="0"/>
+              <a:buChar char="•"/>
+            </a:pPr>
+            <a:r>
+              <a:rPr lang="cs-CZ" sz="1200" dirty="0" smtClean="0">
+                <a:solidFill>
+                  <a:srgbClr val="000000"/>
+                </a:solidFill>
+                <a:latin typeface="Century Gothic" panose="020B0502020202020204" pitchFamily="34" charset="0"/>
+              </a:rPr>
+              <a:t>divoženku </a:t>
+            </a:r>
+            <a:r>
+              <a:rPr lang="cs-CZ" sz="1200" dirty="0">
+                <a:solidFill>
+                  <a:srgbClr val="000000"/>
+                </a:solidFill>
+                <a:latin typeface="Century Gothic" panose="020B0502020202020204" pitchFamily="34" charset="0"/>
+              </a:rPr>
+              <a:t>lze zahnat bylinkami zavěšenými v domě rodičky (stroužek česneku, máta, pelyněk, libeček lékařský nebo také chléb s bílou kůrkou) </a:t>
+            </a:r>
+          </a:p>
+          <a:p>
+            <a:pPr fontAlgn="base">
+              <a:buFont typeface="Arial" panose="020B0604020202020204" pitchFamily="34" charset="0"/>
+              <a:buChar char="•"/>
+            </a:pPr>
+            <a:r>
+              <a:rPr lang="cs-CZ" sz="1200" dirty="0">
+                <a:solidFill>
+                  <a:srgbClr val="000000"/>
+                </a:solidFill>
+                <a:latin typeface="Century Gothic" panose="020B0502020202020204" pitchFamily="34" charset="0"/>
+              </a:rPr>
+              <a:t>jezinky se bojí koček domácích a do domu s kočkou nepřijdou </a:t>
+            </a:r>
+          </a:p>
+        </p:txBody>
+      </p:sp>
+      <p:pic>
+        <p:nvPicPr>
+          <p:cNvPr id="6146" name="Picture 2" descr="https://i.pinimg.com/564x/6c/bf/75/6cbf751aa1e37f52f8f4396943139f74.jpg"/>
+          <p:cNvPicPr>
+            <a:picLocks noChangeAspect="1" noChangeArrowheads="1"/>
+          </p:cNvPicPr>
+          <p:nvPr/>
+        </p:nvPicPr>
+        <p:blipFill>
+          <a:blip r:embed="rId2">
+            <a:extLst>
+              <a:ext uri="{28A0092B-C50C-407E-A947-70E740481C1C}">
+                <a14:useLocalDpi xmlns:a14="http://schemas.microsoft.com/office/drawing/2010/main" val="0"/>
+              </a:ext>
+            </a:extLst>
+          </a:blip>
+          <a:srcRect/>
+          <a:stretch>
+            <a:fillRect/>
+          </a:stretch>
+        </p:blipFill>
+        <p:spPr bwMode="auto">
+          <a:xfrm>
+            <a:off x="384175" y="1266459"/>
+            <a:ext cx="2996253" cy="4451880"/>
+          </a:xfrm>
+          <a:prstGeom prst="rect">
+            <a:avLst/>
+          </a:prstGeom>
+          <a:noFill/>
+          <a:extLst>
+            <a:ext uri="{909E8E84-426E-40DD-AFC4-6F175D3DCCD1}">
+              <a14:hiddenFill xmlns:a14="http://schemas.microsoft.com/office/drawing/2010/main">
+                <a:solidFill>
+                  <a:srgbClr val="FFFFFF"/>
+                </a:solidFill>
+              </a14:hiddenFill>
+            </a:ext>
+          </a:extLst>
+        </p:spPr>
+      </p:pic>
+    </p:spTree>
+    <p:extLst>
+      <p:ext uri="{BB962C8B-B14F-4D97-AF65-F5344CB8AC3E}">
+        <p14:creationId xmlns:p14="http://schemas.microsoft.com/office/powerpoint/2010/main" val="238381367"/>
+      </p:ext>
+    </p:extLst>
+  </p:cSld>
+  <p:clrMapOvr>
+    <a:masterClrMapping/>
+  </p:clrMapOvr>
+  <p:timing>
+    <p:tnLst>
+      <p:par>
+        <p:cTn id="1" dur="indefinite" restart="never" nodeType="tmRoot"/>
+      </p:par>
+    </p:tnLst>
+  </p:timing>
+</p:sld>
+</file>
+
+<file path=ppt/slides/slide11.xml><?xml version="1.0" encoding="utf-8"?>
+<p:sld xmlns:a="http://schemas.openxmlformats.org/drawingml/2006/main" xmlns:r="http://schemas.openxmlformats.org/officeDocument/2006/relationships" xmlns:p="http://schemas.openxmlformats.org/presentationml/2006/main">
+  <p:cSld>
+    <p:spTree>
+      <p:nvGrpSpPr>
+        <p:cNvPr id="1" name=""/>
+        <p:cNvGrpSpPr/>
+        <p:nvPr/>
+      </p:nvGrpSpPr>
+      <p:grpSpPr>
+        <a:xfrm>
+          <a:off x="0" y="0"/>
+          <a:ext cx="0" cy="0"/>
+          <a:chOff x="0" y="0"/>
+          <a:chExt cx="0" cy="0"/>
+        </a:xfrm>
+      </p:grpSpPr>
+      <p:pic>
+        <p:nvPicPr>
+          <p:cNvPr id="7170" name="Picture 2" descr="https://i.pinimg.com/564x/ef/07/df/ef07df8f728997bbf1094d6726f3924b.jpg"/>
+          <p:cNvPicPr>
+            <a:picLocks noChangeAspect="1" noChangeArrowheads="1"/>
+          </p:cNvPicPr>
+          <p:nvPr/>
+        </p:nvPicPr>
+        <p:blipFill>
+          <a:blip r:embed="rId2">
+            <a:extLst>
+              <a:ext uri="{28A0092B-C50C-407E-A947-70E740481C1C}">
+                <a14:useLocalDpi xmlns:a14="http://schemas.microsoft.com/office/drawing/2010/main" val="0"/>
+              </a:ext>
+            </a:extLst>
+          </a:blip>
+          <a:srcRect/>
+          <a:stretch>
+            <a:fillRect/>
+          </a:stretch>
+        </p:blipFill>
+        <p:spPr bwMode="auto">
+          <a:xfrm>
+            <a:off x="430824" y="1069171"/>
+            <a:ext cx="3687152" cy="5788829"/>
+          </a:xfrm>
+          <a:prstGeom prst="rect">
+            <a:avLst/>
+          </a:prstGeom>
+          <a:noFill/>
+          <a:extLst>
+            <a:ext uri="{909E8E84-426E-40DD-AFC4-6F175D3DCCD1}">
+              <a14:hiddenFill xmlns:a14="http://schemas.microsoft.com/office/drawing/2010/main">
+                <a:solidFill>
+                  <a:srgbClr val="FFFFFF"/>
+                </a:solidFill>
+              </a14:hiddenFill>
+            </a:ext>
+          </a:extLst>
+        </p:spPr>
+      </p:pic>
+      <p:sp>
+        <p:nvSpPr>
+          <p:cNvPr id="3" name="Obdélník 2"/>
+          <p:cNvSpPr/>
+          <p:nvPr/>
+        </p:nvSpPr>
+        <p:spPr>
+          <a:xfrm>
+            <a:off x="4117976" y="834449"/>
+            <a:ext cx="5952392" cy="3046988"/>
+          </a:xfrm>
+          <a:prstGeom prst="rect">
+            <a:avLst/>
+          </a:prstGeom>
+        </p:spPr>
+        <p:txBody>
+          <a:bodyPr wrap="square">
+            <a:spAutoFit/>
+          </a:bodyPr>
+          <a:lstStyle/>
+          <a:p>
+            <a:pPr fontAlgn="base">
+              <a:buFont typeface="+mj-lt"/>
+              <a:buAutoNum type="arabicPeriod" startAt="8"/>
+            </a:pPr>
+            <a:r>
+              <a:rPr lang="cs-CZ" sz="1200" b="1" dirty="0" smtClean="0">
+                <a:solidFill>
+                  <a:srgbClr val="C00000"/>
+                </a:solidFill>
+                <a:latin typeface="Century Gothic" panose="020B0502020202020204" pitchFamily="34" charset="0"/>
+              </a:rPr>
+              <a:t>Jezinka</a:t>
+            </a:r>
+          </a:p>
+          <a:p>
+            <a:pPr fontAlgn="base"/>
+            <a:r>
+              <a:rPr lang="cs-CZ" sz="1200" dirty="0" smtClean="0">
+                <a:latin typeface="Century Gothic" panose="020B0502020202020204" pitchFamily="34" charset="0"/>
+              </a:rPr>
+              <a:t>Ženská postava</a:t>
+            </a:r>
+          </a:p>
+          <a:p>
+            <a:pPr fontAlgn="base"/>
+            <a:r>
+              <a:rPr lang="cs-CZ" sz="1200" dirty="0" smtClean="0">
+                <a:latin typeface="Century Gothic" panose="020B0502020202020204" pitchFamily="34" charset="0"/>
+              </a:rPr>
+              <a:t>Černé splývavé šaty, dlouhé černé vlasy i přes obličej. Obličej není vidět vůbec. Zepředu a zezadu vypadá tedy v zásadě stejně. Na ramenou má položené dlaně, na krku zavěšený amulet ve tvaru oka.</a:t>
+            </a:r>
+          </a:p>
+          <a:p>
+            <a:pPr fontAlgn="base"/>
+            <a:r>
+              <a:rPr lang="cs-CZ" sz="1200" dirty="0" smtClean="0">
+                <a:latin typeface="Century Gothic" panose="020B0502020202020204" pitchFamily="34" charset="0"/>
+              </a:rPr>
+              <a:t>Nohy nejsou vidět. Sukně až na zem</a:t>
+            </a:r>
+          </a:p>
+          <a:p>
+            <a:pPr fontAlgn="base"/>
+            <a:r>
+              <a:rPr lang="cs-CZ" sz="1200" dirty="0" smtClean="0">
+                <a:latin typeface="Century Gothic" panose="020B0502020202020204" pitchFamily="34" charset="0"/>
+              </a:rPr>
+              <a:t>Na hlavě má malé paroží, jen drobné růžky (jako má třeba srnec)</a:t>
+            </a:r>
+          </a:p>
+          <a:p>
+            <a:pPr fontAlgn="base"/>
+            <a:r>
+              <a:rPr lang="cs-CZ" sz="1200" dirty="0" smtClean="0">
+                <a:latin typeface="Century Gothic" panose="020B0502020202020204" pitchFamily="34" charset="0"/>
+              </a:rPr>
+              <a:t>Pohyb: Pokud by bylo možné, tak by se mohlo zavírat a otevírat oko amuletu a pokud ne, pak se ji budou opět vlnit jen šaty.</a:t>
+            </a:r>
+          </a:p>
+          <a:p>
+            <a:pPr fontAlgn="base"/>
+            <a:endParaRPr lang="cs-CZ" sz="1200" dirty="0">
+              <a:latin typeface="Century Gothic" panose="020B0502020202020204" pitchFamily="34" charset="0"/>
+            </a:endParaRPr>
+          </a:p>
+          <a:p>
+            <a:pPr fontAlgn="base"/>
+            <a:r>
+              <a:rPr lang="cs-CZ" sz="1200" b="1" dirty="0">
+                <a:solidFill>
+                  <a:srgbClr val="000000"/>
+                </a:solidFill>
+                <a:latin typeface="Century Gothic" panose="020B0502020202020204" pitchFamily="34" charset="0"/>
+              </a:rPr>
+              <a:t>Výskyt:</a:t>
+            </a:r>
+            <a:r>
+              <a:rPr lang="cs-CZ" sz="1200" dirty="0">
+                <a:solidFill>
+                  <a:srgbClr val="000000"/>
+                </a:solidFill>
+                <a:latin typeface="Century Gothic" panose="020B0502020202020204" pitchFamily="34" charset="0"/>
+              </a:rPr>
+              <a:t> v hlubokých lesích, budují si rozsáhlé podzemní říše </a:t>
+            </a:r>
+          </a:p>
+          <a:p>
+            <a:pPr fontAlgn="base">
+              <a:buFont typeface="Arial" panose="020B0604020202020204" pitchFamily="34" charset="0"/>
+              <a:buChar char="•"/>
+            </a:pPr>
+            <a:r>
+              <a:rPr lang="cs-CZ" sz="1200" b="1" dirty="0">
+                <a:solidFill>
+                  <a:srgbClr val="000000"/>
+                </a:solidFill>
+                <a:latin typeface="Century Gothic" panose="020B0502020202020204" pitchFamily="34" charset="0"/>
+              </a:rPr>
+              <a:t>Děčínsko:</a:t>
+            </a:r>
+            <a:r>
+              <a:rPr lang="cs-CZ" sz="1200" dirty="0">
+                <a:solidFill>
+                  <a:srgbClr val="000000"/>
+                </a:solidFill>
+                <a:latin typeface="Century Gothic" panose="020B0502020202020204" pitchFamily="34" charset="0"/>
+              </a:rPr>
+              <a:t> Verneřice – Boží vrch, Varnsdorf </a:t>
+            </a:r>
+          </a:p>
+          <a:p>
+            <a:pPr fontAlgn="base">
+              <a:buFont typeface="Arial" panose="020B0604020202020204" pitchFamily="34" charset="0"/>
+              <a:buChar char="•"/>
+            </a:pPr>
+            <a:r>
+              <a:rPr lang="cs-CZ" sz="1200" b="1" dirty="0" err="1">
+                <a:solidFill>
+                  <a:srgbClr val="000000"/>
+                </a:solidFill>
+                <a:latin typeface="Century Gothic" panose="020B0502020202020204" pitchFamily="34" charset="0"/>
+              </a:rPr>
+              <a:t>Teplicko</a:t>
+            </a:r>
+            <a:r>
+              <a:rPr lang="cs-CZ" sz="1200" b="1" dirty="0">
+                <a:solidFill>
+                  <a:srgbClr val="000000"/>
+                </a:solidFill>
+                <a:latin typeface="Century Gothic" panose="020B0502020202020204" pitchFamily="34" charset="0"/>
+              </a:rPr>
+              <a:t>:</a:t>
+            </a:r>
+            <a:r>
+              <a:rPr lang="cs-CZ" sz="1200" dirty="0">
+                <a:solidFill>
+                  <a:srgbClr val="000000"/>
+                </a:solidFill>
+                <a:latin typeface="Century Gothic" panose="020B0502020202020204" pitchFamily="34" charset="0"/>
+              </a:rPr>
+              <a:t> Bystřice (Dubí u Teplic) </a:t>
+            </a:r>
+          </a:p>
+          <a:p>
+            <a:pPr fontAlgn="base">
+              <a:buFont typeface="Arial" panose="020B0604020202020204" pitchFamily="34" charset="0"/>
+              <a:buChar char="•"/>
+            </a:pPr>
+            <a:r>
+              <a:rPr lang="cs-CZ" sz="1200" b="1" dirty="0">
+                <a:solidFill>
+                  <a:srgbClr val="000000"/>
+                </a:solidFill>
+                <a:latin typeface="Century Gothic" panose="020B0502020202020204" pitchFamily="34" charset="0"/>
+              </a:rPr>
+              <a:t>Ústecko:</a:t>
+            </a:r>
+            <a:r>
+              <a:rPr lang="cs-CZ" sz="1200" dirty="0">
+                <a:solidFill>
+                  <a:srgbClr val="000000"/>
+                </a:solidFill>
+                <a:latin typeface="Century Gothic" panose="020B0502020202020204" pitchFamily="34" charset="0"/>
+              </a:rPr>
+              <a:t> vrch Rovný (</a:t>
+            </a:r>
+            <a:r>
+              <a:rPr lang="cs-CZ" sz="1200" dirty="0" err="1">
+                <a:solidFill>
+                  <a:srgbClr val="000000"/>
+                </a:solidFill>
+                <a:latin typeface="Century Gothic" panose="020B0502020202020204" pitchFamily="34" charset="0"/>
+              </a:rPr>
+              <a:t>křovinová</a:t>
+            </a:r>
+            <a:r>
+              <a:rPr lang="cs-CZ" sz="1200" dirty="0">
+                <a:solidFill>
+                  <a:srgbClr val="000000"/>
+                </a:solidFill>
+                <a:latin typeface="Century Gothic" panose="020B0502020202020204" pitchFamily="34" charset="0"/>
+              </a:rPr>
+              <a:t> žínka), </a:t>
+            </a:r>
+            <a:r>
+              <a:rPr lang="cs-CZ" sz="1200" dirty="0" err="1">
+                <a:solidFill>
+                  <a:srgbClr val="000000"/>
+                </a:solidFill>
+                <a:latin typeface="Century Gothic" panose="020B0502020202020204" pitchFamily="34" charset="0"/>
+              </a:rPr>
+              <a:t>Tuchomyšl</a:t>
+            </a:r>
+            <a:r>
+              <a:rPr lang="cs-CZ" sz="1200" dirty="0">
+                <a:solidFill>
+                  <a:srgbClr val="000000"/>
+                </a:solidFill>
+                <a:latin typeface="Century Gothic" panose="020B0502020202020204" pitchFamily="34" charset="0"/>
+              </a:rPr>
+              <a:t> (</a:t>
+            </a:r>
+            <a:r>
+              <a:rPr lang="cs-CZ" sz="1200" dirty="0" err="1">
+                <a:solidFill>
+                  <a:srgbClr val="000000"/>
+                </a:solidFill>
+                <a:latin typeface="Century Gothic" panose="020B0502020202020204" pitchFamily="34" charset="0"/>
+              </a:rPr>
+              <a:t>křovinová</a:t>
+            </a:r>
+            <a:r>
+              <a:rPr lang="cs-CZ" sz="1200" dirty="0">
+                <a:solidFill>
+                  <a:srgbClr val="000000"/>
+                </a:solidFill>
+                <a:latin typeface="Century Gothic" panose="020B0502020202020204" pitchFamily="34" charset="0"/>
+              </a:rPr>
+              <a:t> žínka) </a:t>
+            </a:r>
+          </a:p>
+          <a:p>
+            <a:pPr fontAlgn="base"/>
+            <a:r>
+              <a:rPr lang="cs-CZ" sz="1200" b="1" dirty="0">
+                <a:solidFill>
+                  <a:srgbClr val="000000"/>
+                </a:solidFill>
+                <a:latin typeface="Century Gothic" panose="020B0502020202020204" pitchFamily="34" charset="0"/>
+              </a:rPr>
+              <a:t>Živel: </a:t>
+            </a:r>
+            <a:r>
+              <a:rPr lang="cs-CZ" sz="1200" dirty="0">
+                <a:solidFill>
+                  <a:srgbClr val="000000"/>
+                </a:solidFill>
+                <a:latin typeface="Century Gothic" panose="020B0502020202020204" pitchFamily="34" charset="0"/>
+              </a:rPr>
+              <a:t>země </a:t>
+            </a:r>
+          </a:p>
+          <a:p>
+            <a:pPr fontAlgn="base"/>
+            <a:r>
+              <a:rPr lang="cs-CZ" sz="1200" b="1" dirty="0" smtClean="0">
+                <a:solidFill>
+                  <a:srgbClr val="000000"/>
+                </a:solidFill>
+                <a:latin typeface="Century Gothic" panose="020B0502020202020204" pitchFamily="34" charset="0"/>
+              </a:rPr>
+              <a:t>Zlá bludička, krade děti, vylupuje oči…</a:t>
+            </a:r>
+            <a:endParaRPr lang="cs-CZ" sz="1200" dirty="0">
+              <a:solidFill>
+                <a:srgbClr val="000000"/>
+              </a:solidFill>
+              <a:latin typeface="Century Gothic" panose="020B0502020202020204" pitchFamily="34" charset="0"/>
+            </a:endParaRPr>
+          </a:p>
+        </p:txBody>
+      </p:sp>
+    </p:spTree>
+    <p:extLst>
+      <p:ext uri="{BB962C8B-B14F-4D97-AF65-F5344CB8AC3E}">
+        <p14:creationId xmlns:p14="http://schemas.microsoft.com/office/powerpoint/2010/main" val="1846335476"/>
+      </p:ext>
+    </p:extLst>
+  </p:cSld>
+  <p:clrMapOvr>
+    <a:masterClrMapping/>
+  </p:clrMapOvr>
+  <p:timing>
+    <p:tnLst>
+      <p:par>
+        <p:cTn id="1" dur="indefinite" restart="never" nodeType="tmRoot"/>
+      </p:par>
+    </p:tnLst>
+  </p:timing>
+</p:sld>
+</file>
+
+<file path=ppt/slides/slide12.xml><?xml version="1.0" encoding="utf-8"?>
+<p:sld xmlns:a="http://schemas.openxmlformats.org/drawingml/2006/main" xmlns:r="http://schemas.openxmlformats.org/officeDocument/2006/relationships" xmlns:p="http://schemas.openxmlformats.org/presentationml/2006/main">
+  <p:cSld>
+    <p:spTree>
+      <p:nvGrpSpPr>
+        <p:cNvPr id="1" name=""/>
+        <p:cNvGrpSpPr/>
+        <p:nvPr/>
+      </p:nvGrpSpPr>
+      <p:grpSpPr>
+        <a:xfrm>
+          <a:off x="0" y="0"/>
+          <a:ext cx="0" cy="0"/>
+          <a:chOff x="0" y="0"/>
+          <a:chExt cx="0" cy="0"/>
+        </a:xfrm>
+      </p:grpSpPr>
+      <p:pic>
+        <p:nvPicPr>
+          <p:cNvPr id="9218" name="Picture 2" descr="https://i.pinimg.com/564x/4e/e8/9c/4ee89cf9f267de681ae15879dc07212d.jpg"/>
+          <p:cNvPicPr>
+            <a:picLocks noChangeAspect="1" noChangeArrowheads="1"/>
+          </p:cNvPicPr>
+          <p:nvPr/>
+        </p:nvPicPr>
+        <p:blipFill>
+          <a:blip r:embed="rId2">
+            <a:extLst>
+              <a:ext uri="{28A0092B-C50C-407E-A947-70E740481C1C}">
+                <a14:useLocalDpi xmlns:a14="http://schemas.microsoft.com/office/drawing/2010/main" val="0"/>
+              </a:ext>
+            </a:extLst>
+          </a:blip>
+          <a:srcRect/>
+          <a:stretch>
+            <a:fillRect/>
+          </a:stretch>
+        </p:blipFill>
+        <p:spPr bwMode="auto">
+          <a:xfrm>
+            <a:off x="230220" y="747550"/>
+            <a:ext cx="3832761" cy="5130735"/>
+          </a:xfrm>
+          <a:prstGeom prst="rect">
+            <a:avLst/>
+          </a:prstGeom>
+          <a:noFill/>
+          <a:extLst>
+            <a:ext uri="{909E8E84-426E-40DD-AFC4-6F175D3DCCD1}">
+              <a14:hiddenFill xmlns:a14="http://schemas.microsoft.com/office/drawing/2010/main">
+                <a:solidFill>
+                  <a:srgbClr val="FFFFFF"/>
+                </a:solidFill>
+              </a14:hiddenFill>
+            </a:ext>
+          </a:extLst>
+        </p:spPr>
+      </p:pic>
+      <p:sp>
+        <p:nvSpPr>
+          <p:cNvPr id="2" name="Obdélník 1"/>
+          <p:cNvSpPr/>
+          <p:nvPr/>
+        </p:nvSpPr>
+        <p:spPr>
+          <a:xfrm>
+            <a:off x="4062981" y="302330"/>
+            <a:ext cx="5025035" cy="6555641"/>
+          </a:xfrm>
+          <a:prstGeom prst="rect">
+            <a:avLst/>
+          </a:prstGeom>
+        </p:spPr>
+        <p:txBody>
+          <a:bodyPr wrap="square">
+            <a:spAutoFit/>
+          </a:bodyPr>
+          <a:lstStyle/>
+          <a:p>
+            <a:pPr fontAlgn="base">
+              <a:buFont typeface="+mj-lt"/>
+              <a:buAutoNum type="arabicPeriod" startAt="10"/>
+            </a:pPr>
+            <a:r>
+              <a:rPr lang="cs-CZ" sz="1200" b="1" dirty="0">
+                <a:solidFill>
+                  <a:srgbClr val="C00000"/>
+                </a:solidFill>
+                <a:latin typeface="Century Gothic" panose="020B0502020202020204" pitchFamily="34" charset="0"/>
+              </a:rPr>
+              <a:t>DOMOVNÍČEK (Vir </a:t>
+            </a:r>
+            <a:r>
+              <a:rPr lang="cs-CZ" sz="1200" b="1" dirty="0" err="1">
+                <a:solidFill>
+                  <a:srgbClr val="C00000"/>
+                </a:solidFill>
+                <a:latin typeface="Century Gothic" panose="020B0502020202020204" pitchFamily="34" charset="0"/>
+              </a:rPr>
+              <a:t>domesticus</a:t>
+            </a:r>
+            <a:r>
+              <a:rPr lang="cs-CZ" sz="1200" b="1" dirty="0">
+                <a:solidFill>
+                  <a:srgbClr val="C00000"/>
+                </a:solidFill>
+                <a:latin typeface="Century Gothic" panose="020B0502020202020204" pitchFamily="34" charset="0"/>
+              </a:rPr>
+              <a:t>) </a:t>
+            </a:r>
+            <a:endParaRPr lang="cs-CZ" sz="1200" b="1" dirty="0" smtClean="0">
+              <a:solidFill>
+                <a:srgbClr val="C00000"/>
+              </a:solidFill>
+              <a:latin typeface="Century Gothic" panose="020B0502020202020204" pitchFamily="34" charset="0"/>
+            </a:endParaRPr>
+          </a:p>
+          <a:p>
+            <a:pPr fontAlgn="base"/>
+            <a:r>
+              <a:rPr lang="cs-CZ" sz="1200" b="1" dirty="0" smtClean="0">
+                <a:solidFill>
+                  <a:srgbClr val="C00000"/>
+                </a:solidFill>
+                <a:latin typeface="Century Gothic" panose="020B0502020202020204" pitchFamily="34" charset="0"/>
+              </a:rPr>
+              <a:t>Malá mužská postava</a:t>
+            </a:r>
+          </a:p>
+          <a:p>
+            <a:pPr fontAlgn="base"/>
+            <a:r>
+              <a:rPr lang="cs-CZ" sz="1200" dirty="0" smtClean="0">
+                <a:latin typeface="Century Gothic" panose="020B0502020202020204" pitchFamily="34" charset="0"/>
+              </a:rPr>
+              <a:t>Červený kabátek/košile delší ke kolenům, široké kalhoty splývající až přes chodidla. Ruce má spojené jako postava na fotce vlevo a přes dlaně mu jde utěrka ve světlé barvě</a:t>
+            </a:r>
+          </a:p>
+          <a:p>
+            <a:pPr fontAlgn="base"/>
+            <a:r>
+              <a:rPr lang="cs-CZ" sz="1200" dirty="0" smtClean="0">
+                <a:latin typeface="Century Gothic" panose="020B0502020202020204" pitchFamily="34" charset="0"/>
+              </a:rPr>
+              <a:t>Na hlavě má klobouček zpod krempy klobouku splývají přes obličej pestrobarevné mašle/pentle (veselé barvy jako velikonoční vejce).</a:t>
+            </a:r>
+          </a:p>
+          <a:p>
+            <a:pPr fontAlgn="base"/>
+            <a:r>
+              <a:rPr lang="cs-CZ" sz="1200" dirty="0" smtClean="0">
+                <a:latin typeface="Century Gothic" panose="020B0502020202020204" pitchFamily="34" charset="0"/>
+              </a:rPr>
+              <a:t>Pohyb: Vlnění pentlí/mašlí</a:t>
+            </a:r>
+            <a:endParaRPr lang="cs-CZ" sz="1200" dirty="0">
+              <a:latin typeface="Century Gothic" panose="020B0502020202020204" pitchFamily="34" charset="0"/>
+            </a:endParaRPr>
+          </a:p>
+          <a:p>
+            <a:pPr fontAlgn="base"/>
+            <a:r>
+              <a:rPr lang="cs-CZ" sz="1200" b="1" dirty="0">
+                <a:solidFill>
+                  <a:srgbClr val="000000"/>
+                </a:solidFill>
+                <a:latin typeface="Century Gothic" panose="020B0502020202020204" pitchFamily="34" charset="0"/>
+              </a:rPr>
+              <a:t>Výskyt:</a:t>
+            </a:r>
+            <a:r>
+              <a:rPr lang="cs-CZ" sz="1200" dirty="0">
+                <a:solidFill>
+                  <a:srgbClr val="000000"/>
+                </a:solidFill>
+                <a:latin typeface="Century Gothic" panose="020B0502020202020204" pitchFamily="34" charset="0"/>
+              </a:rPr>
+              <a:t> v lidské domácnosti, většinou za kamny, v pokoji pod postelí nebo v šatníku </a:t>
+            </a:r>
+          </a:p>
+          <a:p>
+            <a:pPr fontAlgn="base">
+              <a:buFont typeface="Arial" panose="020B0604020202020204" pitchFamily="34" charset="0"/>
+              <a:buChar char="•"/>
+            </a:pPr>
+            <a:r>
+              <a:rPr lang="cs-CZ" sz="1200" b="1" dirty="0">
+                <a:solidFill>
+                  <a:srgbClr val="000000"/>
+                </a:solidFill>
+                <a:latin typeface="Century Gothic" panose="020B0502020202020204" pitchFamily="34" charset="0"/>
+              </a:rPr>
+              <a:t>Poohří:</a:t>
+            </a:r>
+            <a:r>
+              <a:rPr lang="cs-CZ" sz="1200" dirty="0">
+                <a:solidFill>
+                  <a:srgbClr val="000000"/>
+                </a:solidFill>
+                <a:latin typeface="Century Gothic" panose="020B0502020202020204" pitchFamily="34" charset="0"/>
+              </a:rPr>
+              <a:t> v každém domě v údolí řeky Ohře </a:t>
+            </a:r>
+          </a:p>
+          <a:p>
+            <a:pPr fontAlgn="base">
+              <a:buFont typeface="Arial" panose="020B0604020202020204" pitchFamily="34" charset="0"/>
+              <a:buChar char="•"/>
+            </a:pPr>
+            <a:r>
+              <a:rPr lang="cs-CZ" sz="1200" b="1" dirty="0">
+                <a:solidFill>
+                  <a:srgbClr val="000000"/>
+                </a:solidFill>
+                <a:latin typeface="Century Gothic" panose="020B0502020202020204" pitchFamily="34" charset="0"/>
+              </a:rPr>
+              <a:t>Mostecko:</a:t>
+            </a:r>
+            <a:r>
+              <a:rPr lang="cs-CZ" sz="1200" dirty="0">
+                <a:solidFill>
+                  <a:srgbClr val="000000"/>
+                </a:solidFill>
+                <a:latin typeface="Century Gothic" panose="020B0502020202020204" pitchFamily="34" charset="0"/>
+              </a:rPr>
+              <a:t> Vtelno (statek) </a:t>
+            </a:r>
+          </a:p>
+          <a:p>
+            <a:pPr fontAlgn="base">
+              <a:buFont typeface="Arial" panose="020B0604020202020204" pitchFamily="34" charset="0"/>
+              <a:buChar char="•"/>
+            </a:pPr>
+            <a:r>
+              <a:rPr lang="cs-CZ" sz="1200" b="1" dirty="0">
+                <a:solidFill>
+                  <a:srgbClr val="000000"/>
+                </a:solidFill>
+                <a:latin typeface="Century Gothic" panose="020B0502020202020204" pitchFamily="34" charset="0"/>
+              </a:rPr>
+              <a:t>Žatecko:</a:t>
+            </a:r>
+            <a:r>
+              <a:rPr lang="cs-CZ" sz="1200" dirty="0">
+                <a:solidFill>
+                  <a:srgbClr val="000000"/>
+                </a:solidFill>
+                <a:latin typeface="Century Gothic" panose="020B0502020202020204" pitchFamily="34" charset="0"/>
+              </a:rPr>
+              <a:t> Žatec </a:t>
+            </a:r>
+          </a:p>
+          <a:p>
+            <a:pPr fontAlgn="base"/>
+            <a:r>
+              <a:rPr lang="cs-CZ" sz="1200" b="1" dirty="0">
+                <a:solidFill>
+                  <a:srgbClr val="000000"/>
+                </a:solidFill>
+                <a:latin typeface="Century Gothic" panose="020B0502020202020204" pitchFamily="34" charset="0"/>
+              </a:rPr>
+              <a:t>Živel: </a:t>
+            </a:r>
+            <a:r>
+              <a:rPr lang="cs-CZ" sz="1200" dirty="0">
+                <a:solidFill>
+                  <a:srgbClr val="000000"/>
+                </a:solidFill>
+                <a:latin typeface="Century Gothic" panose="020B0502020202020204" pitchFamily="34" charset="0"/>
+              </a:rPr>
+              <a:t>země </a:t>
+            </a:r>
+          </a:p>
+          <a:p>
+            <a:pPr fontAlgn="base"/>
+            <a:r>
+              <a:rPr lang="cs-CZ" sz="1200" b="1" dirty="0">
+                <a:solidFill>
+                  <a:srgbClr val="000000"/>
+                </a:solidFill>
+                <a:latin typeface="Century Gothic" panose="020B0502020202020204" pitchFamily="34" charset="0"/>
+              </a:rPr>
+              <a:t>Potrava: </a:t>
+            </a:r>
+            <a:r>
+              <a:rPr lang="cs-CZ" sz="1200" dirty="0">
+                <a:solidFill>
+                  <a:srgbClr val="000000"/>
+                </a:solidFill>
+                <a:latin typeface="Century Gothic" panose="020B0502020202020204" pitchFamily="34" charset="0"/>
+              </a:rPr>
+              <a:t>lidské jídlo </a:t>
+            </a:r>
+          </a:p>
+          <a:p>
+            <a:pPr fontAlgn="base"/>
+            <a:r>
+              <a:rPr lang="cs-CZ" sz="1200" b="1" dirty="0">
+                <a:solidFill>
+                  <a:srgbClr val="000000"/>
+                </a:solidFill>
+                <a:latin typeface="Century Gothic" panose="020B0502020202020204" pitchFamily="34" charset="0"/>
+              </a:rPr>
+              <a:t>Původ/Vznik: </a:t>
+            </a:r>
+            <a:r>
+              <a:rPr lang="cs-CZ" sz="1200" dirty="0">
+                <a:solidFill>
+                  <a:srgbClr val="000000"/>
+                </a:solidFill>
+                <a:latin typeface="Century Gothic" panose="020B0502020202020204" pitchFamily="34" charset="0"/>
+              </a:rPr>
+              <a:t>? </a:t>
+            </a:r>
+          </a:p>
+          <a:p>
+            <a:pPr fontAlgn="base"/>
+            <a:r>
+              <a:rPr lang="cs-CZ" sz="1200" b="1" dirty="0">
+                <a:solidFill>
+                  <a:srgbClr val="000000"/>
+                </a:solidFill>
+                <a:latin typeface="Century Gothic" panose="020B0502020202020204" pitchFamily="34" charset="0"/>
+              </a:rPr>
+              <a:t>Popis (jak vypadá, co umí, zajímavosti): </a:t>
+            </a:r>
+            <a:r>
+              <a:rPr lang="cs-CZ" sz="1200" dirty="0">
+                <a:solidFill>
+                  <a:srgbClr val="000000"/>
+                </a:solidFill>
+                <a:latin typeface="Century Gothic" panose="020B0502020202020204" pitchFamily="34" charset="0"/>
+              </a:rPr>
+              <a:t> </a:t>
+            </a:r>
+          </a:p>
+          <a:p>
+            <a:pPr fontAlgn="base">
+              <a:buFont typeface="Arial" panose="020B0604020202020204" pitchFamily="34" charset="0"/>
+              <a:buChar char="•"/>
+            </a:pPr>
+            <a:r>
+              <a:rPr lang="cs-CZ" sz="1200" dirty="0">
+                <a:solidFill>
+                  <a:srgbClr val="000000"/>
+                </a:solidFill>
+                <a:latin typeface="Century Gothic" panose="020B0502020202020204" pitchFamily="34" charset="0"/>
+              </a:rPr>
+              <a:t>velký je jako tříleté dítě </a:t>
+            </a:r>
+          </a:p>
+          <a:p>
+            <a:pPr fontAlgn="base">
+              <a:buFont typeface="Arial" panose="020B0604020202020204" pitchFamily="34" charset="0"/>
+              <a:buChar char="•"/>
+            </a:pPr>
+            <a:r>
+              <a:rPr lang="cs-CZ" sz="1200" dirty="0">
+                <a:solidFill>
+                  <a:srgbClr val="000000"/>
+                </a:solidFill>
+                <a:latin typeface="Century Gothic" panose="020B0502020202020204" pitchFamily="34" charset="0"/>
+              </a:rPr>
+              <a:t>nosí tmavočervený pláštík a špičatou čepici, modravé kalhoty a lakované střevíčky se stříbrnými přezkami, ale někteří jsou nazí a nosí jen hadříky, které najdou </a:t>
+            </a:r>
+          </a:p>
+          <a:p>
+            <a:pPr fontAlgn="base">
+              <a:buFont typeface="Arial" panose="020B0604020202020204" pitchFamily="34" charset="0"/>
+              <a:buChar char="•"/>
+            </a:pPr>
+            <a:r>
+              <a:rPr lang="cs-CZ" sz="1200" dirty="0">
+                <a:solidFill>
+                  <a:srgbClr val="000000"/>
+                </a:solidFill>
+                <a:latin typeface="Century Gothic" panose="020B0502020202020204" pitchFamily="34" charset="0"/>
+              </a:rPr>
+              <a:t>je to ochranný domácí duch, v rodině si oblíbí jednoho člena a toho se nepustí, i kdyby se odstěhoval – rozdělí je jen smrt člověka, on sám je nesmrtelný </a:t>
+            </a:r>
+          </a:p>
+          <a:p>
+            <a:pPr fontAlgn="base">
+              <a:buFont typeface="Arial" panose="020B0604020202020204" pitchFamily="34" charset="0"/>
+              <a:buChar char="•"/>
+            </a:pPr>
+            <a:r>
+              <a:rPr lang="cs-CZ" sz="1200" dirty="0">
+                <a:solidFill>
+                  <a:srgbClr val="000000"/>
+                </a:solidFill>
+                <a:latin typeface="Century Gothic" panose="020B0502020202020204" pitchFamily="34" charset="0"/>
+              </a:rPr>
+              <a:t>pokud ho lidé spatří nebo mu dají oblečení, domovníček domácnost opustí  </a:t>
+            </a:r>
+          </a:p>
+          <a:p>
+            <a:pPr fontAlgn="base">
+              <a:buFont typeface="Arial" panose="020B0604020202020204" pitchFamily="34" charset="0"/>
+              <a:buChar char="•"/>
+            </a:pPr>
+            <a:r>
+              <a:rPr lang="cs-CZ" sz="1200" dirty="0">
+                <a:solidFill>
+                  <a:srgbClr val="000000"/>
+                </a:solidFill>
+                <a:latin typeface="Century Gothic" panose="020B0502020202020204" pitchFamily="34" charset="0"/>
+              </a:rPr>
+              <a:t>pohybuje se tiše, jen občas pro zábavu dupe a šimráním budí spící </a:t>
+            </a:r>
+          </a:p>
+          <a:p>
+            <a:pPr fontAlgn="base">
+              <a:buFont typeface="Arial" panose="020B0604020202020204" pitchFamily="34" charset="0"/>
+              <a:buChar char="•"/>
+            </a:pPr>
+            <a:r>
+              <a:rPr lang="cs-CZ" sz="1200" dirty="0">
+                <a:solidFill>
+                  <a:srgbClr val="000000"/>
+                </a:solidFill>
+                <a:latin typeface="Century Gothic" panose="020B0502020202020204" pitchFamily="34" charset="0"/>
+              </a:rPr>
+              <a:t>rád pomáhá s úklidem, ale také rád uždibuje jídlo  </a:t>
+            </a:r>
+          </a:p>
+          <a:p>
+            <a:pPr fontAlgn="base">
+              <a:buFont typeface="Arial" panose="020B0604020202020204" pitchFamily="34" charset="0"/>
+              <a:buChar char="•"/>
+            </a:pPr>
+            <a:r>
+              <a:rPr lang="cs-CZ" sz="1200" dirty="0">
+                <a:solidFill>
+                  <a:srgbClr val="000000"/>
+                </a:solidFill>
+                <a:latin typeface="Century Gothic" panose="020B0502020202020204" pitchFamily="34" charset="0"/>
+              </a:rPr>
+              <a:t>kde bydlí, tam nejsou žádná (další) strašidla </a:t>
+            </a:r>
+          </a:p>
+          <a:p>
+            <a:pPr fontAlgn="base"/>
+            <a:r>
+              <a:rPr lang="cs-CZ" sz="1200" b="1" dirty="0">
+                <a:solidFill>
+                  <a:srgbClr val="000000"/>
+                </a:solidFill>
+                <a:latin typeface="Century Gothic" panose="020B0502020202020204" pitchFamily="34" charset="0"/>
+              </a:rPr>
+              <a:t>Jak na něj:</a:t>
+            </a:r>
+            <a:r>
+              <a:rPr lang="cs-CZ" sz="1200" dirty="0">
+                <a:solidFill>
+                  <a:srgbClr val="000000"/>
+                </a:solidFill>
+                <a:latin typeface="Century Gothic" panose="020B0502020202020204" pitchFamily="34" charset="0"/>
+              </a:rPr>
+              <a:t> </a:t>
+            </a:r>
+          </a:p>
+          <a:p>
+            <a:pPr fontAlgn="base">
+              <a:buFont typeface="Arial" panose="020B0604020202020204" pitchFamily="34" charset="0"/>
+              <a:buChar char="•"/>
+            </a:pPr>
+            <a:r>
+              <a:rPr lang="cs-CZ" sz="1200" dirty="0">
+                <a:solidFill>
+                  <a:srgbClr val="000000"/>
+                </a:solidFill>
+                <a:latin typeface="Century Gothic" panose="020B0502020202020204" pitchFamily="34" charset="0"/>
+              </a:rPr>
+              <a:t>za úklid ho můžete odměnit kousíčkem z každého jídla, které se v domě jí  </a:t>
+            </a:r>
+          </a:p>
+          <a:p>
+            <a:pPr fontAlgn="base"/>
+            <a:r>
+              <a:rPr lang="cs-CZ" sz="1200" dirty="0">
+                <a:solidFill>
+                  <a:srgbClr val="000000"/>
+                </a:solidFill>
+                <a:latin typeface="Century Gothic" panose="020B0502020202020204" pitchFamily="34" charset="0"/>
+              </a:rPr>
+              <a:t> </a:t>
+            </a:r>
+            <a:endParaRPr lang="cs-CZ" sz="1200" b="0" i="0" dirty="0">
+              <a:solidFill>
+                <a:srgbClr val="000000"/>
+              </a:solidFill>
+              <a:effectLst/>
+              <a:latin typeface="Century Gothic" panose="020B0502020202020204" pitchFamily="34" charset="0"/>
+            </a:endParaRPr>
+          </a:p>
+        </p:txBody>
+      </p:sp>
+      <p:cxnSp>
+        <p:nvCxnSpPr>
+          <p:cNvPr id="4" name="Přímá spojnice 3"/>
+          <p:cNvCxnSpPr/>
+          <p:nvPr/>
+        </p:nvCxnSpPr>
+        <p:spPr>
+          <a:xfrm flipV="1">
+            <a:off x="2250831" y="1305169"/>
+            <a:ext cx="1414584" cy="2969846"/>
+          </a:xfrm>
+          <a:prstGeom prst="line">
+            <a:avLst/>
+          </a:prstGeom>
+          <a:ln w="57150">
+            <a:solidFill>
+              <a:srgbClr val="FFFF00"/>
+            </a:solidFill>
+          </a:ln>
+        </p:spPr>
+        <p:style>
+          <a:lnRef idx="1">
+            <a:schemeClr val="accent1"/>
+          </a:lnRef>
+          <a:fillRef idx="0">
+            <a:schemeClr val="accent1"/>
+          </a:fillRef>
+          <a:effectRef idx="0">
+            <a:schemeClr val="accent1"/>
+          </a:effectRef>
+          <a:fontRef idx="minor">
+            <a:schemeClr val="tx1"/>
+          </a:fontRef>
+        </p:style>
+      </p:cxnSp>
+    </p:spTree>
+    <p:extLst>
+      <p:ext uri="{BB962C8B-B14F-4D97-AF65-F5344CB8AC3E}">
+        <p14:creationId xmlns:p14="http://schemas.microsoft.com/office/powerpoint/2010/main" val="827486271"/>
+      </p:ext>
+    </p:extLst>
+  </p:cSld>
+  <p:clrMapOvr>
+    <a:masterClrMapping/>
+  </p:clrMapOvr>
+  <p:timing>
+    <p:tnLst>
+      <p:par>
+        <p:cTn id="1" dur="indefinite" restart="never" nodeType="tmRoot"/>
+      </p:par>
+    </p:tnLst>
+  </p:timing>
+</p:sld>
+</file>
+
+<file path=ppt/slides/slide13.xml><?xml version="1.0" encoding="utf-8"?>
+<p:sld xmlns:a="http://schemas.openxmlformats.org/drawingml/2006/main" xmlns:r="http://schemas.openxmlformats.org/officeDocument/2006/relationships" xmlns:p="http://schemas.openxmlformats.org/presentationml/2006/main">
+  <p:cSld>
+    <p:spTree>
+      <p:nvGrpSpPr>
+        <p:cNvPr id="1" name=""/>
+        <p:cNvGrpSpPr/>
+        <p:nvPr/>
+      </p:nvGrpSpPr>
+      <p:grpSpPr>
+        <a:xfrm>
+          <a:off x="0" y="0"/>
+          <a:ext cx="0" cy="0"/>
+          <a:chOff x="0" y="0"/>
+          <a:chExt cx="0" cy="0"/>
+        </a:xfrm>
+      </p:grpSpPr>
+      <p:sp>
+        <p:nvSpPr>
+          <p:cNvPr id="2" name="Obdélník 1"/>
+          <p:cNvSpPr/>
+          <p:nvPr/>
+        </p:nvSpPr>
+        <p:spPr>
+          <a:xfrm>
+            <a:off x="4024923" y="0"/>
+            <a:ext cx="5374054" cy="6924973"/>
+          </a:xfrm>
+          <a:prstGeom prst="rect">
+            <a:avLst/>
+          </a:prstGeom>
+        </p:spPr>
+        <p:txBody>
+          <a:bodyPr wrap="square">
+            <a:spAutoFit/>
+          </a:bodyPr>
+          <a:lstStyle/>
+          <a:p>
+            <a:pPr fontAlgn="base">
+              <a:buFont typeface="+mj-lt"/>
+              <a:buAutoNum type="arabicPeriod" startAt="11"/>
+            </a:pPr>
+            <a:r>
+              <a:rPr lang="cs-CZ" sz="1200" b="1" dirty="0">
+                <a:solidFill>
+                  <a:srgbClr val="C00000"/>
+                </a:solidFill>
+                <a:latin typeface="Century Gothic" panose="020B0502020202020204" pitchFamily="34" charset="0"/>
+              </a:rPr>
+              <a:t>DRAK (</a:t>
+            </a:r>
+            <a:r>
+              <a:rPr lang="cs-CZ" sz="1200" b="1" dirty="0" err="1">
+                <a:solidFill>
+                  <a:srgbClr val="C00000"/>
+                </a:solidFill>
+                <a:latin typeface="Century Gothic" panose="020B0502020202020204" pitchFamily="34" charset="0"/>
+              </a:rPr>
+              <a:t>Draco</a:t>
+            </a:r>
+            <a:r>
+              <a:rPr lang="cs-CZ" sz="1200" b="1" dirty="0">
+                <a:solidFill>
+                  <a:srgbClr val="C00000"/>
+                </a:solidFill>
+                <a:latin typeface="Century Gothic" panose="020B0502020202020204" pitchFamily="34" charset="0"/>
+              </a:rPr>
+              <a:t>) </a:t>
+            </a:r>
+          </a:p>
+          <a:p>
+            <a:pPr fontAlgn="base"/>
+            <a:r>
+              <a:rPr lang="cs-CZ" sz="1200" b="1" dirty="0">
+                <a:solidFill>
+                  <a:srgbClr val="000000"/>
+                </a:solidFill>
+                <a:latin typeface="Century Gothic" panose="020B0502020202020204" pitchFamily="34" charset="0"/>
+              </a:rPr>
+              <a:t>Výskyt:</a:t>
+            </a:r>
+            <a:r>
+              <a:rPr lang="cs-CZ" sz="1200" dirty="0">
+                <a:solidFill>
+                  <a:srgbClr val="000000"/>
+                </a:solidFill>
+                <a:latin typeface="Century Gothic" panose="020B0502020202020204" pitchFamily="34" charset="0"/>
+              </a:rPr>
+              <a:t> obývá divoké hory, skalní rozsedliny, propasti, opuštěné hrady nebo jeskyně, ale vždy blízko vody </a:t>
+            </a:r>
+          </a:p>
+          <a:p>
+            <a:pPr fontAlgn="base">
+              <a:buFont typeface="Arial" panose="020B0604020202020204" pitchFamily="34" charset="0"/>
+              <a:buChar char="•"/>
+            </a:pPr>
+            <a:r>
+              <a:rPr lang="cs-CZ" sz="1200" b="1" dirty="0">
+                <a:solidFill>
+                  <a:srgbClr val="000000"/>
+                </a:solidFill>
+                <a:latin typeface="Century Gothic" panose="020B0502020202020204" pitchFamily="34" charset="0"/>
+              </a:rPr>
+              <a:t>Děčínsko:</a:t>
+            </a:r>
+            <a:r>
+              <a:rPr lang="cs-CZ" sz="1200" dirty="0">
+                <a:solidFill>
+                  <a:srgbClr val="000000"/>
+                </a:solidFill>
+                <a:latin typeface="Century Gothic" panose="020B0502020202020204" pitchFamily="34" charset="0"/>
+              </a:rPr>
+              <a:t> Pustý zámek – Lužické hory (u České Kamenice) </a:t>
+            </a:r>
+          </a:p>
+          <a:p>
+            <a:pPr fontAlgn="base">
+              <a:buFont typeface="Arial" panose="020B0604020202020204" pitchFamily="34" charset="0"/>
+              <a:buChar char="•"/>
+            </a:pPr>
+            <a:r>
+              <a:rPr lang="cs-CZ" sz="1200" b="1" dirty="0">
+                <a:solidFill>
+                  <a:srgbClr val="000000"/>
+                </a:solidFill>
+                <a:latin typeface="Century Gothic" panose="020B0502020202020204" pitchFamily="34" charset="0"/>
+              </a:rPr>
+              <a:t>Chomutovsko:</a:t>
+            </a:r>
+            <a:r>
+              <a:rPr lang="cs-CZ" sz="1200" dirty="0">
+                <a:solidFill>
+                  <a:srgbClr val="000000"/>
+                </a:solidFill>
+                <a:latin typeface="Century Gothic" panose="020B0502020202020204" pitchFamily="34" charset="0"/>
+              </a:rPr>
+              <a:t> vřesoviště mezi Horou Sv. Šebestiána a </a:t>
+            </a:r>
+            <a:r>
+              <a:rPr lang="cs-CZ" sz="1200" dirty="0" err="1">
+                <a:solidFill>
+                  <a:srgbClr val="000000"/>
+                </a:solidFill>
+                <a:latin typeface="Century Gothic" panose="020B0502020202020204" pitchFamily="34" charset="0"/>
+              </a:rPr>
+              <a:t>Načetínem</a:t>
+            </a:r>
+            <a:r>
+              <a:rPr lang="cs-CZ" sz="1200" dirty="0">
+                <a:solidFill>
+                  <a:srgbClr val="000000"/>
+                </a:solidFill>
+                <a:latin typeface="Century Gothic" panose="020B0502020202020204" pitchFamily="34" charset="0"/>
+              </a:rPr>
+              <a:t>, </a:t>
+            </a:r>
+            <a:r>
+              <a:rPr lang="cs-CZ" sz="1200" dirty="0" err="1">
+                <a:solidFill>
+                  <a:srgbClr val="000000"/>
+                </a:solidFill>
+                <a:latin typeface="Century Gothic" panose="020B0502020202020204" pitchFamily="34" charset="0"/>
+              </a:rPr>
+              <a:t>Ahníkov</a:t>
+            </a:r>
+            <a:r>
+              <a:rPr lang="cs-CZ" sz="1200" dirty="0">
+                <a:solidFill>
+                  <a:srgbClr val="000000"/>
+                </a:solidFill>
+                <a:latin typeface="Century Gothic" panose="020B0502020202020204" pitchFamily="34" charset="0"/>
+              </a:rPr>
+              <a:t> </a:t>
+            </a:r>
+          </a:p>
+          <a:p>
+            <a:pPr fontAlgn="base">
+              <a:buFont typeface="Arial" panose="020B0604020202020204" pitchFamily="34" charset="0"/>
+              <a:buChar char="•"/>
+            </a:pPr>
+            <a:r>
+              <a:rPr lang="cs-CZ" sz="1200" b="1" dirty="0">
+                <a:solidFill>
+                  <a:srgbClr val="000000"/>
+                </a:solidFill>
+                <a:latin typeface="Century Gothic" panose="020B0502020202020204" pitchFamily="34" charset="0"/>
+              </a:rPr>
+              <a:t>Litoměřicko:</a:t>
+            </a:r>
+            <a:r>
+              <a:rPr lang="cs-CZ" sz="1200" dirty="0">
+                <a:solidFill>
+                  <a:srgbClr val="000000"/>
+                </a:solidFill>
+                <a:latin typeface="Century Gothic" panose="020B0502020202020204" pitchFamily="34" charset="0"/>
+              </a:rPr>
+              <a:t> Klapý/</a:t>
+            </a:r>
+            <a:r>
+              <a:rPr lang="cs-CZ" sz="1200" dirty="0" err="1">
+                <a:solidFill>
+                  <a:srgbClr val="000000"/>
+                </a:solidFill>
+                <a:latin typeface="Century Gothic" panose="020B0502020202020204" pitchFamily="34" charset="0"/>
+              </a:rPr>
+              <a:t>Hazmburk</a:t>
+            </a:r>
+            <a:r>
+              <a:rPr lang="cs-CZ" sz="1200" dirty="0">
+                <a:solidFill>
+                  <a:srgbClr val="000000"/>
+                </a:solidFill>
+                <a:latin typeface="Century Gothic" panose="020B0502020202020204" pitchFamily="34" charset="0"/>
+              </a:rPr>
+              <a:t>, Budyně nad Ohří </a:t>
+            </a:r>
+          </a:p>
+          <a:p>
+            <a:pPr fontAlgn="base">
+              <a:buFont typeface="Arial" panose="020B0604020202020204" pitchFamily="34" charset="0"/>
+              <a:buChar char="•"/>
+            </a:pPr>
+            <a:r>
+              <a:rPr lang="cs-CZ" sz="1200" b="1" dirty="0">
+                <a:solidFill>
+                  <a:srgbClr val="000000"/>
+                </a:solidFill>
+                <a:latin typeface="Century Gothic" panose="020B0502020202020204" pitchFamily="34" charset="0"/>
+              </a:rPr>
+              <a:t>Lounsko:</a:t>
+            </a:r>
+            <a:r>
+              <a:rPr lang="cs-CZ" sz="1200" dirty="0">
+                <a:solidFill>
+                  <a:srgbClr val="000000"/>
+                </a:solidFill>
+                <a:latin typeface="Century Gothic" panose="020B0502020202020204" pitchFamily="34" charset="0"/>
+              </a:rPr>
+              <a:t> rezervace Džbán (lesy) </a:t>
+            </a:r>
+          </a:p>
+          <a:p>
+            <a:pPr fontAlgn="base">
+              <a:buFont typeface="Arial" panose="020B0604020202020204" pitchFamily="34" charset="0"/>
+              <a:buChar char="•"/>
+            </a:pPr>
+            <a:r>
+              <a:rPr lang="cs-CZ" sz="1200" b="1" dirty="0" err="1">
+                <a:solidFill>
+                  <a:srgbClr val="000000"/>
+                </a:solidFill>
+                <a:latin typeface="Century Gothic" panose="020B0502020202020204" pitchFamily="34" charset="0"/>
+              </a:rPr>
+              <a:t>Teplicko</a:t>
+            </a:r>
+            <a:r>
+              <a:rPr lang="cs-CZ" sz="1200" b="1" dirty="0">
+                <a:solidFill>
+                  <a:srgbClr val="000000"/>
+                </a:solidFill>
+                <a:latin typeface="Century Gothic" panose="020B0502020202020204" pitchFamily="34" charset="0"/>
+              </a:rPr>
+              <a:t>:</a:t>
+            </a:r>
+            <a:r>
+              <a:rPr lang="cs-CZ" sz="1200" dirty="0">
+                <a:solidFill>
+                  <a:srgbClr val="000000"/>
+                </a:solidFill>
+                <a:latin typeface="Century Gothic" panose="020B0502020202020204" pitchFamily="34" charset="0"/>
+              </a:rPr>
+              <a:t> Osek u Duchcova – hrad </a:t>
+            </a:r>
+            <a:r>
+              <a:rPr lang="cs-CZ" sz="1200" dirty="0" err="1">
+                <a:solidFill>
+                  <a:srgbClr val="000000"/>
+                </a:solidFill>
+                <a:latin typeface="Century Gothic" panose="020B0502020202020204" pitchFamily="34" charset="0"/>
+              </a:rPr>
+              <a:t>Rýzmburk</a:t>
+            </a:r>
+            <a:r>
+              <a:rPr lang="cs-CZ" sz="1200" dirty="0">
+                <a:solidFill>
+                  <a:srgbClr val="000000"/>
+                </a:solidFill>
+                <a:latin typeface="Century Gothic" panose="020B0502020202020204" pitchFamily="34" charset="0"/>
+              </a:rPr>
+              <a:t> </a:t>
+            </a:r>
+          </a:p>
+          <a:p>
+            <a:pPr fontAlgn="base">
+              <a:buFont typeface="Arial" panose="020B0604020202020204" pitchFamily="34" charset="0"/>
+              <a:buChar char="•"/>
+            </a:pPr>
+            <a:r>
+              <a:rPr lang="cs-CZ" sz="1200" b="1" dirty="0">
+                <a:solidFill>
+                  <a:srgbClr val="000000"/>
+                </a:solidFill>
+                <a:latin typeface="Century Gothic" panose="020B0502020202020204" pitchFamily="34" charset="0"/>
+              </a:rPr>
+              <a:t>Ústecko:</a:t>
+            </a:r>
+            <a:r>
+              <a:rPr lang="cs-CZ" sz="1200" dirty="0">
+                <a:solidFill>
+                  <a:srgbClr val="000000"/>
+                </a:solidFill>
+                <a:latin typeface="Century Gothic" panose="020B0502020202020204" pitchFamily="34" charset="0"/>
+              </a:rPr>
+              <a:t> u Trmic </a:t>
+            </a:r>
+          </a:p>
+          <a:p>
+            <a:pPr fontAlgn="base"/>
+            <a:r>
+              <a:rPr lang="cs-CZ" sz="1200" b="1" dirty="0">
+                <a:solidFill>
+                  <a:srgbClr val="000000"/>
+                </a:solidFill>
+                <a:latin typeface="Century Gothic" panose="020B0502020202020204" pitchFamily="34" charset="0"/>
+              </a:rPr>
+              <a:t>Živel: </a:t>
+            </a:r>
+            <a:r>
+              <a:rPr lang="cs-CZ" sz="1200" dirty="0">
+                <a:solidFill>
+                  <a:srgbClr val="000000"/>
+                </a:solidFill>
+                <a:latin typeface="Century Gothic" panose="020B0502020202020204" pitchFamily="34" charset="0"/>
+              </a:rPr>
+              <a:t>oheň </a:t>
+            </a:r>
+          </a:p>
+          <a:p>
+            <a:pPr fontAlgn="base"/>
+            <a:r>
+              <a:rPr lang="cs-CZ" sz="1200" b="1" dirty="0">
+                <a:solidFill>
+                  <a:srgbClr val="000000"/>
+                </a:solidFill>
+                <a:latin typeface="Century Gothic" panose="020B0502020202020204" pitchFamily="34" charset="0"/>
+              </a:rPr>
+              <a:t>Potrava: </a:t>
+            </a:r>
+            <a:r>
+              <a:rPr lang="cs-CZ" sz="1200" dirty="0">
+                <a:solidFill>
+                  <a:srgbClr val="000000"/>
+                </a:solidFill>
+                <a:latin typeface="Century Gothic" panose="020B0502020202020204" pitchFamily="34" charset="0"/>
+              </a:rPr>
+              <a:t>lidé (preferuje princezny a urozené panny), případně dobytek a zvěř </a:t>
+            </a:r>
+          </a:p>
+          <a:p>
+            <a:pPr fontAlgn="base"/>
+            <a:r>
+              <a:rPr lang="cs-CZ" sz="1200" b="1" dirty="0">
+                <a:solidFill>
+                  <a:srgbClr val="000000"/>
+                </a:solidFill>
+                <a:latin typeface="Century Gothic" panose="020B0502020202020204" pitchFamily="34" charset="0"/>
+              </a:rPr>
+              <a:t>Původ/Vznik: </a:t>
+            </a:r>
+            <a:r>
+              <a:rPr lang="cs-CZ" sz="1200" dirty="0">
+                <a:solidFill>
+                  <a:srgbClr val="000000"/>
+                </a:solidFill>
+                <a:latin typeface="Century Gothic" panose="020B0502020202020204" pitchFamily="34" charset="0"/>
+              </a:rPr>
+              <a:t>mytické stvoření zla, had prvotního hříchu </a:t>
+            </a:r>
+          </a:p>
+          <a:p>
+            <a:pPr fontAlgn="base"/>
+            <a:r>
+              <a:rPr lang="cs-CZ" sz="1200" b="1" dirty="0">
+                <a:solidFill>
+                  <a:srgbClr val="000000"/>
+                </a:solidFill>
+                <a:latin typeface="Century Gothic" panose="020B0502020202020204" pitchFamily="34" charset="0"/>
+              </a:rPr>
+              <a:t>Popis (jak vypadá, co umí, zajímavosti): </a:t>
+            </a:r>
+            <a:r>
+              <a:rPr lang="cs-CZ" sz="1200" dirty="0">
+                <a:solidFill>
+                  <a:srgbClr val="000000"/>
+                </a:solidFill>
+                <a:latin typeface="Century Gothic" panose="020B0502020202020204" pitchFamily="34" charset="0"/>
+              </a:rPr>
+              <a:t> </a:t>
+            </a:r>
+          </a:p>
+          <a:p>
+            <a:pPr fontAlgn="base">
+              <a:buFont typeface="Arial" panose="020B0604020202020204" pitchFamily="34" charset="0"/>
+              <a:buChar char="•"/>
+            </a:pPr>
+            <a:r>
+              <a:rPr lang="cs-CZ" sz="1200" dirty="0">
+                <a:solidFill>
+                  <a:srgbClr val="000000"/>
+                </a:solidFill>
+                <a:latin typeface="Century Gothic" panose="020B0502020202020204" pitchFamily="34" charset="0"/>
+              </a:rPr>
+              <a:t>existuje jich více druhů (evropský, blízkovýchodní, středovýchodní, indický a orientální) </a:t>
+            </a:r>
+          </a:p>
+          <a:p>
+            <a:pPr fontAlgn="base">
+              <a:buFont typeface="Arial" panose="020B0604020202020204" pitchFamily="34" charset="0"/>
+              <a:buChar char="•"/>
+            </a:pPr>
+            <a:r>
+              <a:rPr lang="cs-CZ" sz="1200" dirty="0">
+                <a:solidFill>
+                  <a:srgbClr val="000000"/>
+                </a:solidFill>
+                <a:latin typeface="Century Gothic" panose="020B0502020202020204" pitchFamily="34" charset="0"/>
+              </a:rPr>
+              <a:t>někde jsou draci moudří, laskaví a uctívaní jako bohové, jinde jsou symbolem zla, ničení a chaosu </a:t>
+            </a:r>
+          </a:p>
+          <a:p>
+            <a:pPr fontAlgn="base">
+              <a:buFont typeface="Arial" panose="020B0604020202020204" pitchFamily="34" charset="0"/>
+              <a:buChar char="•"/>
+            </a:pPr>
+            <a:r>
+              <a:rPr lang="cs-CZ" sz="1200" dirty="0">
+                <a:solidFill>
+                  <a:srgbClr val="000000"/>
+                </a:solidFill>
+                <a:latin typeface="Century Gothic" panose="020B0502020202020204" pitchFamily="34" charset="0"/>
+              </a:rPr>
+              <a:t>obrovský, šupinatý, chrlí oheň a páchne sírou, z nozder mu stoupá kouř </a:t>
+            </a:r>
+          </a:p>
+          <a:p>
+            <a:pPr fontAlgn="base">
+              <a:buFont typeface="Arial" panose="020B0604020202020204" pitchFamily="34" charset="0"/>
+              <a:buChar char="•"/>
+            </a:pPr>
+            <a:r>
+              <a:rPr lang="cs-CZ" sz="1200" dirty="0">
+                <a:solidFill>
+                  <a:srgbClr val="000000"/>
+                </a:solidFill>
+                <a:latin typeface="Century Gothic" panose="020B0502020202020204" pitchFamily="34" charset="0"/>
+              </a:rPr>
+              <a:t>podobá se okřídlenému hadovi/ještěrovi, má čtyři tlapy a na každé čtyři drápy </a:t>
+            </a:r>
+          </a:p>
+          <a:p>
+            <a:pPr fontAlgn="base">
+              <a:buFont typeface="Arial" panose="020B0604020202020204" pitchFamily="34" charset="0"/>
+              <a:buChar char="•"/>
+            </a:pPr>
+            <a:r>
+              <a:rPr lang="cs-CZ" sz="1200" dirty="0">
+                <a:solidFill>
+                  <a:srgbClr val="000000"/>
+                </a:solidFill>
+                <a:latin typeface="Century Gothic" panose="020B0502020202020204" pitchFamily="34" charset="0"/>
+              </a:rPr>
+              <a:t>někdy jde o vícehlavé saně </a:t>
+            </a:r>
+          </a:p>
+          <a:p>
+            <a:pPr fontAlgn="base">
+              <a:buFont typeface="Arial" panose="020B0604020202020204" pitchFamily="34" charset="0"/>
+              <a:buChar char="•"/>
+            </a:pPr>
+            <a:r>
+              <a:rPr lang="cs-CZ" sz="1200" dirty="0">
+                <a:solidFill>
+                  <a:srgbClr val="000000"/>
+                </a:solidFill>
+                <a:latin typeface="Century Gothic" panose="020B0502020202020204" pitchFamily="34" charset="0"/>
+              </a:rPr>
+              <a:t>jsou nesmrtelní, zranit je lze jen na jednom konkrétním místě </a:t>
+            </a:r>
+          </a:p>
+          <a:p>
+            <a:pPr fontAlgn="base">
+              <a:buFont typeface="Arial" panose="020B0604020202020204" pitchFamily="34" charset="0"/>
+              <a:buChar char="•"/>
+            </a:pPr>
+            <a:r>
+              <a:rPr lang="cs-CZ" sz="1200" dirty="0">
+                <a:solidFill>
+                  <a:srgbClr val="000000"/>
+                </a:solidFill>
+                <a:latin typeface="Century Gothic" panose="020B0502020202020204" pitchFamily="34" charset="0"/>
+              </a:rPr>
+              <a:t>drak (ne saň) požírá princezny a urozené panny, ale spokojí se i s obyčejným člověkem, dobytkem či jinou zvěří </a:t>
+            </a:r>
+          </a:p>
+          <a:p>
+            <a:pPr fontAlgn="base">
+              <a:buFont typeface="Arial" panose="020B0604020202020204" pitchFamily="34" charset="0"/>
+              <a:buChar char="•"/>
+            </a:pPr>
+            <a:r>
+              <a:rPr lang="cs-CZ" sz="1200" dirty="0">
+                <a:solidFill>
+                  <a:srgbClr val="000000"/>
+                </a:solidFill>
+                <a:latin typeface="Century Gothic" panose="020B0502020202020204" pitchFamily="34" charset="0"/>
+              </a:rPr>
+              <a:t>je inteligentní a často i mluví lidskou řečí, může také střežit ukryté poklady </a:t>
+            </a:r>
+          </a:p>
+          <a:p>
+            <a:pPr fontAlgn="base">
+              <a:buFont typeface="Arial" panose="020B0604020202020204" pitchFamily="34" charset="0"/>
+              <a:buChar char="•"/>
+            </a:pPr>
+            <a:r>
+              <a:rPr lang="cs-CZ" sz="1200" dirty="0">
+                <a:solidFill>
+                  <a:srgbClr val="000000"/>
+                </a:solidFill>
+                <a:latin typeface="Century Gothic" panose="020B0502020202020204" pitchFamily="34" charset="0"/>
+              </a:rPr>
+              <a:t>dračí zuby a kosti mají magické účinky </a:t>
+            </a:r>
+          </a:p>
+          <a:p>
+            <a:pPr fontAlgn="base"/>
+            <a:r>
+              <a:rPr lang="cs-CZ" sz="1200" b="1" dirty="0">
+                <a:solidFill>
+                  <a:srgbClr val="000000"/>
+                </a:solidFill>
+                <a:latin typeface="Century Gothic" panose="020B0502020202020204" pitchFamily="34" charset="0"/>
+              </a:rPr>
+              <a:t>Jak na něj:</a:t>
+            </a:r>
+            <a:r>
+              <a:rPr lang="cs-CZ" sz="1200" dirty="0">
+                <a:solidFill>
+                  <a:srgbClr val="000000"/>
+                </a:solidFill>
+                <a:latin typeface="Century Gothic" panose="020B0502020202020204" pitchFamily="34" charset="0"/>
+              </a:rPr>
+              <a:t> </a:t>
+            </a:r>
+          </a:p>
+          <a:p>
+            <a:pPr fontAlgn="base">
+              <a:buFont typeface="Arial" panose="020B0604020202020204" pitchFamily="34" charset="0"/>
+              <a:buChar char="•"/>
+            </a:pPr>
+            <a:r>
+              <a:rPr lang="cs-CZ" sz="1200" dirty="0">
+                <a:solidFill>
+                  <a:srgbClr val="000000"/>
+                </a:solidFill>
+                <a:latin typeface="Century Gothic" panose="020B0502020202020204" pitchFamily="34" charset="0"/>
+              </a:rPr>
+              <a:t>zabít ho lze jen ranou do jednoho specifického místa </a:t>
+            </a:r>
+          </a:p>
+          <a:p>
+            <a:pPr fontAlgn="base">
+              <a:buFont typeface="Arial" panose="020B0604020202020204" pitchFamily="34" charset="0"/>
+              <a:buChar char="•"/>
+            </a:pPr>
+            <a:r>
+              <a:rPr lang="cs-CZ" sz="1200" dirty="0">
+                <a:solidFill>
+                  <a:srgbClr val="000000"/>
+                </a:solidFill>
+                <a:latin typeface="Century Gothic" panose="020B0502020202020204" pitchFamily="34" charset="0"/>
+              </a:rPr>
+              <a:t>lze ho přemoci, když se mu přes hlavu přehodí posvěcený provaz nebo se pronesou správné kouzelné formule </a:t>
+            </a:r>
+          </a:p>
+          <a:p>
+            <a:pPr fontAlgn="base">
+              <a:buFont typeface="Arial" panose="020B0604020202020204" pitchFamily="34" charset="0"/>
+              <a:buChar char="•"/>
+            </a:pPr>
+            <a:r>
+              <a:rPr lang="cs-CZ" sz="1200" dirty="0">
+                <a:solidFill>
+                  <a:srgbClr val="000000"/>
+                </a:solidFill>
+                <a:latin typeface="Century Gothic" panose="020B0502020202020204" pitchFamily="34" charset="0"/>
+              </a:rPr>
+              <a:t>pokud někdo draka zkrotí, nebo mu pomůže, drak mu je po celý život zavázán bezmeznou loajalitou a projevuje nevídanou laskavost </a:t>
+            </a:r>
+          </a:p>
+        </p:txBody>
+      </p:sp>
+    </p:spTree>
+    <p:extLst>
+      <p:ext uri="{BB962C8B-B14F-4D97-AF65-F5344CB8AC3E}">
+        <p14:creationId xmlns:p14="http://schemas.microsoft.com/office/powerpoint/2010/main" val="86572733"/>
+      </p:ext>
+    </p:extLst>
+  </p:cSld>
+  <p:clrMapOvr>
+    <a:masterClrMapping/>
+  </p:clrMapOvr>
+  <p:timing>
+    <p:tnLst>
+      <p:par>
+        <p:cTn id="1" dur="indefinite" restart="never" nodeType="tmRoot"/>
+      </p:par>
+    </p:tnLst>
+  </p:timing>
 </p:sld>
 </file>
 
@@ -3688,6 +5890,13 @@
   <p:clrMapOvr>
     <a:masterClrMapping/>
   </p:clrMapOvr>
+  <p:timing>
+    <p:tnLst>
+      <p:par>
+        <p:cTn id="1" dur="indefinite" restart="never" nodeType="tmRoot"/>
+      </p:par>
+    </p:tnLst>
+  </p:timing>
 </p:sld>
 </file>
 
@@ -3822,25 +6031,13 @@
               <a:rPr lang="cs-CZ" sz="1200" dirty="0" err="1" smtClean="0">
                 <a:latin typeface="Century Gothic" panose="020B0502020202020204" pitchFamily="34" charset="0"/>
               </a:rPr>
-              <a:t>n</a:t>
-            </a:r>
-            <a:r>
-              <a:rPr lang="cs-CZ" sz="1200" dirty="0" err="1" smtClean="0">
-                <a:latin typeface="Century Gothic" panose="020B0502020202020204" pitchFamily="34" charset="0"/>
-              </a:rPr>
-              <a:t>která</a:t>
+              <a:t>nkterá</a:t>
             </a:r>
             <a:r>
               <a:rPr lang="cs-CZ" sz="1200" dirty="0" smtClean="0">
                 <a:latin typeface="Century Gothic" panose="020B0502020202020204" pitchFamily="34" charset="0"/>
               </a:rPr>
-              <a:t> bude přeeditována </a:t>
-            </a:r>
-            <a:r>
-              <a:rPr lang="cs-CZ" sz="1200" dirty="0" smtClean="0">
-                <a:latin typeface="Century Gothic" panose="020B0502020202020204" pitchFamily="34" charset="0"/>
-              </a:rPr>
-              <a:t>na kůru stromu (ideálně bříza)</a:t>
+              <a:t> bude přeeditována na kůru stromu (ideálně bříza)</a:t>
             </a:r>
           </a:p>
           <a:p>
@@ -4075,6 +6272,3175 @@
   <p:clrMapOvr>
     <a:masterClrMapping/>
   </p:clrMapOvr>
+  <p:timing>
+    <p:tnLst>
+      <p:par>
+        <p:cTn id="1" dur="indefinite" restart="never" nodeType="tmRoot"/>
+      </p:par>
+    </p:tnLst>
+  </p:timing>
+</p:sld>
+</file>
+
+<file path=ppt/slides/slide4.xml><?xml version="1.0" encoding="utf-8"?>
+<p:sld xmlns:a="http://schemas.openxmlformats.org/drawingml/2006/main" xmlns:r="http://schemas.openxmlformats.org/officeDocument/2006/relationships" xmlns:p="http://schemas.openxmlformats.org/presentationml/2006/main">
+  <p:cSld>
+    <p:spTree>
+      <p:nvGrpSpPr>
+        <p:cNvPr id="1" name=""/>
+        <p:cNvGrpSpPr/>
+        <p:nvPr/>
+      </p:nvGrpSpPr>
+      <p:grpSpPr>
+        <a:xfrm>
+          <a:off x="0" y="0"/>
+          <a:ext cx="0" cy="0"/>
+          <a:chOff x="0" y="0"/>
+          <a:chExt cx="0" cy="0"/>
+        </a:xfrm>
+      </p:grpSpPr>
+      <p:sp>
+        <p:nvSpPr>
+          <p:cNvPr id="2" name="Obdélník 1"/>
+          <p:cNvSpPr/>
+          <p:nvPr/>
+        </p:nvSpPr>
+        <p:spPr>
+          <a:xfrm>
+            <a:off x="3786554" y="753192"/>
+            <a:ext cx="4953000" cy="4154984"/>
+          </a:xfrm>
+          <a:prstGeom prst="rect">
+            <a:avLst/>
+          </a:prstGeom>
+        </p:spPr>
+        <p:txBody>
+          <a:bodyPr>
+            <a:spAutoFit/>
+          </a:bodyPr>
+          <a:lstStyle/>
+          <a:p>
+            <a:pPr fontAlgn="base"/>
+            <a:r>
+              <a:rPr lang="cs-CZ" sz="1200" dirty="0" smtClean="0">
+                <a:latin typeface="Century Gothic" panose="020B0502020202020204" pitchFamily="34" charset="0"/>
+              </a:rPr>
+              <a:t>ČERNÁ </a:t>
+            </a:r>
+            <a:r>
+              <a:rPr lang="cs-CZ" sz="1200" dirty="0">
+                <a:latin typeface="Century Gothic" panose="020B0502020202020204" pitchFamily="34" charset="0"/>
+              </a:rPr>
+              <a:t>PANÍ (Negra domina</a:t>
+            </a:r>
+            <a:r>
+              <a:rPr lang="cs-CZ" sz="1200" dirty="0" smtClean="0">
+                <a:latin typeface="Century Gothic" panose="020B0502020202020204" pitchFamily="34" charset="0"/>
+              </a:rPr>
+              <a:t>?)</a:t>
+            </a:r>
+          </a:p>
+          <a:p>
+            <a:pPr fontAlgn="base"/>
+            <a:r>
+              <a:rPr lang="cs-CZ" sz="1200" dirty="0" smtClean="0">
+                <a:latin typeface="Century Gothic" panose="020B0502020202020204" pitchFamily="34" charset="0"/>
+              </a:rPr>
+              <a:t>Ženská postava</a:t>
+            </a:r>
+          </a:p>
+          <a:p>
+            <a:pPr fontAlgn="base"/>
+            <a:r>
+              <a:rPr lang="cs-CZ" sz="1200" dirty="0" smtClean="0">
+                <a:latin typeface="Century Gothic" panose="020B0502020202020204" pitchFamily="34" charset="0"/>
+              </a:rPr>
+              <a:t>Černé šaty až na zem, dlouhé rukávy, ruce (dlaně) skryté v širokých rukávech, na hlavě černý špičatý čepec, obličej překrytý čepcem.</a:t>
+            </a:r>
+            <a:r>
+              <a:rPr lang="cs-CZ" sz="1200" dirty="0">
+                <a:latin typeface="Century Gothic" panose="020B0502020202020204" pitchFamily="34" charset="0"/>
+              </a:rPr>
+              <a:t> </a:t>
+            </a:r>
+            <a:endParaRPr lang="cs-CZ" sz="1200" dirty="0" smtClean="0">
+              <a:latin typeface="Century Gothic" panose="020B0502020202020204" pitchFamily="34" charset="0"/>
+            </a:endParaRPr>
+          </a:p>
+          <a:p>
+            <a:pPr fontAlgn="base"/>
+            <a:r>
+              <a:rPr lang="cs-CZ" sz="1200" dirty="0" smtClean="0">
+                <a:latin typeface="Century Gothic" panose="020B0502020202020204" pitchFamily="34" charset="0"/>
+              </a:rPr>
+              <a:t>Pohyb – vlnění oděvu ve spodní části, ideálně umístěná nad zemí</a:t>
+            </a:r>
+            <a:endParaRPr lang="cs-CZ" sz="1200" dirty="0">
+              <a:latin typeface="Century Gothic" panose="020B0502020202020204" pitchFamily="34" charset="0"/>
+            </a:endParaRPr>
+          </a:p>
+          <a:p>
+            <a:pPr fontAlgn="base"/>
+            <a:r>
+              <a:rPr lang="cs-CZ" sz="1200" dirty="0">
+                <a:solidFill>
+                  <a:srgbClr val="000000"/>
+                </a:solidFill>
+                <a:latin typeface="Century Gothic" panose="020B0502020202020204" pitchFamily="34" charset="0"/>
+              </a:rPr>
+              <a:t>Výskyt</a:t>
+            </a:r>
+            <a:r>
+              <a:rPr lang="cs-CZ" sz="1200" dirty="0" smtClean="0">
+                <a:solidFill>
+                  <a:srgbClr val="000000"/>
+                </a:solidFill>
+                <a:latin typeface="Century Gothic" panose="020B0502020202020204" pitchFamily="34" charset="0"/>
+              </a:rPr>
+              <a:t>: </a:t>
+            </a:r>
+            <a:r>
+              <a:rPr lang="cs-CZ" sz="1200" u="sng" dirty="0" smtClean="0">
+                <a:solidFill>
+                  <a:srgbClr val="000000"/>
+                </a:solidFill>
+                <a:latin typeface="Century Gothic" panose="020B0502020202020204" pitchFamily="34" charset="0"/>
+              </a:rPr>
+              <a:t>černá </a:t>
+            </a:r>
+            <a:r>
+              <a:rPr lang="cs-CZ" sz="1200" u="sng" dirty="0">
+                <a:solidFill>
+                  <a:srgbClr val="000000"/>
+                </a:solidFill>
+                <a:latin typeface="Century Gothic" panose="020B0502020202020204" pitchFamily="34" charset="0"/>
+              </a:rPr>
+              <a:t>paní</a:t>
+            </a:r>
+            <a:r>
+              <a:rPr lang="cs-CZ" sz="1200" dirty="0">
+                <a:solidFill>
+                  <a:srgbClr val="000000"/>
+                </a:solidFill>
+                <a:latin typeface="Century Gothic" panose="020B0502020202020204" pitchFamily="34" charset="0"/>
+              </a:rPr>
+              <a:t> obývá hluboké lesy a parky  </a:t>
+            </a:r>
+          </a:p>
+          <a:p>
+            <a:pPr fontAlgn="base">
+              <a:buFont typeface="Arial" panose="020B0604020202020204" pitchFamily="34" charset="0"/>
+              <a:buChar char="•"/>
+            </a:pPr>
+            <a:r>
+              <a:rPr lang="cs-CZ" sz="1200" dirty="0">
+                <a:solidFill>
+                  <a:srgbClr val="000000"/>
+                </a:solidFill>
+                <a:latin typeface="Century Gothic" panose="020B0502020202020204" pitchFamily="34" charset="0"/>
+              </a:rPr>
+              <a:t>Děčínsko</a:t>
+            </a:r>
+            <a:r>
+              <a:rPr lang="cs-CZ" sz="1200" dirty="0" smtClean="0">
+                <a:solidFill>
+                  <a:srgbClr val="000000"/>
+                </a:solidFill>
+                <a:latin typeface="Century Gothic" panose="020B0502020202020204" pitchFamily="34" charset="0"/>
+              </a:rPr>
+              <a:t>: Dolní </a:t>
+            </a:r>
+            <a:r>
+              <a:rPr lang="cs-CZ" sz="1200" dirty="0">
+                <a:solidFill>
+                  <a:srgbClr val="000000"/>
+                </a:solidFill>
+                <a:latin typeface="Century Gothic" panose="020B0502020202020204" pitchFamily="34" charset="0"/>
+              </a:rPr>
+              <a:t>Žleb (Panenská skála), </a:t>
+            </a:r>
+            <a:r>
+              <a:rPr lang="cs-CZ" sz="1200" dirty="0" err="1">
+                <a:solidFill>
+                  <a:srgbClr val="000000"/>
+                </a:solidFill>
+                <a:latin typeface="Century Gothic" panose="020B0502020202020204" pitchFamily="34" charset="0"/>
+              </a:rPr>
+              <a:t>Vrabinec</a:t>
+            </a:r>
+            <a:r>
+              <a:rPr lang="cs-CZ" sz="1200" dirty="0">
+                <a:solidFill>
+                  <a:srgbClr val="000000"/>
+                </a:solidFill>
+                <a:latin typeface="Century Gothic" panose="020B0502020202020204" pitchFamily="34" charset="0"/>
+              </a:rPr>
+              <a:t> (hrad), </a:t>
+            </a:r>
+            <a:r>
+              <a:rPr lang="cs-CZ" sz="1200" dirty="0" err="1">
+                <a:solidFill>
+                  <a:srgbClr val="000000"/>
+                </a:solidFill>
+                <a:latin typeface="Century Gothic" panose="020B0502020202020204" pitchFamily="34" charset="0"/>
+              </a:rPr>
+              <a:t>Babětín</a:t>
+            </a:r>
+            <a:r>
+              <a:rPr lang="cs-CZ" sz="1200" dirty="0">
+                <a:solidFill>
+                  <a:srgbClr val="000000"/>
+                </a:solidFill>
+                <a:latin typeface="Century Gothic" panose="020B0502020202020204" pitchFamily="34" charset="0"/>
+              </a:rPr>
+              <a:t> / hrad Ostrý (černá paní) </a:t>
+            </a:r>
+          </a:p>
+          <a:p>
+            <a:pPr fontAlgn="base">
+              <a:buFont typeface="Arial" panose="020B0604020202020204" pitchFamily="34" charset="0"/>
+              <a:buChar char="•"/>
+            </a:pPr>
+            <a:r>
+              <a:rPr lang="cs-CZ" sz="1200" dirty="0">
+                <a:solidFill>
+                  <a:srgbClr val="000000"/>
+                </a:solidFill>
+                <a:latin typeface="Century Gothic" panose="020B0502020202020204" pitchFamily="34" charset="0"/>
+              </a:rPr>
+              <a:t>Litoměřicko: Libochovice, </a:t>
+            </a:r>
+            <a:r>
+              <a:rPr lang="cs-CZ" sz="1200" dirty="0" err="1">
+                <a:solidFill>
+                  <a:srgbClr val="000000"/>
+                </a:solidFill>
+                <a:latin typeface="Century Gothic" panose="020B0502020202020204" pitchFamily="34" charset="0"/>
+              </a:rPr>
+              <a:t>Hazmburk</a:t>
+            </a:r>
+            <a:r>
+              <a:rPr lang="cs-CZ" sz="1200" dirty="0">
+                <a:solidFill>
+                  <a:srgbClr val="000000"/>
+                </a:solidFill>
+                <a:latin typeface="Century Gothic" panose="020B0502020202020204" pitchFamily="34" charset="0"/>
+              </a:rPr>
+              <a:t> (hrad) </a:t>
+            </a:r>
+          </a:p>
+          <a:p>
+            <a:pPr fontAlgn="base">
+              <a:buFont typeface="Arial" panose="020B0604020202020204" pitchFamily="34" charset="0"/>
+              <a:buChar char="•"/>
+            </a:pPr>
+            <a:r>
+              <a:rPr lang="cs-CZ" sz="1200" dirty="0">
+                <a:solidFill>
+                  <a:srgbClr val="000000"/>
+                </a:solidFill>
+                <a:latin typeface="Century Gothic" panose="020B0502020202020204" pitchFamily="34" charset="0"/>
+              </a:rPr>
+              <a:t>Lounsko: Domoušice </a:t>
+            </a:r>
+          </a:p>
+          <a:p>
+            <a:pPr fontAlgn="base">
+              <a:buFont typeface="Arial" panose="020B0604020202020204" pitchFamily="34" charset="0"/>
+              <a:buChar char="•"/>
+            </a:pPr>
+            <a:r>
+              <a:rPr lang="cs-CZ" sz="1200" dirty="0">
+                <a:solidFill>
+                  <a:srgbClr val="000000"/>
+                </a:solidFill>
+                <a:latin typeface="Century Gothic" panose="020B0502020202020204" pitchFamily="34" charset="0"/>
+              </a:rPr>
+              <a:t>Ústecko: Ústí nad Labem (levý břeh Labe) / </a:t>
+            </a:r>
+            <a:r>
+              <a:rPr lang="cs-CZ" sz="1200" dirty="0" err="1">
+                <a:solidFill>
+                  <a:srgbClr val="000000"/>
+                </a:solidFill>
+                <a:latin typeface="Century Gothic" panose="020B0502020202020204" pitchFamily="34" charset="0"/>
+              </a:rPr>
+              <a:t>Koštov</a:t>
+            </a:r>
+            <a:r>
+              <a:rPr lang="cs-CZ" sz="1200" dirty="0">
+                <a:solidFill>
+                  <a:srgbClr val="000000"/>
+                </a:solidFill>
+                <a:latin typeface="Century Gothic" panose="020B0502020202020204" pitchFamily="34" charset="0"/>
+              </a:rPr>
+              <a:t> (černá paní) </a:t>
+            </a:r>
+          </a:p>
+          <a:p>
+            <a:pPr fontAlgn="base"/>
+            <a:r>
+              <a:rPr lang="cs-CZ" sz="1200" dirty="0">
+                <a:solidFill>
+                  <a:srgbClr val="000000"/>
+                </a:solidFill>
+                <a:latin typeface="Century Gothic" panose="020B0502020202020204" pitchFamily="34" charset="0"/>
+              </a:rPr>
+              <a:t>Živel: vzduch </a:t>
+            </a:r>
+          </a:p>
+          <a:p>
+            <a:pPr fontAlgn="base"/>
+            <a:r>
+              <a:rPr lang="cs-CZ" sz="1200" dirty="0">
+                <a:solidFill>
+                  <a:srgbClr val="000000"/>
+                </a:solidFill>
+                <a:latin typeface="Century Gothic" panose="020B0502020202020204" pitchFamily="34" charset="0"/>
+              </a:rPr>
+              <a:t>Potrava: asi nic? </a:t>
+            </a:r>
+          </a:p>
+          <a:p>
+            <a:pPr fontAlgn="base"/>
+            <a:r>
+              <a:rPr lang="cs-CZ" sz="1200" dirty="0">
+                <a:solidFill>
+                  <a:srgbClr val="000000"/>
+                </a:solidFill>
+                <a:latin typeface="Century Gothic" panose="020B0502020202020204" pitchFamily="34" charset="0"/>
+              </a:rPr>
+              <a:t>Původ/Vznik: </a:t>
+            </a:r>
+          </a:p>
+          <a:p>
+            <a:pPr fontAlgn="base">
+              <a:buFont typeface="Arial" panose="020B0604020202020204" pitchFamily="34" charset="0"/>
+              <a:buChar char="•"/>
+            </a:pPr>
+            <a:r>
+              <a:rPr lang="cs-CZ" sz="1200" u="sng" dirty="0" smtClean="0">
+                <a:solidFill>
+                  <a:srgbClr val="000000"/>
+                </a:solidFill>
+                <a:latin typeface="Century Gothic" panose="020B0502020202020204" pitchFamily="34" charset="0"/>
+              </a:rPr>
+              <a:t>černá </a:t>
+            </a:r>
+            <a:r>
+              <a:rPr lang="cs-CZ" sz="1200" u="sng" dirty="0">
+                <a:solidFill>
+                  <a:srgbClr val="000000"/>
+                </a:solidFill>
+                <a:latin typeface="Century Gothic" panose="020B0502020202020204" pitchFamily="34" charset="0"/>
+              </a:rPr>
+              <a:t>paní</a:t>
+            </a:r>
+            <a:r>
+              <a:rPr lang="cs-CZ" sz="1200" dirty="0">
+                <a:solidFill>
+                  <a:srgbClr val="000000"/>
+                </a:solidFill>
+                <a:latin typeface="Century Gothic" panose="020B0502020202020204" pitchFamily="34" charset="0"/>
+              </a:rPr>
+              <a:t>: duch zemřelé ženy, která byla za svého života krutá, zlá a nečestná a trápila své okolí </a:t>
+            </a:r>
+          </a:p>
+          <a:p>
+            <a:pPr fontAlgn="base"/>
+            <a:r>
+              <a:rPr lang="cs-CZ" sz="1200" dirty="0">
+                <a:solidFill>
+                  <a:srgbClr val="000000"/>
+                </a:solidFill>
+                <a:latin typeface="Century Gothic" panose="020B0502020202020204" pitchFamily="34" charset="0"/>
+              </a:rPr>
+              <a:t>Popis (jak vypadá, co umí, zajímavosti):  </a:t>
+            </a:r>
+          </a:p>
+          <a:p>
+            <a:pPr fontAlgn="base">
+              <a:buFont typeface="Arial" panose="020B0604020202020204" pitchFamily="34" charset="0"/>
+              <a:buChar char="•"/>
+            </a:pPr>
+            <a:r>
+              <a:rPr lang="cs-CZ" sz="1200" u="sng" dirty="0" smtClean="0">
+                <a:solidFill>
+                  <a:srgbClr val="000000"/>
+                </a:solidFill>
+                <a:latin typeface="Century Gothic" panose="020B0502020202020204" pitchFamily="34" charset="0"/>
+              </a:rPr>
+              <a:t>černá </a:t>
+            </a:r>
+            <a:r>
+              <a:rPr lang="cs-CZ" sz="1200" u="sng" dirty="0">
+                <a:solidFill>
+                  <a:srgbClr val="000000"/>
+                </a:solidFill>
+                <a:latin typeface="Century Gothic" panose="020B0502020202020204" pitchFamily="34" charset="0"/>
+              </a:rPr>
+              <a:t>paní</a:t>
+            </a:r>
+            <a:r>
+              <a:rPr lang="cs-CZ" sz="1200" dirty="0">
+                <a:solidFill>
+                  <a:srgbClr val="000000"/>
+                </a:solidFill>
+                <a:latin typeface="Century Gothic" panose="020B0502020202020204" pitchFamily="34" charset="0"/>
+              </a:rPr>
+              <a:t> straší </a:t>
+            </a:r>
+          </a:p>
+          <a:p>
+            <a:pPr fontAlgn="base"/>
+            <a:r>
+              <a:rPr lang="cs-CZ" sz="1200" dirty="0">
+                <a:solidFill>
+                  <a:srgbClr val="000000"/>
+                </a:solidFill>
+                <a:latin typeface="Century Gothic" panose="020B0502020202020204" pitchFamily="34" charset="0"/>
+              </a:rPr>
+              <a:t>Jak na ni: ? </a:t>
+            </a:r>
+            <a:endParaRPr lang="cs-CZ" sz="1200" i="0" dirty="0">
+              <a:solidFill>
+                <a:srgbClr val="000000"/>
+              </a:solidFill>
+              <a:effectLst/>
+              <a:latin typeface="Century Gothic" panose="020B0502020202020204" pitchFamily="34" charset="0"/>
+            </a:endParaRPr>
+          </a:p>
+        </p:txBody>
+      </p:sp>
+      <p:pic>
+        <p:nvPicPr>
+          <p:cNvPr id="1026" name="Picture 2" descr="https://i.pinimg.com/564x/e6/3f/c5/e63fc5a5ccf0f3b5705ce77b0ff2db6d.jpg"/>
+          <p:cNvPicPr>
+            <a:picLocks noChangeAspect="1" noChangeArrowheads="1"/>
+          </p:cNvPicPr>
+          <p:nvPr/>
+        </p:nvPicPr>
+        <p:blipFill>
+          <a:blip r:embed="rId2">
+            <a:extLst>
+              <a:ext uri="{28A0092B-C50C-407E-A947-70E740481C1C}">
+                <a14:useLocalDpi xmlns:a14="http://schemas.microsoft.com/office/drawing/2010/main" val="0"/>
+              </a:ext>
+            </a:extLst>
+          </a:blip>
+          <a:srcRect/>
+          <a:stretch>
+            <a:fillRect/>
+          </a:stretch>
+        </p:blipFill>
+        <p:spPr bwMode="auto">
+          <a:xfrm>
+            <a:off x="463305" y="877760"/>
+            <a:ext cx="3219450" cy="4829176"/>
+          </a:xfrm>
+          <a:prstGeom prst="rect">
+            <a:avLst/>
+          </a:prstGeom>
+          <a:noFill/>
+          <a:extLst>
+            <a:ext uri="{909E8E84-426E-40DD-AFC4-6F175D3DCCD1}">
+              <a14:hiddenFill xmlns:a14="http://schemas.microsoft.com/office/drawing/2010/main">
+                <a:solidFill>
+                  <a:srgbClr val="FFFFFF"/>
+                </a:solidFill>
+              </a14:hiddenFill>
+            </a:ext>
+          </a:extLst>
+        </p:spPr>
+      </p:pic>
+    </p:spTree>
+    <p:extLst>
+      <p:ext uri="{BB962C8B-B14F-4D97-AF65-F5344CB8AC3E}">
+        <p14:creationId xmlns:p14="http://schemas.microsoft.com/office/powerpoint/2010/main" val="1801142661"/>
+      </p:ext>
+    </p:extLst>
+  </p:cSld>
+  <p:clrMapOvr>
+    <a:masterClrMapping/>
+  </p:clrMapOvr>
+  <p:timing>
+    <p:tnLst>
+      <p:par>
+        <p:cTn id="1" dur="indefinite" restart="never" nodeType="tmRoot"/>
+      </p:par>
+    </p:tnLst>
+  </p:timing>
+</p:sld>
+</file>
+
+<file path=ppt/slides/slide5.xml><?xml version="1.0" encoding="utf-8"?>
+<p:sld xmlns:a="http://schemas.openxmlformats.org/drawingml/2006/main" xmlns:r="http://schemas.openxmlformats.org/officeDocument/2006/relationships" xmlns:p="http://schemas.openxmlformats.org/presentationml/2006/main">
+  <p:cSld>
+    <p:spTree>
+      <p:nvGrpSpPr>
+        <p:cNvPr id="1" name=""/>
+        <p:cNvGrpSpPr/>
+        <p:nvPr/>
+      </p:nvGrpSpPr>
+      <p:grpSpPr>
+        <a:xfrm>
+          <a:off x="0" y="0"/>
+          <a:ext cx="0" cy="0"/>
+          <a:chOff x="0" y="0"/>
+          <a:chExt cx="0" cy="0"/>
+        </a:xfrm>
+      </p:grpSpPr>
+      <p:pic>
+        <p:nvPicPr>
+          <p:cNvPr id="2052" name="Picture 4" descr="Obsahuje obrázek: Tumblr"/>
+          <p:cNvPicPr>
+            <a:picLocks noChangeAspect="1" noChangeArrowheads="1"/>
+          </p:cNvPicPr>
+          <p:nvPr/>
+        </p:nvPicPr>
+        <p:blipFill>
+          <a:blip r:embed="rId2">
+            <a:extLst>
+              <a:ext uri="{28A0092B-C50C-407E-A947-70E740481C1C}">
+                <a14:useLocalDpi xmlns:a14="http://schemas.microsoft.com/office/drawing/2010/main" val="0"/>
+              </a:ext>
+            </a:extLst>
+          </a:blip>
+          <a:srcRect/>
+          <a:stretch>
+            <a:fillRect/>
+          </a:stretch>
+        </p:blipFill>
+        <p:spPr bwMode="auto">
+          <a:xfrm>
+            <a:off x="480889" y="333204"/>
+            <a:ext cx="4018091" cy="6401703"/>
+          </a:xfrm>
+          <a:prstGeom prst="rect">
+            <a:avLst/>
+          </a:prstGeom>
+          <a:noFill/>
+          <a:extLst>
+            <a:ext uri="{909E8E84-426E-40DD-AFC4-6F175D3DCCD1}">
+              <a14:hiddenFill xmlns:a14="http://schemas.microsoft.com/office/drawing/2010/main">
+                <a:solidFill>
+                  <a:srgbClr val="FFFFFF"/>
+                </a:solidFill>
+              </a14:hiddenFill>
+            </a:ext>
+          </a:extLst>
+        </p:spPr>
+      </p:pic>
+      <p:sp>
+        <p:nvSpPr>
+          <p:cNvPr id="2" name="TextovéPole 1"/>
+          <p:cNvSpPr txBox="1"/>
+          <p:nvPr/>
+        </p:nvSpPr>
+        <p:spPr>
+          <a:xfrm>
+            <a:off x="4498980" y="237393"/>
+            <a:ext cx="5313235" cy="6186309"/>
+          </a:xfrm>
+          <a:prstGeom prst="rect">
+            <a:avLst/>
+          </a:prstGeom>
+          <a:noFill/>
+        </p:spPr>
+        <p:txBody>
+          <a:bodyPr wrap="square" rtlCol="0">
+            <a:spAutoFit/>
+          </a:bodyPr>
+          <a:lstStyle/>
+          <a:p>
+            <a:pPr fontAlgn="base"/>
+            <a:r>
+              <a:rPr lang="cs-CZ" sz="1200" dirty="0">
+                <a:latin typeface="Century Gothic" panose="020B0502020202020204" pitchFamily="34" charset="0"/>
+              </a:rPr>
+              <a:t>BÍLÁ PANÍ (Alba domina) </a:t>
+            </a:r>
+          </a:p>
+          <a:p>
+            <a:pPr fontAlgn="base"/>
+            <a:r>
+              <a:rPr lang="cs-CZ" sz="1200" dirty="0" smtClean="0">
+                <a:latin typeface="Century Gothic" panose="020B0502020202020204" pitchFamily="34" charset="0"/>
+              </a:rPr>
+              <a:t>Ženská postava</a:t>
+            </a:r>
+          </a:p>
+          <a:p>
+            <a:pPr fontAlgn="base"/>
+            <a:r>
+              <a:rPr lang="cs-CZ" sz="1200" dirty="0" smtClean="0">
+                <a:latin typeface="Century Gothic" panose="020B0502020202020204" pitchFamily="34" charset="0"/>
+              </a:rPr>
+              <a:t>Šaty z mnoha vrstev (efekt pavučiny), bez rukávů, </a:t>
+            </a:r>
+          </a:p>
+          <a:p>
+            <a:pPr fontAlgn="base"/>
+            <a:r>
+              <a:rPr lang="cs-CZ" sz="1200" dirty="0" smtClean="0">
+                <a:latin typeface="Century Gothic" panose="020B0502020202020204" pitchFamily="34" charset="0"/>
+              </a:rPr>
+              <a:t>Ruce -  bílá barva (bílá barva místo textury kůže, lze zabarvit kůži celé postavy na bílo</a:t>
+            </a:r>
+          </a:p>
+          <a:p>
+            <a:pPr fontAlgn="base"/>
+            <a:r>
+              <a:rPr lang="cs-CZ" sz="1200" dirty="0" smtClean="0">
+                <a:latin typeface="Century Gothic" panose="020B0502020202020204" pitchFamily="34" charset="0"/>
+              </a:rPr>
+              <a:t>černé rukavice (nemusí být, pokud nebudou rukavice, pak bílé ruce)</a:t>
+            </a:r>
+          </a:p>
+          <a:p>
+            <a:pPr fontAlgn="base"/>
+            <a:r>
+              <a:rPr lang="cs-CZ" sz="1200" dirty="0" smtClean="0">
+                <a:latin typeface="Century Gothic" panose="020B0502020202020204" pitchFamily="34" charset="0"/>
+              </a:rPr>
+              <a:t>Přes obličej bílá páska kopírující rysy obličeje</a:t>
+            </a:r>
+          </a:p>
+          <a:p>
+            <a:pPr fontAlgn="base"/>
+            <a:r>
+              <a:rPr lang="cs-CZ" sz="1200" dirty="0" smtClean="0">
+                <a:latin typeface="Century Gothic" panose="020B0502020202020204" pitchFamily="34" charset="0"/>
+              </a:rPr>
+              <a:t>Na hlavě bílý špičatý klobouk (stejný s černou paní)</a:t>
+            </a:r>
+          </a:p>
+          <a:p>
+            <a:pPr fontAlgn="base"/>
+            <a:r>
+              <a:rPr lang="cs-CZ" sz="1200" dirty="0" smtClean="0">
+                <a:latin typeface="Century Gothic" panose="020B0502020202020204" pitchFamily="34" charset="0"/>
+              </a:rPr>
+              <a:t>Nabíraná sukně na šatech (hodně vrstev), jako pavučina</a:t>
+            </a:r>
+          </a:p>
+          <a:p>
+            <a:pPr fontAlgn="base"/>
+            <a:r>
+              <a:rPr lang="cs-CZ" sz="1200" dirty="0" smtClean="0">
+                <a:latin typeface="Century Gothic" panose="020B0502020202020204" pitchFamily="34" charset="0"/>
+              </a:rPr>
+              <a:t>Nohy jsou skryté pod sukní</a:t>
+            </a:r>
+          </a:p>
+          <a:p>
+            <a:pPr fontAlgn="base"/>
+            <a:r>
+              <a:rPr lang="cs-CZ" sz="1200" dirty="0" smtClean="0">
+                <a:latin typeface="Century Gothic" panose="020B0502020202020204" pitchFamily="34" charset="0"/>
+              </a:rPr>
+              <a:t>Pohyb – cáry šatů jemné vlnění</a:t>
+            </a:r>
+          </a:p>
+          <a:p>
+            <a:pPr fontAlgn="base"/>
+            <a:endParaRPr lang="cs-CZ" sz="1200" b="1" dirty="0" smtClean="0">
+              <a:latin typeface="Century Gothic" panose="020B0502020202020204" pitchFamily="34" charset="0"/>
+            </a:endParaRPr>
+          </a:p>
+          <a:p>
+            <a:pPr fontAlgn="base"/>
+            <a:r>
+              <a:rPr lang="cs-CZ" sz="1200" b="1" dirty="0" smtClean="0">
+                <a:latin typeface="Century Gothic" panose="020B0502020202020204" pitchFamily="34" charset="0"/>
+              </a:rPr>
+              <a:t>Výskyt</a:t>
+            </a:r>
+            <a:r>
+              <a:rPr lang="cs-CZ" sz="1200" b="1" dirty="0">
+                <a:latin typeface="Century Gothic" panose="020B0502020202020204" pitchFamily="34" charset="0"/>
+              </a:rPr>
+              <a:t>: </a:t>
+            </a:r>
+            <a:r>
+              <a:rPr lang="cs-CZ" sz="1200" u="sng" dirty="0">
+                <a:latin typeface="Century Gothic" panose="020B0502020202020204" pitchFamily="34" charset="0"/>
+              </a:rPr>
+              <a:t>bílá paní</a:t>
+            </a:r>
+            <a:r>
+              <a:rPr lang="cs-CZ" sz="1200" dirty="0">
+                <a:latin typeface="Century Gothic" panose="020B0502020202020204" pitchFamily="34" charset="0"/>
+              </a:rPr>
+              <a:t> obývá hrady a zámky, kde za života </a:t>
+            </a:r>
+            <a:r>
+              <a:rPr lang="cs-CZ" sz="1200" dirty="0" smtClean="0">
+                <a:latin typeface="Century Gothic" panose="020B0502020202020204" pitchFamily="34" charset="0"/>
+              </a:rPr>
+              <a:t>žila</a:t>
+            </a:r>
+          </a:p>
+          <a:p>
+            <a:pPr fontAlgn="base"/>
+            <a:r>
+              <a:rPr lang="cs-CZ" sz="1200" b="1" dirty="0" smtClean="0">
+                <a:latin typeface="Century Gothic" panose="020B0502020202020204" pitchFamily="34" charset="0"/>
+              </a:rPr>
+              <a:t>Děčínsko</a:t>
+            </a:r>
+            <a:r>
+              <a:rPr lang="cs-CZ" sz="1200" b="1" dirty="0">
+                <a:latin typeface="Century Gothic" panose="020B0502020202020204" pitchFamily="34" charset="0"/>
+              </a:rPr>
+              <a:t>: </a:t>
+            </a:r>
+            <a:r>
+              <a:rPr lang="cs-CZ" sz="1200" dirty="0">
+                <a:latin typeface="Century Gothic" panose="020B0502020202020204" pitchFamily="34" charset="0"/>
+              </a:rPr>
+              <a:t>Benešov nad Ploučnicí, hrad Ostrý (3 bílé paní), Dolní Žleb (Panenská skála), </a:t>
+            </a:r>
+            <a:r>
+              <a:rPr lang="cs-CZ" sz="1200" dirty="0" err="1">
+                <a:latin typeface="Century Gothic" panose="020B0502020202020204" pitchFamily="34" charset="0"/>
+              </a:rPr>
+              <a:t>Vrabinec</a:t>
+            </a:r>
+            <a:r>
+              <a:rPr lang="cs-CZ" sz="1200" dirty="0">
+                <a:latin typeface="Century Gothic" panose="020B0502020202020204" pitchFamily="34" charset="0"/>
+              </a:rPr>
+              <a:t> (</a:t>
+            </a:r>
+            <a:r>
+              <a:rPr lang="cs-CZ" sz="1200" dirty="0" smtClean="0">
+                <a:latin typeface="Century Gothic" panose="020B0502020202020204" pitchFamily="34" charset="0"/>
+              </a:rPr>
+              <a:t>hrad)</a:t>
+            </a:r>
+          </a:p>
+          <a:p>
+            <a:pPr fontAlgn="base"/>
+            <a:r>
+              <a:rPr lang="cs-CZ" sz="1200" b="1" dirty="0" smtClean="0">
+                <a:latin typeface="Century Gothic" panose="020B0502020202020204" pitchFamily="34" charset="0"/>
+              </a:rPr>
+              <a:t>Litoměřicko</a:t>
+            </a:r>
+            <a:r>
+              <a:rPr lang="cs-CZ" sz="1200" b="1" dirty="0">
+                <a:latin typeface="Century Gothic" panose="020B0502020202020204" pitchFamily="34" charset="0"/>
+              </a:rPr>
+              <a:t>:</a:t>
+            </a:r>
+            <a:r>
+              <a:rPr lang="cs-CZ" sz="1200" dirty="0">
+                <a:latin typeface="Century Gothic" panose="020B0502020202020204" pitchFamily="34" charset="0"/>
+              </a:rPr>
+              <a:t> Libochovice, </a:t>
+            </a:r>
+            <a:r>
+              <a:rPr lang="cs-CZ" sz="1200" dirty="0" err="1">
+                <a:latin typeface="Century Gothic" panose="020B0502020202020204" pitchFamily="34" charset="0"/>
+              </a:rPr>
+              <a:t>Hazmburk</a:t>
+            </a:r>
+            <a:r>
+              <a:rPr lang="cs-CZ" sz="1200" dirty="0">
+                <a:latin typeface="Century Gothic" panose="020B0502020202020204" pitchFamily="34" charset="0"/>
+              </a:rPr>
+              <a:t> (hrad) </a:t>
+            </a:r>
+          </a:p>
+          <a:p>
+            <a:pPr fontAlgn="base"/>
+            <a:r>
+              <a:rPr lang="cs-CZ" sz="1200" b="1" dirty="0">
+                <a:latin typeface="Century Gothic" panose="020B0502020202020204" pitchFamily="34" charset="0"/>
+              </a:rPr>
+              <a:t>Lounsko:</a:t>
+            </a:r>
+            <a:r>
+              <a:rPr lang="cs-CZ" sz="1200" dirty="0">
+                <a:latin typeface="Century Gothic" panose="020B0502020202020204" pitchFamily="34" charset="0"/>
+              </a:rPr>
+              <a:t> Domoušice </a:t>
+            </a:r>
+          </a:p>
+          <a:p>
+            <a:pPr fontAlgn="base"/>
+            <a:r>
+              <a:rPr lang="cs-CZ" sz="1200" b="1" dirty="0">
+                <a:latin typeface="Century Gothic" panose="020B0502020202020204" pitchFamily="34" charset="0"/>
+              </a:rPr>
+              <a:t>Ústecko:</a:t>
+            </a:r>
+            <a:r>
+              <a:rPr lang="cs-CZ" sz="1200" dirty="0">
+                <a:latin typeface="Century Gothic" panose="020B0502020202020204" pitchFamily="34" charset="0"/>
+              </a:rPr>
+              <a:t> Ústí nad Labem (levý břeh Labe)  </a:t>
+            </a:r>
+          </a:p>
+          <a:p>
+            <a:pPr fontAlgn="base"/>
+            <a:r>
+              <a:rPr lang="cs-CZ" sz="1200" b="1" dirty="0">
+                <a:latin typeface="Century Gothic" panose="020B0502020202020204" pitchFamily="34" charset="0"/>
+              </a:rPr>
+              <a:t>Živel: </a:t>
+            </a:r>
+            <a:r>
+              <a:rPr lang="cs-CZ" sz="1200" dirty="0">
+                <a:latin typeface="Century Gothic" panose="020B0502020202020204" pitchFamily="34" charset="0"/>
+              </a:rPr>
+              <a:t>vzduch </a:t>
+            </a:r>
+          </a:p>
+          <a:p>
+            <a:pPr fontAlgn="base"/>
+            <a:r>
+              <a:rPr lang="cs-CZ" sz="1200" b="1" dirty="0">
+                <a:latin typeface="Century Gothic" panose="020B0502020202020204" pitchFamily="34" charset="0"/>
+              </a:rPr>
+              <a:t>Potrava: </a:t>
+            </a:r>
+            <a:r>
+              <a:rPr lang="cs-CZ" sz="1200" dirty="0">
+                <a:latin typeface="Century Gothic" panose="020B0502020202020204" pitchFamily="34" charset="0"/>
+              </a:rPr>
+              <a:t>asi nic? </a:t>
+            </a:r>
+          </a:p>
+          <a:p>
+            <a:pPr fontAlgn="base"/>
+            <a:r>
+              <a:rPr lang="cs-CZ" sz="1200" b="1" dirty="0">
+                <a:latin typeface="Century Gothic" panose="020B0502020202020204" pitchFamily="34" charset="0"/>
+              </a:rPr>
+              <a:t>Původ/Vznik:</a:t>
+            </a:r>
+            <a:r>
+              <a:rPr lang="cs-CZ" sz="1200" dirty="0">
+                <a:latin typeface="Century Gothic" panose="020B0502020202020204" pitchFamily="34" charset="0"/>
+              </a:rPr>
+              <a:t> </a:t>
+            </a:r>
+          </a:p>
+          <a:p>
+            <a:pPr fontAlgn="base"/>
+            <a:r>
+              <a:rPr lang="cs-CZ" sz="1200" u="sng" dirty="0">
+                <a:latin typeface="Century Gothic" panose="020B0502020202020204" pitchFamily="34" charset="0"/>
+              </a:rPr>
+              <a:t>bílá paní</a:t>
+            </a:r>
+            <a:r>
+              <a:rPr lang="cs-CZ" sz="1200" dirty="0">
+                <a:latin typeface="Century Gothic" panose="020B0502020202020204" pitchFamily="34" charset="0"/>
+              </a:rPr>
+              <a:t>: duch zemřelé ženy urozeného původu, které se za života stalo příkoří </a:t>
+            </a:r>
+          </a:p>
+          <a:p>
+            <a:pPr fontAlgn="base"/>
+            <a:r>
+              <a:rPr lang="cs-CZ" sz="1200" b="1" dirty="0" smtClean="0">
+                <a:latin typeface="Century Gothic" panose="020B0502020202020204" pitchFamily="34" charset="0"/>
+              </a:rPr>
+              <a:t>Popis </a:t>
+            </a:r>
+            <a:r>
+              <a:rPr lang="cs-CZ" sz="1200" b="1" dirty="0">
+                <a:latin typeface="Century Gothic" panose="020B0502020202020204" pitchFamily="34" charset="0"/>
+              </a:rPr>
+              <a:t>(jak vypadá, co umí, zajímavosti): </a:t>
+            </a:r>
+            <a:r>
+              <a:rPr lang="cs-CZ" sz="1200" dirty="0">
+                <a:latin typeface="Century Gothic" panose="020B0502020202020204" pitchFamily="34" charset="0"/>
+              </a:rPr>
+              <a:t> </a:t>
+            </a:r>
+          </a:p>
+          <a:p>
+            <a:pPr fontAlgn="base"/>
+            <a:r>
+              <a:rPr lang="cs-CZ" sz="1200" u="sng" dirty="0">
+                <a:latin typeface="Century Gothic" panose="020B0502020202020204" pitchFamily="34" charset="0"/>
+              </a:rPr>
+              <a:t>bílá paní</a:t>
+            </a:r>
+            <a:r>
+              <a:rPr lang="cs-CZ" sz="1200" dirty="0">
+                <a:latin typeface="Century Gothic" panose="020B0502020202020204" pitchFamily="34" charset="0"/>
+              </a:rPr>
+              <a:t> je elegantní dáma v bílém splývavém rouchu se závojem a nosí rukavice – černé rukavice věští blížící se neštěstí, nemoc, smrt; bílé radostnou událost; červené požár </a:t>
+            </a:r>
+          </a:p>
+          <a:p>
+            <a:pPr fontAlgn="base"/>
+            <a:r>
+              <a:rPr lang="cs-CZ" sz="1200" dirty="0">
+                <a:latin typeface="Century Gothic" panose="020B0502020202020204" pitchFamily="34" charset="0"/>
+              </a:rPr>
+              <a:t>je průsvitná, působí smutně, někdy má za pasem svazek klíčů a zamyká všechny dveře </a:t>
+            </a:r>
+          </a:p>
+          <a:p>
+            <a:pPr fontAlgn="base"/>
+            <a:r>
+              <a:rPr lang="cs-CZ" sz="1200" u="sng" dirty="0">
+                <a:latin typeface="Century Gothic" panose="020B0502020202020204" pitchFamily="34" charset="0"/>
+              </a:rPr>
+              <a:t>bílá paní</a:t>
+            </a:r>
+            <a:r>
+              <a:rPr lang="cs-CZ" sz="1200" dirty="0">
+                <a:latin typeface="Century Gothic" panose="020B0502020202020204" pitchFamily="34" charset="0"/>
+              </a:rPr>
+              <a:t> neslyšně prochází zavřenými dveřmi, chrání rodinu, občas drobně kouzlí, případně stráží poklad </a:t>
+            </a:r>
+          </a:p>
+          <a:p>
+            <a:pPr fontAlgn="base"/>
+            <a:r>
+              <a:rPr lang="cs-CZ" sz="1200" b="1" dirty="0" smtClean="0">
+                <a:latin typeface="Century Gothic" panose="020B0502020202020204" pitchFamily="34" charset="0"/>
+              </a:rPr>
+              <a:t>Jak </a:t>
+            </a:r>
+            <a:r>
+              <a:rPr lang="cs-CZ" sz="1200" b="1" dirty="0">
+                <a:latin typeface="Century Gothic" panose="020B0502020202020204" pitchFamily="34" charset="0"/>
+              </a:rPr>
+              <a:t>na ni:</a:t>
+            </a:r>
+            <a:r>
+              <a:rPr lang="cs-CZ" sz="1200" dirty="0">
+                <a:latin typeface="Century Gothic" panose="020B0502020202020204" pitchFamily="34" charset="0"/>
+              </a:rPr>
+              <a:t> ? </a:t>
+            </a:r>
+          </a:p>
+          <a:p>
+            <a:endParaRPr lang="cs-CZ" sz="1200" dirty="0">
+              <a:latin typeface="Century Gothic" panose="020B0502020202020204" pitchFamily="34" charset="0"/>
+            </a:endParaRPr>
+          </a:p>
+        </p:txBody>
+      </p:sp>
+    </p:spTree>
+    <p:extLst>
+      <p:ext uri="{BB962C8B-B14F-4D97-AF65-F5344CB8AC3E}">
+        <p14:creationId xmlns:p14="http://schemas.microsoft.com/office/powerpoint/2010/main" val="673897228"/>
+      </p:ext>
+    </p:extLst>
+  </p:cSld>
+  <p:clrMapOvr>
+    <a:masterClrMapping/>
+  </p:clrMapOvr>
+  <p:timing>
+    <p:tnLst>
+      <p:par>
+        <p:cTn id="1" dur="indefinite" restart="never" nodeType="tmRoot"/>
+      </p:par>
+    </p:tnLst>
+  </p:timing>
+</p:sld>
+</file>
+
+<file path=ppt/slides/slide6.xml><?xml version="1.0" encoding="utf-8"?>
+<p:sld xmlns:a="http://schemas.openxmlformats.org/drawingml/2006/main" xmlns:r="http://schemas.openxmlformats.org/officeDocument/2006/relationships" xmlns:p="http://schemas.openxmlformats.org/presentationml/2006/main">
+  <p:cSld>
+    <p:spTree>
+      <p:nvGrpSpPr>
+        <p:cNvPr id="1" name=""/>
+        <p:cNvGrpSpPr/>
+        <p:nvPr/>
+      </p:nvGrpSpPr>
+      <p:grpSpPr>
+        <a:xfrm>
+          <a:off x="0" y="0"/>
+          <a:ext cx="0" cy="0"/>
+          <a:chOff x="0" y="0"/>
+          <a:chExt cx="0" cy="0"/>
+        </a:xfrm>
+      </p:grpSpPr>
+      <p:sp>
+        <p:nvSpPr>
+          <p:cNvPr id="2" name="TextovéPole 1"/>
+          <p:cNvSpPr txBox="1"/>
+          <p:nvPr/>
+        </p:nvSpPr>
+        <p:spPr>
+          <a:xfrm>
+            <a:off x="3151554" y="309562"/>
+            <a:ext cx="6506307" cy="5386090"/>
+          </a:xfrm>
+          <a:prstGeom prst="rect">
+            <a:avLst/>
+          </a:prstGeom>
+          <a:noFill/>
+        </p:spPr>
+        <p:txBody>
+          <a:bodyPr wrap="square" rtlCol="0">
+            <a:spAutoFit/>
+          </a:bodyPr>
+          <a:lstStyle/>
+          <a:p>
+            <a:pPr fontAlgn="base"/>
+            <a:r>
+              <a:rPr lang="cs-CZ" sz="1200" b="1" dirty="0">
+                <a:latin typeface="Century Gothic" panose="020B0502020202020204" pitchFamily="34" charset="0"/>
+              </a:rPr>
+              <a:t>ČARODĚJNICE (</a:t>
+            </a:r>
+            <a:r>
+              <a:rPr lang="cs-CZ" sz="1200" b="1" dirty="0" err="1">
+                <a:latin typeface="Century Gothic" panose="020B0502020202020204" pitchFamily="34" charset="0"/>
+              </a:rPr>
+              <a:t>Venefica</a:t>
+            </a:r>
+            <a:r>
+              <a:rPr lang="cs-CZ" sz="1200" b="1" dirty="0">
+                <a:latin typeface="Century Gothic" panose="020B0502020202020204" pitchFamily="34" charset="0"/>
+              </a:rPr>
+              <a:t>) </a:t>
+            </a:r>
+            <a:endParaRPr lang="cs-CZ" sz="1200" b="1" dirty="0" smtClean="0">
+              <a:latin typeface="Century Gothic" panose="020B0502020202020204" pitchFamily="34" charset="0"/>
+            </a:endParaRPr>
+          </a:p>
+          <a:p>
+            <a:pPr fontAlgn="base"/>
+            <a:r>
+              <a:rPr lang="cs-CZ" sz="1200" dirty="0" smtClean="0">
+                <a:latin typeface="Century Gothic" panose="020B0502020202020204" pitchFamily="34" charset="0"/>
+              </a:rPr>
+              <a:t>Ženská postava</a:t>
+            </a:r>
+          </a:p>
+          <a:p>
+            <a:pPr fontAlgn="base"/>
+            <a:r>
+              <a:rPr lang="cs-CZ" sz="1200" dirty="0" smtClean="0">
+                <a:latin typeface="Century Gothic" panose="020B0502020202020204" pitchFamily="34" charset="0"/>
+              </a:rPr>
+              <a:t>Režná halena s dlouhými rukávy zakrývajícími dlaně</a:t>
+            </a:r>
+          </a:p>
+          <a:p>
+            <a:pPr fontAlgn="base"/>
+            <a:r>
+              <a:rPr lang="cs-CZ" sz="1200" dirty="0" smtClean="0">
+                <a:latin typeface="Century Gothic" panose="020B0502020202020204" pitchFamily="34" charset="0"/>
+              </a:rPr>
+              <a:t>Na hlavě má špičatý klobouk složený z větví, který přesahuje přes obličej</a:t>
+            </a:r>
+          </a:p>
+          <a:p>
+            <a:pPr fontAlgn="base"/>
+            <a:r>
+              <a:rPr lang="cs-CZ" sz="1200" dirty="0" smtClean="0">
+                <a:latin typeface="Century Gothic" panose="020B0502020202020204" pitchFamily="34" charset="0"/>
+              </a:rPr>
+              <a:t>Vedle postavy se vznáší koště</a:t>
+            </a:r>
+          </a:p>
+          <a:p>
+            <a:pPr fontAlgn="base"/>
+            <a:r>
+              <a:rPr lang="cs-CZ" sz="1200" dirty="0" smtClean="0">
+                <a:latin typeface="Century Gothic" panose="020B0502020202020204" pitchFamily="34" charset="0"/>
+              </a:rPr>
+              <a:t>Pohyb: Vlnění koštěte</a:t>
+            </a:r>
+          </a:p>
+          <a:p>
+            <a:pPr fontAlgn="base"/>
+            <a:endParaRPr lang="cs-CZ" sz="800" b="1" dirty="0">
+              <a:latin typeface="Century Gothic" panose="020B0502020202020204" pitchFamily="34" charset="0"/>
+            </a:endParaRPr>
+          </a:p>
+          <a:p>
+            <a:pPr fontAlgn="base"/>
+            <a:r>
+              <a:rPr lang="cs-CZ" sz="800" b="1" dirty="0">
+                <a:latin typeface="Century Gothic" panose="020B0502020202020204" pitchFamily="34" charset="0"/>
+              </a:rPr>
+              <a:t>Výskyt: </a:t>
+            </a:r>
+            <a:r>
+              <a:rPr lang="cs-CZ" sz="800" dirty="0">
+                <a:latin typeface="Century Gothic" panose="020B0502020202020204" pitchFamily="34" charset="0"/>
+              </a:rPr>
+              <a:t>kdekoli </a:t>
+            </a:r>
+          </a:p>
+          <a:p>
+            <a:pPr fontAlgn="base"/>
+            <a:r>
+              <a:rPr lang="cs-CZ" sz="800" dirty="0">
+                <a:latin typeface="Century Gothic" panose="020B0502020202020204" pitchFamily="34" charset="0"/>
+              </a:rPr>
+              <a:t>Baba Jaga – v lese v chaloupce na kuřích nohách, lemované plotem z lidských kostí a lebek, s okny ve tvaru lidských očí, dveřmi jako tlamou </a:t>
+            </a:r>
+          </a:p>
+          <a:p>
+            <a:pPr fontAlgn="base"/>
+            <a:r>
+              <a:rPr lang="cs-CZ" sz="800" dirty="0">
+                <a:latin typeface="Century Gothic" panose="020B0502020202020204" pitchFamily="34" charset="0"/>
+              </a:rPr>
+              <a:t>zimnice – na křižovatkách a u božích muk </a:t>
+            </a:r>
+          </a:p>
+          <a:p>
+            <a:pPr fontAlgn="base"/>
+            <a:r>
+              <a:rPr lang="cs-CZ" sz="800" b="1" dirty="0">
+                <a:latin typeface="Century Gothic" panose="020B0502020202020204" pitchFamily="34" charset="0"/>
+              </a:rPr>
+              <a:t>Děčínsko: </a:t>
+            </a:r>
+            <a:r>
+              <a:rPr lang="cs-CZ" sz="800" dirty="0">
+                <a:latin typeface="Century Gothic" panose="020B0502020202020204" pitchFamily="34" charset="0"/>
+              </a:rPr>
+              <a:t>Markvartice, Horní Habartice </a:t>
+            </a:r>
+          </a:p>
+          <a:p>
+            <a:pPr fontAlgn="base"/>
+            <a:r>
+              <a:rPr lang="cs-CZ" sz="800" b="1" dirty="0">
+                <a:latin typeface="Century Gothic" panose="020B0502020202020204" pitchFamily="34" charset="0"/>
+              </a:rPr>
+              <a:t>Litoměřicko: </a:t>
+            </a:r>
+            <a:r>
+              <a:rPr lang="cs-CZ" sz="800" dirty="0">
+                <a:latin typeface="Century Gothic" panose="020B0502020202020204" pitchFamily="34" charset="0"/>
+              </a:rPr>
+              <a:t>Levín, pomezní les nedaleko </a:t>
+            </a:r>
+            <a:r>
+              <a:rPr lang="cs-CZ" sz="800" dirty="0" err="1">
+                <a:latin typeface="Century Gothic" panose="020B0502020202020204" pitchFamily="34" charset="0"/>
+              </a:rPr>
+              <a:t>Hazmburka</a:t>
+            </a:r>
+            <a:r>
+              <a:rPr lang="cs-CZ" sz="800" dirty="0">
+                <a:latin typeface="Century Gothic" panose="020B0502020202020204" pitchFamily="34" charset="0"/>
+              </a:rPr>
+              <a:t> </a:t>
+            </a:r>
+          </a:p>
+          <a:p>
+            <a:pPr fontAlgn="base"/>
+            <a:r>
+              <a:rPr lang="cs-CZ" sz="800" b="1" dirty="0" err="1">
+                <a:latin typeface="Century Gothic" panose="020B0502020202020204" pitchFamily="34" charset="0"/>
+              </a:rPr>
+              <a:t>Teplicko</a:t>
+            </a:r>
+            <a:r>
+              <a:rPr lang="cs-CZ" sz="800" b="1" dirty="0">
+                <a:latin typeface="Century Gothic" panose="020B0502020202020204" pitchFamily="34" charset="0"/>
+              </a:rPr>
+              <a:t>:</a:t>
+            </a:r>
+            <a:r>
+              <a:rPr lang="cs-CZ" sz="800" dirty="0">
+                <a:latin typeface="Century Gothic" panose="020B0502020202020204" pitchFamily="34" charset="0"/>
+              </a:rPr>
+              <a:t> Doubravská hora, Teplice, </a:t>
+            </a:r>
+            <a:r>
+              <a:rPr lang="cs-CZ" sz="800" dirty="0" err="1">
+                <a:latin typeface="Century Gothic" panose="020B0502020202020204" pitchFamily="34" charset="0"/>
+              </a:rPr>
+              <a:t>Bořeň</a:t>
+            </a:r>
+            <a:r>
+              <a:rPr lang="cs-CZ" sz="800" dirty="0">
+                <a:latin typeface="Century Gothic" panose="020B0502020202020204" pitchFamily="34" charset="0"/>
+              </a:rPr>
+              <a:t> u Bíliny, v Krušných horách u Kyšperku / Krupka (Hraniční les, cesta zvaná Kroupy) </a:t>
+            </a:r>
+          </a:p>
+          <a:p>
+            <a:pPr fontAlgn="base"/>
+            <a:r>
+              <a:rPr lang="cs-CZ" sz="800" b="1" dirty="0">
+                <a:latin typeface="Century Gothic" panose="020B0502020202020204" pitchFamily="34" charset="0"/>
+              </a:rPr>
+              <a:t>Ústecko:</a:t>
+            </a:r>
+            <a:r>
+              <a:rPr lang="cs-CZ" sz="800" dirty="0">
+                <a:latin typeface="Century Gothic" panose="020B0502020202020204" pitchFamily="34" charset="0"/>
+              </a:rPr>
+              <a:t> Babiny, Ústí nad Labem, Trmice (hladová Sklepová Líza u pivovaru) </a:t>
+            </a:r>
+          </a:p>
+          <a:p>
+            <a:pPr fontAlgn="base"/>
+            <a:r>
+              <a:rPr lang="cs-CZ" sz="800" b="1" dirty="0">
+                <a:latin typeface="Century Gothic" panose="020B0502020202020204" pitchFamily="34" charset="0"/>
+              </a:rPr>
+              <a:t>Žatecko:</a:t>
+            </a:r>
+            <a:r>
+              <a:rPr lang="cs-CZ" sz="800" dirty="0">
+                <a:latin typeface="Century Gothic" panose="020B0502020202020204" pitchFamily="34" charset="0"/>
+              </a:rPr>
+              <a:t> Žatec </a:t>
+            </a:r>
+          </a:p>
+          <a:p>
+            <a:pPr fontAlgn="base"/>
+            <a:r>
+              <a:rPr lang="cs-CZ" sz="800" b="1" dirty="0">
+                <a:latin typeface="Century Gothic" panose="020B0502020202020204" pitchFamily="34" charset="0"/>
+              </a:rPr>
+              <a:t>Živel: </a:t>
+            </a:r>
+            <a:r>
+              <a:rPr lang="cs-CZ" sz="800" dirty="0">
+                <a:latin typeface="Century Gothic" panose="020B0502020202020204" pitchFamily="34" charset="0"/>
+              </a:rPr>
+              <a:t>oheň </a:t>
+            </a:r>
+          </a:p>
+          <a:p>
+            <a:pPr fontAlgn="base"/>
+            <a:r>
+              <a:rPr lang="cs-CZ" sz="800" b="1" dirty="0">
+                <a:latin typeface="Century Gothic" panose="020B0502020202020204" pitchFamily="34" charset="0"/>
+              </a:rPr>
+              <a:t>Potrava: </a:t>
+            </a:r>
+            <a:r>
+              <a:rPr lang="cs-CZ" sz="800" dirty="0">
+                <a:latin typeface="Century Gothic" panose="020B0502020202020204" pitchFamily="34" charset="0"/>
+              </a:rPr>
+              <a:t>vykrmené malé děti </a:t>
+            </a:r>
+          </a:p>
+          <a:p>
+            <a:pPr fontAlgn="base"/>
+            <a:r>
+              <a:rPr lang="cs-CZ" sz="800" b="1" dirty="0">
+                <a:latin typeface="Century Gothic" panose="020B0502020202020204" pitchFamily="34" charset="0"/>
+              </a:rPr>
+              <a:t>Původ/Vznik:</a:t>
+            </a:r>
+            <a:r>
+              <a:rPr lang="cs-CZ" sz="800" dirty="0">
+                <a:latin typeface="Century Gothic" panose="020B0502020202020204" pitchFamily="34" charset="0"/>
+              </a:rPr>
+              <a:t> ? </a:t>
+            </a:r>
+          </a:p>
+          <a:p>
+            <a:pPr fontAlgn="base"/>
+            <a:r>
+              <a:rPr lang="cs-CZ" sz="800" b="1" dirty="0">
+                <a:latin typeface="Century Gothic" panose="020B0502020202020204" pitchFamily="34" charset="0"/>
+              </a:rPr>
+              <a:t>Popis (jak vypadá, co umí, zajímavosti): </a:t>
+            </a:r>
+            <a:r>
+              <a:rPr lang="cs-CZ" sz="800" dirty="0">
+                <a:latin typeface="Century Gothic" panose="020B0502020202020204" pitchFamily="34" charset="0"/>
+              </a:rPr>
+              <a:t> </a:t>
+            </a:r>
+          </a:p>
+          <a:p>
+            <a:pPr fontAlgn="base"/>
+            <a:r>
+              <a:rPr lang="cs-CZ" sz="800" dirty="0">
+                <a:latin typeface="Century Gothic" panose="020B0502020202020204" pitchFamily="34" charset="0"/>
+              </a:rPr>
+              <a:t>zlověstná a škodolibá žena </a:t>
+            </a:r>
+          </a:p>
+          <a:p>
+            <a:pPr fontAlgn="base"/>
+            <a:r>
+              <a:rPr lang="cs-CZ" sz="800" dirty="0">
+                <a:latin typeface="Century Gothic" panose="020B0502020202020204" pitchFamily="34" charset="0"/>
+              </a:rPr>
+              <a:t>Baba Jaga = slovanská čarodějnice, stará a zlá, má rozcuchané vlasy a velký skobovitý nos s bradavicí, dlouhou bradou, černé oči a žlutou až hnědou pleť, oblečená je v prostých, hojně záplatovaných šatech s šátkem na hlavě, doprovází ji černý kocour, hadi či krysy </a:t>
+            </a:r>
+          </a:p>
+          <a:p>
+            <a:pPr fontAlgn="base"/>
+            <a:r>
+              <a:rPr lang="cs-CZ" sz="800" dirty="0">
+                <a:latin typeface="Century Gothic" panose="020B0502020202020204" pitchFamily="34" charset="0"/>
+              </a:rPr>
+              <a:t>zimnice = ošklivá, vyzáblá, má popelavou tvář, 2–3 zuby a kostnaté pařáty </a:t>
+            </a:r>
+          </a:p>
+          <a:p>
+            <a:pPr fontAlgn="base"/>
+            <a:r>
+              <a:rPr lang="cs-CZ" sz="800" dirty="0">
+                <a:latin typeface="Century Gothic" panose="020B0502020202020204" pitchFamily="34" charset="0"/>
+              </a:rPr>
+              <a:t>umí seslat kletbu a uhranutí, zaříkáváním ovlivnit počasí, vyvolat duchy a jiné nadpřirozené bytosti, kouzelnými proutky čarovat, z magických artefaktů a ohně věštit budoucnost </a:t>
+            </a:r>
+          </a:p>
+          <a:p>
+            <a:pPr fontAlgn="base"/>
+            <a:r>
+              <a:rPr lang="cs-CZ" sz="800" dirty="0">
+                <a:latin typeface="Century Gothic" panose="020B0502020202020204" pitchFamily="34" charset="0"/>
+              </a:rPr>
+              <a:t>věnuje se bylinkářství, připravuje masti a lektvary, někdy i léčivé </a:t>
+            </a:r>
+          </a:p>
+          <a:p>
+            <a:pPr fontAlgn="base"/>
+            <a:r>
+              <a:rPr lang="cs-CZ" sz="800" dirty="0">
+                <a:latin typeface="Century Gothic" panose="020B0502020202020204" pitchFamily="34" charset="0"/>
+              </a:rPr>
+              <a:t>umí se proměnit v krásnou mladou dívku, svůdnou ženu i zvíře a věci </a:t>
+            </a:r>
+          </a:p>
+          <a:p>
+            <a:pPr fontAlgn="base"/>
+            <a:r>
+              <a:rPr lang="cs-CZ" sz="800" dirty="0">
+                <a:latin typeface="Century Gothic" panose="020B0502020202020204" pitchFamily="34" charset="0"/>
+              </a:rPr>
+              <a:t>největší moc má o filipojakubské noci </a:t>
+            </a:r>
+          </a:p>
+          <a:p>
+            <a:pPr fontAlgn="base"/>
+            <a:r>
+              <a:rPr lang="cs-CZ" sz="800" dirty="0">
+                <a:latin typeface="Century Gothic" panose="020B0502020202020204" pitchFamily="34" charset="0"/>
+              </a:rPr>
+              <a:t>létá na košťatech z jasanového dřeva a spletených vrbových a březových proutků, natřených kouzelnou mastí </a:t>
+            </a:r>
+          </a:p>
+          <a:p>
+            <a:pPr fontAlgn="base"/>
+            <a:r>
+              <a:rPr lang="cs-CZ" sz="800" dirty="0">
+                <a:latin typeface="Century Gothic" panose="020B0502020202020204" pitchFamily="34" charset="0"/>
+              </a:rPr>
+              <a:t>zimnice číhá na křižovatkách a u božích muk na znavené poutníky či opilce, které chce nalákat do řek nebo močálů – když neuspěje, dýchne ledovým dechem na oběť, aby do rána zemřela </a:t>
+            </a:r>
+          </a:p>
+          <a:p>
+            <a:pPr fontAlgn="base"/>
+            <a:r>
+              <a:rPr lang="cs-CZ" sz="800" b="1" dirty="0">
+                <a:latin typeface="Century Gothic" panose="020B0502020202020204" pitchFamily="34" charset="0"/>
+              </a:rPr>
+              <a:t>Jak na ni:</a:t>
+            </a:r>
+            <a:r>
+              <a:rPr lang="cs-CZ" sz="800" dirty="0">
+                <a:latin typeface="Century Gothic" panose="020B0502020202020204" pitchFamily="34" charset="0"/>
+              </a:rPr>
+              <a:t> </a:t>
+            </a:r>
+          </a:p>
+          <a:p>
+            <a:pPr fontAlgn="base"/>
+            <a:r>
+              <a:rPr lang="cs-CZ" sz="800" dirty="0">
+                <a:latin typeface="Century Gothic" panose="020B0502020202020204" pitchFamily="34" charset="0"/>
+              </a:rPr>
+              <a:t>nutné je chránit před ní sebe i domácí zvířata a malé děti </a:t>
+            </a:r>
+          </a:p>
+          <a:p>
+            <a:pPr fontAlgn="base"/>
+            <a:r>
+              <a:rPr lang="cs-CZ" sz="800" dirty="0">
+                <a:latin typeface="Century Gothic" panose="020B0502020202020204" pitchFamily="34" charset="0"/>
+              </a:rPr>
+              <a:t>před vstupem do domu a chléva se zavěsí různé rostliny (česnek, mák setý, pelyněk černobýl, jalovec, kopřiva), pomoci mohla i větvička hlohu nebo srstky angreštu </a:t>
+            </a:r>
+          </a:p>
+          <a:p>
+            <a:pPr fontAlgn="base"/>
+            <a:r>
+              <a:rPr lang="cs-CZ" sz="800" dirty="0">
+                <a:latin typeface="Century Gothic" panose="020B0502020202020204" pitchFamily="34" charset="0"/>
+              </a:rPr>
+              <a:t>proti čarodějnici lze použít i ostré předměty a pasti </a:t>
+            </a:r>
+          </a:p>
+          <a:p>
+            <a:pPr fontAlgn="base"/>
+            <a:r>
+              <a:rPr lang="cs-CZ" sz="800" dirty="0">
+                <a:latin typeface="Century Gothic" panose="020B0502020202020204" pitchFamily="34" charset="0"/>
+              </a:rPr>
+              <a:t> </a:t>
+            </a:r>
+          </a:p>
+          <a:p>
+            <a:endParaRPr lang="cs-CZ" sz="800" dirty="0">
+              <a:latin typeface="Century Gothic" panose="020B0502020202020204" pitchFamily="34" charset="0"/>
+            </a:endParaRPr>
+          </a:p>
+        </p:txBody>
+      </p:sp>
+      <p:pic>
+        <p:nvPicPr>
+          <p:cNvPr id="3076" name="Picture 4" descr="https://i.pinimg.com/564x/db/70/5c/db705c931a2d884764efc3467fdffb6b.jpg"/>
+          <p:cNvPicPr>
+            <a:picLocks noChangeAspect="1" noChangeArrowheads="1"/>
+          </p:cNvPicPr>
+          <p:nvPr/>
+        </p:nvPicPr>
+        <p:blipFill>
+          <a:blip r:embed="rId2">
+            <a:extLst>
+              <a:ext uri="{28A0092B-C50C-407E-A947-70E740481C1C}">
+                <a14:useLocalDpi xmlns:a14="http://schemas.microsoft.com/office/drawing/2010/main" val="0"/>
+              </a:ext>
+            </a:extLst>
+          </a:blip>
+          <a:srcRect/>
+          <a:stretch>
+            <a:fillRect/>
+          </a:stretch>
+        </p:blipFill>
+        <p:spPr bwMode="auto">
+          <a:xfrm>
+            <a:off x="436929" y="1222130"/>
+            <a:ext cx="2714625" cy="4048125"/>
+          </a:xfrm>
+          <a:prstGeom prst="rect">
+            <a:avLst/>
+          </a:prstGeom>
+          <a:noFill/>
+          <a:extLst>
+            <a:ext uri="{909E8E84-426E-40DD-AFC4-6F175D3DCCD1}">
+              <a14:hiddenFill xmlns:a14="http://schemas.microsoft.com/office/drawing/2010/main">
+                <a:solidFill>
+                  <a:srgbClr val="FFFFFF"/>
+                </a:solidFill>
+              </a14:hiddenFill>
+            </a:ext>
+          </a:extLst>
+        </p:spPr>
+      </p:pic>
+    </p:spTree>
+    <p:extLst>
+      <p:ext uri="{BB962C8B-B14F-4D97-AF65-F5344CB8AC3E}">
+        <p14:creationId xmlns:p14="http://schemas.microsoft.com/office/powerpoint/2010/main" val="3184070275"/>
+      </p:ext>
+    </p:extLst>
+  </p:cSld>
+  <p:clrMapOvr>
+    <a:masterClrMapping/>
+  </p:clrMapOvr>
+  <p:timing>
+    <p:tnLst>
+      <p:par>
+        <p:cTn id="1" dur="indefinite" restart="never" nodeType="tmRoot"/>
+      </p:par>
+    </p:tnLst>
+  </p:timing>
+</p:sld>
+</file>
+
+<file path=ppt/slides/slide7.xml><?xml version="1.0" encoding="utf-8"?>
+<p:sld xmlns:a="http://schemas.openxmlformats.org/drawingml/2006/main" xmlns:r="http://schemas.openxmlformats.org/officeDocument/2006/relationships" xmlns:p="http://schemas.openxmlformats.org/presentationml/2006/main">
+  <p:cSld>
+    <p:spTree>
+      <p:nvGrpSpPr>
+        <p:cNvPr id="1" name=""/>
+        <p:cNvGrpSpPr/>
+        <p:nvPr/>
+      </p:nvGrpSpPr>
+      <p:grpSpPr>
+        <a:xfrm>
+          <a:off x="0" y="0"/>
+          <a:ext cx="0" cy="0"/>
+          <a:chOff x="0" y="0"/>
+          <a:chExt cx="0" cy="0"/>
+        </a:xfrm>
+      </p:grpSpPr>
+      <p:pic>
+        <p:nvPicPr>
+          <p:cNvPr id="4098" name="Picture 2" descr="https://i.pinimg.com/564x/e0/8a/a9/e08aa906f596d4384f38315aa0a44406.jpg"/>
+          <p:cNvPicPr>
+            <a:picLocks noChangeAspect="1" noChangeArrowheads="1"/>
+          </p:cNvPicPr>
+          <p:nvPr/>
+        </p:nvPicPr>
+        <p:blipFill>
+          <a:blip r:embed="rId2">
+            <a:extLst>
+              <a:ext uri="{28A0092B-C50C-407E-A947-70E740481C1C}">
+                <a14:useLocalDpi xmlns:a14="http://schemas.microsoft.com/office/drawing/2010/main" val="0"/>
+              </a:ext>
+            </a:extLst>
+          </a:blip>
+          <a:srcRect/>
+          <a:stretch>
+            <a:fillRect/>
+          </a:stretch>
+        </p:blipFill>
+        <p:spPr bwMode="auto">
+          <a:xfrm>
+            <a:off x="225913" y="1458057"/>
+            <a:ext cx="3528402" cy="3528402"/>
+          </a:xfrm>
+          <a:prstGeom prst="rect">
+            <a:avLst/>
+          </a:prstGeom>
+          <a:noFill/>
+          <a:extLst>
+            <a:ext uri="{909E8E84-426E-40DD-AFC4-6F175D3DCCD1}">
+              <a14:hiddenFill xmlns:a14="http://schemas.microsoft.com/office/drawing/2010/main">
+                <a:solidFill>
+                  <a:srgbClr val="FFFFFF"/>
+                </a:solidFill>
+              </a14:hiddenFill>
+            </a:ext>
+          </a:extLst>
+        </p:spPr>
+      </p:pic>
+      <p:sp>
+        <p:nvSpPr>
+          <p:cNvPr id="2" name="Obdélník 1"/>
+          <p:cNvSpPr/>
+          <p:nvPr/>
+        </p:nvSpPr>
+        <p:spPr>
+          <a:xfrm>
+            <a:off x="3927230" y="636715"/>
+            <a:ext cx="4953000" cy="5447645"/>
+          </a:xfrm>
+          <a:prstGeom prst="rect">
+            <a:avLst/>
+          </a:prstGeom>
+        </p:spPr>
+        <p:txBody>
+          <a:bodyPr>
+            <a:spAutoFit/>
+          </a:bodyPr>
+          <a:lstStyle/>
+          <a:p>
+            <a:pPr fontAlgn="base"/>
+            <a:r>
+              <a:rPr lang="cs-CZ" sz="1200" b="1" dirty="0">
+                <a:latin typeface="Century Gothic" panose="020B0502020202020204" pitchFamily="34" charset="0"/>
+              </a:rPr>
+              <a:t>ČERNÝ PES (</a:t>
+            </a:r>
+            <a:r>
+              <a:rPr lang="cs-CZ" sz="1200" b="1" dirty="0" err="1">
+                <a:latin typeface="Century Gothic" panose="020B0502020202020204" pitchFamily="34" charset="0"/>
+              </a:rPr>
+              <a:t>Canis</a:t>
+            </a:r>
+            <a:r>
+              <a:rPr lang="cs-CZ" sz="1200" b="1" dirty="0">
+                <a:latin typeface="Century Gothic" panose="020B0502020202020204" pitchFamily="34" charset="0"/>
+              </a:rPr>
+              <a:t> </a:t>
+            </a:r>
+            <a:r>
+              <a:rPr lang="cs-CZ" sz="1200" b="1" dirty="0" err="1">
+                <a:latin typeface="Century Gothic" panose="020B0502020202020204" pitchFamily="34" charset="0"/>
+              </a:rPr>
+              <a:t>diabolus</a:t>
+            </a:r>
+            <a:r>
+              <a:rPr lang="cs-CZ" sz="1200" b="1" dirty="0" smtClean="0">
+                <a:latin typeface="Century Gothic" panose="020B0502020202020204" pitchFamily="34" charset="0"/>
+              </a:rPr>
+              <a:t>)</a:t>
+            </a:r>
+          </a:p>
+          <a:p>
+            <a:pPr fontAlgn="base"/>
+            <a:r>
+              <a:rPr lang="cs-CZ" sz="1200" dirty="0" smtClean="0">
+                <a:latin typeface="Century Gothic" panose="020B0502020202020204" pitchFamily="34" charset="0"/>
+              </a:rPr>
+              <a:t>Model: stáhnout velkého chlupatého psa</a:t>
+            </a:r>
+          </a:p>
+          <a:p>
+            <a:pPr fontAlgn="base"/>
+            <a:r>
+              <a:rPr lang="cs-CZ" sz="1200" dirty="0" smtClean="0">
+                <a:latin typeface="Century Gothic" panose="020B0502020202020204" pitchFamily="34" charset="0"/>
+              </a:rPr>
+              <a:t>Černá barva srsti, veliký pes, rudé oči, ideálně otevřená tlama</a:t>
+            </a:r>
+          </a:p>
+          <a:p>
+            <a:pPr fontAlgn="base"/>
+            <a:r>
+              <a:rPr lang="cs-CZ" sz="1200" b="1" dirty="0" smtClean="0">
+                <a:latin typeface="Century Gothic" panose="020B0502020202020204" pitchFamily="34" charset="0"/>
+              </a:rPr>
+              <a:t>Pohyb: </a:t>
+            </a:r>
+            <a:r>
+              <a:rPr lang="cs-CZ" sz="1200" dirty="0" smtClean="0">
+                <a:latin typeface="Century Gothic" panose="020B0502020202020204" pitchFamily="34" charset="0"/>
+              </a:rPr>
+              <a:t>vrtění ocasem/ žhnutí rudách očí</a:t>
+            </a:r>
+            <a:r>
+              <a:rPr lang="cs-CZ" sz="1200" b="1" dirty="0">
+                <a:latin typeface="Century Gothic" panose="020B0502020202020204" pitchFamily="34" charset="0"/>
+              </a:rPr>
+              <a:t> </a:t>
+            </a:r>
+          </a:p>
+          <a:p>
+            <a:pPr fontAlgn="base"/>
+            <a:r>
+              <a:rPr lang="cs-CZ" sz="1200" b="1" dirty="0">
+                <a:solidFill>
+                  <a:srgbClr val="000000"/>
+                </a:solidFill>
+                <a:latin typeface="Century Gothic" panose="020B0502020202020204" pitchFamily="34" charset="0"/>
+              </a:rPr>
+              <a:t>Výskyt: </a:t>
+            </a:r>
+            <a:r>
+              <a:rPr lang="cs-CZ" sz="1200" dirty="0">
+                <a:solidFill>
+                  <a:srgbClr val="000000"/>
+                </a:solidFill>
+                <a:latin typeface="Century Gothic" panose="020B0502020202020204" pitchFamily="34" charset="0"/>
+              </a:rPr>
+              <a:t>temná opuštěná blata, vřesoviště, cesty, hluboké lesy a hřbitovy </a:t>
+            </a:r>
+          </a:p>
+          <a:p>
+            <a:pPr fontAlgn="base">
+              <a:buFont typeface="Arial" panose="020B0604020202020204" pitchFamily="34" charset="0"/>
+              <a:buChar char="•"/>
+            </a:pPr>
+            <a:r>
+              <a:rPr lang="cs-CZ" sz="1200" b="1" dirty="0">
+                <a:solidFill>
+                  <a:srgbClr val="000000"/>
+                </a:solidFill>
+                <a:latin typeface="Century Gothic" panose="020B0502020202020204" pitchFamily="34" charset="0"/>
+              </a:rPr>
+              <a:t>Děčínsko:</a:t>
+            </a:r>
+            <a:r>
+              <a:rPr lang="cs-CZ" sz="1200" dirty="0">
+                <a:solidFill>
+                  <a:srgbClr val="000000"/>
+                </a:solidFill>
+                <a:latin typeface="Century Gothic" panose="020B0502020202020204" pitchFamily="34" charset="0"/>
+              </a:rPr>
+              <a:t> u Prosetína, v lese u Těchlovic do Rytířova </a:t>
+            </a:r>
+          </a:p>
+          <a:p>
+            <a:pPr fontAlgn="base">
+              <a:buFont typeface="Arial" panose="020B0604020202020204" pitchFamily="34" charset="0"/>
+              <a:buChar char="•"/>
+            </a:pPr>
+            <a:r>
+              <a:rPr lang="cs-CZ" sz="1200" b="1" dirty="0">
+                <a:solidFill>
+                  <a:srgbClr val="000000"/>
+                </a:solidFill>
+                <a:latin typeface="Century Gothic" panose="020B0502020202020204" pitchFamily="34" charset="0"/>
+              </a:rPr>
+              <a:t>Litoměřicko: </a:t>
+            </a:r>
+            <a:r>
+              <a:rPr lang="cs-CZ" sz="1200" dirty="0">
+                <a:solidFill>
+                  <a:srgbClr val="000000"/>
+                </a:solidFill>
+                <a:latin typeface="Century Gothic" panose="020B0502020202020204" pitchFamily="34" charset="0"/>
+              </a:rPr>
+              <a:t>vrch Kalich u Třebušína </a:t>
+            </a:r>
+          </a:p>
+          <a:p>
+            <a:pPr fontAlgn="base">
+              <a:buFont typeface="Arial" panose="020B0604020202020204" pitchFamily="34" charset="0"/>
+              <a:buChar char="•"/>
+            </a:pPr>
+            <a:r>
+              <a:rPr lang="cs-CZ" sz="1200" b="1" dirty="0">
+                <a:solidFill>
+                  <a:srgbClr val="000000"/>
+                </a:solidFill>
+                <a:latin typeface="Century Gothic" panose="020B0502020202020204" pitchFamily="34" charset="0"/>
+              </a:rPr>
+              <a:t>Ústecko:</a:t>
+            </a:r>
+            <a:r>
+              <a:rPr lang="cs-CZ" sz="1200" dirty="0">
+                <a:solidFill>
+                  <a:srgbClr val="000000"/>
+                </a:solidFill>
+                <a:latin typeface="Century Gothic" panose="020B0502020202020204" pitchFamily="34" charset="0"/>
+              </a:rPr>
+              <a:t> u </a:t>
+            </a:r>
+            <a:r>
+              <a:rPr lang="cs-CZ" sz="1200" dirty="0" err="1">
+                <a:solidFill>
+                  <a:srgbClr val="000000"/>
+                </a:solidFill>
+                <a:latin typeface="Century Gothic" panose="020B0502020202020204" pitchFamily="34" charset="0"/>
+              </a:rPr>
+              <a:t>Byňova</a:t>
+            </a:r>
+            <a:r>
+              <a:rPr lang="cs-CZ" sz="1200" dirty="0">
+                <a:solidFill>
+                  <a:srgbClr val="000000"/>
+                </a:solidFill>
+                <a:latin typeface="Century Gothic" panose="020B0502020202020204" pitchFamily="34" charset="0"/>
+              </a:rPr>
+              <a:t> a Březí – Opičí kameny, Blansko, Božtěšice, v jeskyni na Mariánské skále v Ústí nad Labem </a:t>
+            </a:r>
+          </a:p>
+          <a:p>
+            <a:pPr fontAlgn="base"/>
+            <a:r>
+              <a:rPr lang="cs-CZ" sz="1200" b="1" dirty="0">
+                <a:solidFill>
+                  <a:srgbClr val="000000"/>
+                </a:solidFill>
+                <a:latin typeface="Century Gothic" panose="020B0502020202020204" pitchFamily="34" charset="0"/>
+              </a:rPr>
+              <a:t>Živel: </a:t>
+            </a:r>
+            <a:r>
+              <a:rPr lang="cs-CZ" sz="1200" dirty="0">
+                <a:solidFill>
+                  <a:srgbClr val="000000"/>
+                </a:solidFill>
+                <a:latin typeface="Century Gothic" panose="020B0502020202020204" pitchFamily="34" charset="0"/>
+              </a:rPr>
+              <a:t>oheň </a:t>
+            </a:r>
+          </a:p>
+          <a:p>
+            <a:pPr fontAlgn="base"/>
+            <a:r>
+              <a:rPr lang="cs-CZ" sz="1200" b="1" dirty="0">
+                <a:solidFill>
+                  <a:srgbClr val="000000"/>
+                </a:solidFill>
+                <a:latin typeface="Century Gothic" panose="020B0502020202020204" pitchFamily="34" charset="0"/>
+              </a:rPr>
+              <a:t>Potrava: </a:t>
+            </a:r>
+            <a:r>
+              <a:rPr lang="cs-CZ" sz="1200" dirty="0">
+                <a:solidFill>
+                  <a:srgbClr val="000000"/>
+                </a:solidFill>
+                <a:latin typeface="Century Gothic" panose="020B0502020202020204" pitchFamily="34" charset="0"/>
+              </a:rPr>
+              <a:t>? </a:t>
+            </a:r>
+          </a:p>
+          <a:p>
+            <a:pPr fontAlgn="base"/>
+            <a:r>
+              <a:rPr lang="cs-CZ" sz="1200" b="1" dirty="0">
+                <a:solidFill>
+                  <a:srgbClr val="000000"/>
+                </a:solidFill>
+                <a:latin typeface="Century Gothic" panose="020B0502020202020204" pitchFamily="34" charset="0"/>
+              </a:rPr>
+              <a:t>Původ/Vznik:</a:t>
+            </a:r>
+            <a:r>
+              <a:rPr lang="cs-CZ" sz="1200" dirty="0">
+                <a:solidFill>
+                  <a:srgbClr val="000000"/>
+                </a:solidFill>
+                <a:latin typeface="Century Gothic" panose="020B0502020202020204" pitchFamily="34" charset="0"/>
+              </a:rPr>
+              <a:t> </a:t>
+            </a:r>
+          </a:p>
+          <a:p>
+            <a:pPr fontAlgn="base">
+              <a:buFont typeface="Arial" panose="020B0604020202020204" pitchFamily="34" charset="0"/>
+              <a:buChar char="•"/>
+            </a:pPr>
+            <a:r>
+              <a:rPr lang="cs-CZ" sz="1200" dirty="0">
+                <a:solidFill>
+                  <a:srgbClr val="000000"/>
+                </a:solidFill>
+                <a:latin typeface="Century Gothic" panose="020B0502020202020204" pitchFamily="34" charset="0"/>
+              </a:rPr>
+              <a:t>je považován za zjevení samotného ďábla </a:t>
+            </a:r>
+          </a:p>
+          <a:p>
+            <a:pPr fontAlgn="base"/>
+            <a:r>
+              <a:rPr lang="cs-CZ" sz="1200" b="1" dirty="0">
+                <a:solidFill>
+                  <a:srgbClr val="000000"/>
+                </a:solidFill>
+                <a:latin typeface="Century Gothic" panose="020B0502020202020204" pitchFamily="34" charset="0"/>
+              </a:rPr>
+              <a:t>Popis (jak vypadá, co umí, zajímavosti): </a:t>
+            </a:r>
+            <a:r>
+              <a:rPr lang="cs-CZ" sz="1200" dirty="0">
+                <a:solidFill>
+                  <a:srgbClr val="000000"/>
+                </a:solidFill>
+                <a:latin typeface="Century Gothic" panose="020B0502020202020204" pitchFamily="34" charset="0"/>
+              </a:rPr>
+              <a:t> </a:t>
+            </a:r>
+          </a:p>
+          <a:p>
+            <a:pPr fontAlgn="base">
+              <a:buFont typeface="Arial" panose="020B0604020202020204" pitchFamily="34" charset="0"/>
+              <a:buChar char="•"/>
+            </a:pPr>
+            <a:r>
+              <a:rPr lang="cs-CZ" sz="1200" dirty="0">
+                <a:solidFill>
+                  <a:srgbClr val="000000"/>
+                </a:solidFill>
+                <a:latin typeface="Century Gothic" panose="020B0502020202020204" pitchFamily="34" charset="0"/>
+              </a:rPr>
+              <a:t>jeho srst je černější než noc a ani ve světle se nezaleskne </a:t>
+            </a:r>
+          </a:p>
+          <a:p>
+            <a:pPr fontAlgn="base">
+              <a:buFont typeface="Arial" panose="020B0604020202020204" pitchFamily="34" charset="0"/>
+              <a:buChar char="•"/>
+            </a:pPr>
+            <a:r>
+              <a:rPr lang="cs-CZ" sz="1200" dirty="0">
+                <a:solidFill>
+                  <a:srgbClr val="000000"/>
+                </a:solidFill>
+                <a:latin typeface="Century Gothic" panose="020B0502020202020204" pitchFamily="34" charset="0"/>
+              </a:rPr>
+              <a:t>z tlamy mu šlehají plameny a vyčnívají dlouhé ostré zuby </a:t>
+            </a:r>
+          </a:p>
+          <a:p>
+            <a:pPr fontAlgn="base">
+              <a:buFont typeface="Arial" panose="020B0604020202020204" pitchFamily="34" charset="0"/>
+              <a:buChar char="•"/>
+            </a:pPr>
+            <a:r>
+              <a:rPr lang="cs-CZ" sz="1200" dirty="0">
+                <a:solidFill>
+                  <a:srgbClr val="000000"/>
+                </a:solidFill>
+                <a:latin typeface="Century Gothic" panose="020B0502020202020204" pitchFamily="34" charset="0"/>
+              </a:rPr>
+              <a:t>nejděsivější jsou jeho pekelně uhrančivé oči, které planou rudým světlem </a:t>
+            </a:r>
+          </a:p>
+          <a:p>
+            <a:pPr fontAlgn="base">
+              <a:buFont typeface="Arial" panose="020B0604020202020204" pitchFamily="34" charset="0"/>
+              <a:buChar char="•"/>
+            </a:pPr>
+            <a:r>
+              <a:rPr lang="cs-CZ" sz="1200" dirty="0">
+                <a:solidFill>
+                  <a:srgbClr val="000000"/>
+                </a:solidFill>
+                <a:latin typeface="Century Gothic" panose="020B0502020202020204" pitchFamily="34" charset="0"/>
+              </a:rPr>
+              <a:t>přes svou mohutnost se ke kořisti přibližuje neslyšně, nezanechává žádné stopy </a:t>
+            </a:r>
+          </a:p>
+          <a:p>
+            <a:pPr fontAlgn="base">
+              <a:buFont typeface="Arial" panose="020B0604020202020204" pitchFamily="34" charset="0"/>
+              <a:buChar char="•"/>
+            </a:pPr>
+            <a:r>
+              <a:rPr lang="cs-CZ" sz="1200" dirty="0">
+                <a:solidFill>
+                  <a:srgbClr val="000000"/>
+                </a:solidFill>
+                <a:latin typeface="Century Gothic" panose="020B0502020202020204" pitchFamily="34" charset="0"/>
+              </a:rPr>
+              <a:t>přináší smůlu nebo zvěstuje blížící se katastrofu a smrt </a:t>
+            </a:r>
+          </a:p>
+          <a:p>
+            <a:pPr fontAlgn="base">
+              <a:buFont typeface="Arial" panose="020B0604020202020204" pitchFamily="34" charset="0"/>
+              <a:buChar char="•"/>
+            </a:pPr>
+            <a:r>
+              <a:rPr lang="cs-CZ" sz="1200" dirty="0">
+                <a:solidFill>
+                  <a:srgbClr val="000000"/>
+                </a:solidFill>
+                <a:latin typeface="Century Gothic" panose="020B0502020202020204" pitchFamily="34" charset="0"/>
+              </a:rPr>
+              <a:t>objevuje se v noci a děsí noční opozdilce nebo poutníky </a:t>
+            </a:r>
+          </a:p>
+          <a:p>
+            <a:pPr fontAlgn="base">
+              <a:buFont typeface="Arial" panose="020B0604020202020204" pitchFamily="34" charset="0"/>
+              <a:buChar char="•"/>
+            </a:pPr>
+            <a:r>
+              <a:rPr lang="cs-CZ" sz="1200" dirty="0">
+                <a:solidFill>
+                  <a:srgbClr val="000000"/>
+                </a:solidFill>
+                <a:latin typeface="Century Gothic" panose="020B0502020202020204" pitchFamily="34" charset="0"/>
+              </a:rPr>
+              <a:t>kořist si nevybírá náhodně, ale trestá hříšníky – když svou oběť vystopuje, už ji nepustí </a:t>
+            </a:r>
+          </a:p>
+          <a:p>
+            <a:pPr fontAlgn="base">
+              <a:buFont typeface="Arial" panose="020B0604020202020204" pitchFamily="34" charset="0"/>
+              <a:buChar char="•"/>
+            </a:pPr>
+            <a:r>
+              <a:rPr lang="cs-CZ" sz="1200" dirty="0">
+                <a:solidFill>
+                  <a:srgbClr val="000000"/>
+                </a:solidFill>
+                <a:latin typeface="Century Gothic" panose="020B0502020202020204" pitchFamily="34" charset="0"/>
+              </a:rPr>
+              <a:t>při jeho hrůzostrašném vytí tuhne krev v žilách </a:t>
+            </a:r>
+          </a:p>
+          <a:p>
+            <a:pPr fontAlgn="base">
+              <a:buFont typeface="Arial" panose="020B0604020202020204" pitchFamily="34" charset="0"/>
+              <a:buChar char="•"/>
+            </a:pPr>
+            <a:r>
+              <a:rPr lang="cs-CZ" sz="1200" dirty="0">
+                <a:solidFill>
+                  <a:srgbClr val="000000"/>
+                </a:solidFill>
+                <a:latin typeface="Century Gothic" panose="020B0502020202020204" pitchFamily="34" charset="0"/>
+              </a:rPr>
+              <a:t>může být i strážcem pokladu či společníkem jiného strašidelného přízraku </a:t>
+            </a:r>
+          </a:p>
+          <a:p>
+            <a:pPr fontAlgn="base"/>
+            <a:r>
+              <a:rPr lang="cs-CZ" sz="1200" b="1" dirty="0">
+                <a:solidFill>
+                  <a:srgbClr val="000000"/>
+                </a:solidFill>
+                <a:latin typeface="Century Gothic" panose="020B0502020202020204" pitchFamily="34" charset="0"/>
+              </a:rPr>
+              <a:t>Jak na něj:</a:t>
+            </a:r>
+            <a:r>
+              <a:rPr lang="cs-CZ" sz="1200" dirty="0">
+                <a:solidFill>
+                  <a:srgbClr val="000000"/>
+                </a:solidFill>
+                <a:latin typeface="Century Gothic" panose="020B0502020202020204" pitchFamily="34" charset="0"/>
+              </a:rPr>
+              <a:t> ? </a:t>
+            </a:r>
+            <a:endParaRPr lang="cs-CZ" sz="1200" b="0" i="0" dirty="0">
+              <a:solidFill>
+                <a:srgbClr val="000000"/>
+              </a:solidFill>
+              <a:effectLst/>
+              <a:latin typeface="Century Gothic" panose="020B0502020202020204" pitchFamily="34" charset="0"/>
+            </a:endParaRPr>
+          </a:p>
+        </p:txBody>
+      </p:sp>
+    </p:spTree>
+    <p:extLst>
+      <p:ext uri="{BB962C8B-B14F-4D97-AF65-F5344CB8AC3E}">
+        <p14:creationId xmlns:p14="http://schemas.microsoft.com/office/powerpoint/2010/main" val="4041247576"/>
+      </p:ext>
+    </p:extLst>
+  </p:cSld>
+  <p:clrMapOvr>
+    <a:masterClrMapping/>
+  </p:clrMapOvr>
+  <p:timing>
+    <p:tnLst>
+      <p:par>
+        <p:cTn id="1" dur="indefinite" restart="never" nodeType="tmRoot"/>
+      </p:par>
+    </p:tnLst>
+  </p:timing>
+</p:sld>
+</file>
+
+<file path=ppt/slides/slide8.xml><?xml version="1.0" encoding="utf-8"?>
+<p:sld xmlns:a="http://schemas.openxmlformats.org/drawingml/2006/main" xmlns:r="http://schemas.openxmlformats.org/officeDocument/2006/relationships" xmlns:p="http://schemas.openxmlformats.org/presentationml/2006/main">
+  <p:cSld>
+    <p:spTree>
+      <p:nvGrpSpPr>
+        <p:cNvPr id="1" name=""/>
+        <p:cNvGrpSpPr/>
+        <p:nvPr/>
+      </p:nvGrpSpPr>
+      <p:grpSpPr>
+        <a:xfrm>
+          <a:off x="0" y="0"/>
+          <a:ext cx="0" cy="0"/>
+          <a:chOff x="0" y="0"/>
+          <a:chExt cx="0" cy="0"/>
+        </a:xfrm>
+      </p:grpSpPr>
+      <p:sp>
+        <p:nvSpPr>
+          <p:cNvPr id="2" name="Obdélník 1"/>
+          <p:cNvSpPr/>
+          <p:nvPr/>
+        </p:nvSpPr>
+        <p:spPr>
+          <a:xfrm>
+            <a:off x="4243754" y="425616"/>
+            <a:ext cx="4953000" cy="6370975"/>
+          </a:xfrm>
+          <a:prstGeom prst="rect">
+            <a:avLst/>
+          </a:prstGeom>
+        </p:spPr>
+        <p:txBody>
+          <a:bodyPr>
+            <a:spAutoFit/>
+          </a:bodyPr>
+          <a:lstStyle/>
+          <a:p>
+            <a:pPr fontAlgn="base"/>
+            <a:r>
+              <a:rPr lang="cs-CZ" sz="1200" b="1" dirty="0">
+                <a:latin typeface="Century Gothic" panose="020B0502020202020204" pitchFamily="34" charset="0"/>
+              </a:rPr>
+              <a:t>ČERT (</a:t>
+            </a:r>
+            <a:r>
+              <a:rPr lang="cs-CZ" sz="1200" b="1" dirty="0" err="1">
+                <a:latin typeface="Century Gothic" panose="020B0502020202020204" pitchFamily="34" charset="0"/>
+              </a:rPr>
+              <a:t>Sarcophilus</a:t>
+            </a:r>
+            <a:r>
+              <a:rPr lang="cs-CZ" sz="1200" b="1" dirty="0">
+                <a:latin typeface="Century Gothic" panose="020B0502020202020204" pitchFamily="34" charset="0"/>
+              </a:rPr>
+              <a:t>) </a:t>
+            </a:r>
+            <a:endParaRPr lang="cs-CZ" sz="1200" b="1" dirty="0" smtClean="0">
+              <a:latin typeface="Century Gothic" panose="020B0502020202020204" pitchFamily="34" charset="0"/>
+            </a:endParaRPr>
+          </a:p>
+          <a:p>
+            <a:pPr fontAlgn="base"/>
+            <a:endParaRPr lang="cs-CZ" sz="1200" dirty="0">
+              <a:latin typeface="Century Gothic" panose="020B0502020202020204" pitchFamily="34" charset="0"/>
+            </a:endParaRPr>
+          </a:p>
+          <a:p>
+            <a:pPr fontAlgn="base"/>
+            <a:r>
+              <a:rPr lang="cs-CZ" sz="1200" b="1" dirty="0">
+                <a:solidFill>
+                  <a:srgbClr val="000000"/>
+                </a:solidFill>
+                <a:latin typeface="Century Gothic" panose="020B0502020202020204" pitchFamily="34" charset="0"/>
+              </a:rPr>
+              <a:t>Výskyt:</a:t>
+            </a:r>
+            <a:r>
+              <a:rPr lang="cs-CZ" sz="1200" dirty="0">
+                <a:solidFill>
+                  <a:srgbClr val="000000"/>
+                </a:solidFill>
+                <a:latin typeface="Century Gothic" panose="020B0502020202020204" pitchFamily="34" charset="0"/>
+              </a:rPr>
+              <a:t> kdekoli </a:t>
+            </a:r>
+          </a:p>
+          <a:p>
+            <a:pPr fontAlgn="base">
+              <a:buFont typeface="Arial" panose="020B0604020202020204" pitchFamily="34" charset="0"/>
+              <a:buChar char="•"/>
+            </a:pPr>
+            <a:r>
+              <a:rPr lang="cs-CZ" sz="1200" b="1" dirty="0">
+                <a:solidFill>
+                  <a:srgbClr val="000000"/>
+                </a:solidFill>
+                <a:latin typeface="Century Gothic" panose="020B0502020202020204" pitchFamily="34" charset="0"/>
+              </a:rPr>
+              <a:t>Krušné hory</a:t>
+            </a:r>
+            <a:r>
+              <a:rPr lang="cs-CZ" sz="1200" dirty="0">
+                <a:solidFill>
+                  <a:srgbClr val="000000"/>
+                </a:solidFill>
+                <a:latin typeface="Century Gothic" panose="020B0502020202020204" pitchFamily="34" charset="0"/>
+              </a:rPr>
+              <a:t> </a:t>
+            </a:r>
+          </a:p>
+          <a:p>
+            <a:pPr fontAlgn="base">
+              <a:buFont typeface="Arial" panose="020B0604020202020204" pitchFamily="34" charset="0"/>
+              <a:buChar char="•"/>
+            </a:pPr>
+            <a:r>
+              <a:rPr lang="cs-CZ" sz="1200" b="1" dirty="0">
+                <a:solidFill>
+                  <a:srgbClr val="000000"/>
+                </a:solidFill>
+                <a:latin typeface="Century Gothic" panose="020B0502020202020204" pitchFamily="34" charset="0"/>
+              </a:rPr>
+              <a:t>Děčínsko: </a:t>
+            </a:r>
+            <a:r>
+              <a:rPr lang="cs-CZ" sz="1200" dirty="0">
+                <a:solidFill>
+                  <a:srgbClr val="000000"/>
+                </a:solidFill>
+                <a:latin typeface="Century Gothic" panose="020B0502020202020204" pitchFamily="34" charset="0"/>
+              </a:rPr>
+              <a:t>Buková hora, </a:t>
+            </a:r>
+            <a:r>
+              <a:rPr lang="cs-CZ" sz="1200" dirty="0" err="1">
+                <a:solidFill>
+                  <a:srgbClr val="000000"/>
+                </a:solidFill>
+                <a:latin typeface="Century Gothic" panose="020B0502020202020204" pitchFamily="34" charset="0"/>
+              </a:rPr>
+              <a:t>Vrabinec</a:t>
+            </a:r>
+            <a:r>
+              <a:rPr lang="cs-CZ" sz="1200" dirty="0">
+                <a:solidFill>
+                  <a:srgbClr val="000000"/>
+                </a:solidFill>
+                <a:latin typeface="Century Gothic" panose="020B0502020202020204" pitchFamily="34" charset="0"/>
+              </a:rPr>
+              <a:t> </a:t>
+            </a:r>
+          </a:p>
+          <a:p>
+            <a:pPr fontAlgn="base">
+              <a:buFont typeface="Arial" panose="020B0604020202020204" pitchFamily="34" charset="0"/>
+              <a:buChar char="•"/>
+            </a:pPr>
+            <a:r>
+              <a:rPr lang="cs-CZ" sz="1200" b="1" dirty="0">
+                <a:solidFill>
+                  <a:srgbClr val="000000"/>
+                </a:solidFill>
+                <a:latin typeface="Century Gothic" panose="020B0502020202020204" pitchFamily="34" charset="0"/>
+              </a:rPr>
+              <a:t>Litoměřicko: </a:t>
+            </a:r>
+            <a:r>
+              <a:rPr lang="cs-CZ" sz="1200" dirty="0">
+                <a:solidFill>
+                  <a:srgbClr val="000000"/>
+                </a:solidFill>
+                <a:latin typeface="Century Gothic" panose="020B0502020202020204" pitchFamily="34" charset="0"/>
+              </a:rPr>
+              <a:t>Libochovany (kutálel balvany z Hrádku – vrch Kalvárie), Vražkov – Čertův vrch </a:t>
+            </a:r>
+          </a:p>
+          <a:p>
+            <a:pPr fontAlgn="base">
+              <a:buFont typeface="Arial" panose="020B0604020202020204" pitchFamily="34" charset="0"/>
+              <a:buChar char="•"/>
+            </a:pPr>
+            <a:r>
+              <a:rPr lang="cs-CZ" sz="1200" b="1" dirty="0">
+                <a:solidFill>
+                  <a:srgbClr val="000000"/>
+                </a:solidFill>
+                <a:latin typeface="Century Gothic" panose="020B0502020202020204" pitchFamily="34" charset="0"/>
+              </a:rPr>
+              <a:t>Lounsko: </a:t>
+            </a:r>
+            <a:r>
+              <a:rPr lang="cs-CZ" sz="1200" dirty="0">
+                <a:solidFill>
+                  <a:srgbClr val="000000"/>
+                </a:solidFill>
+                <a:latin typeface="Century Gothic" panose="020B0502020202020204" pitchFamily="34" charset="0"/>
+              </a:rPr>
+              <a:t>mlýn nedaleko Postoloprt, Pnětluky (zřícenina hradu Pravda), Konětopy </a:t>
+            </a:r>
+          </a:p>
+          <a:p>
+            <a:pPr fontAlgn="base">
+              <a:buFont typeface="Arial" panose="020B0604020202020204" pitchFamily="34" charset="0"/>
+              <a:buChar char="•"/>
+            </a:pPr>
+            <a:r>
+              <a:rPr lang="cs-CZ" sz="1200" b="1" dirty="0" err="1">
+                <a:solidFill>
+                  <a:srgbClr val="000000"/>
+                </a:solidFill>
+                <a:latin typeface="Century Gothic" panose="020B0502020202020204" pitchFamily="34" charset="0"/>
+              </a:rPr>
+              <a:t>Teplicko</a:t>
+            </a:r>
+            <a:r>
+              <a:rPr lang="cs-CZ" sz="1200" b="1" dirty="0">
+                <a:solidFill>
+                  <a:srgbClr val="000000"/>
+                </a:solidFill>
+                <a:latin typeface="Century Gothic" panose="020B0502020202020204" pitchFamily="34" charset="0"/>
+              </a:rPr>
+              <a:t>:</a:t>
+            </a:r>
+            <a:r>
+              <a:rPr lang="cs-CZ" sz="1200" dirty="0">
+                <a:solidFill>
+                  <a:srgbClr val="000000"/>
+                </a:solidFill>
+                <a:latin typeface="Century Gothic" panose="020B0502020202020204" pitchFamily="34" charset="0"/>
+              </a:rPr>
+              <a:t> mezi </a:t>
+            </a:r>
+            <a:r>
+              <a:rPr lang="cs-CZ" sz="1200" dirty="0" err="1">
+                <a:solidFill>
+                  <a:srgbClr val="000000"/>
+                </a:solidFill>
+                <a:latin typeface="Century Gothic" panose="020B0502020202020204" pitchFamily="34" charset="0"/>
+              </a:rPr>
+              <a:t>Bořislaví</a:t>
+            </a:r>
+            <a:r>
+              <a:rPr lang="cs-CZ" sz="1200" dirty="0">
+                <a:solidFill>
+                  <a:srgbClr val="000000"/>
+                </a:solidFill>
+                <a:latin typeface="Century Gothic" panose="020B0502020202020204" pitchFamily="34" charset="0"/>
+              </a:rPr>
+              <a:t> a </a:t>
+            </a:r>
+            <a:r>
+              <a:rPr lang="cs-CZ" sz="1200" dirty="0" err="1">
+                <a:solidFill>
+                  <a:srgbClr val="000000"/>
+                </a:solidFill>
+                <a:latin typeface="Century Gothic" panose="020B0502020202020204" pitchFamily="34" charset="0"/>
+              </a:rPr>
+              <a:t>Žimem</a:t>
+            </a:r>
+            <a:r>
+              <a:rPr lang="cs-CZ" sz="1200" dirty="0">
+                <a:solidFill>
+                  <a:srgbClr val="000000"/>
+                </a:solidFill>
+                <a:latin typeface="Century Gothic" panose="020B0502020202020204" pitchFamily="34" charset="0"/>
+              </a:rPr>
+              <a:t> </a:t>
+            </a:r>
+          </a:p>
+          <a:p>
+            <a:pPr fontAlgn="base">
+              <a:buFont typeface="Arial" panose="020B0604020202020204" pitchFamily="34" charset="0"/>
+              <a:buChar char="•"/>
+            </a:pPr>
+            <a:r>
+              <a:rPr lang="cs-CZ" sz="1200" b="1" dirty="0">
+                <a:solidFill>
+                  <a:srgbClr val="000000"/>
+                </a:solidFill>
+                <a:latin typeface="Century Gothic" panose="020B0502020202020204" pitchFamily="34" charset="0"/>
+              </a:rPr>
+              <a:t>Ústecko: </a:t>
+            </a:r>
+            <a:r>
+              <a:rPr lang="cs-CZ" sz="1200" dirty="0">
+                <a:solidFill>
+                  <a:srgbClr val="000000"/>
+                </a:solidFill>
+                <a:latin typeface="Century Gothic" panose="020B0502020202020204" pitchFamily="34" charset="0"/>
+              </a:rPr>
+              <a:t>Chlumec, mezi Malečovem a Zálezly, vrch Homole, Varvažov </a:t>
+            </a:r>
+          </a:p>
+          <a:p>
+            <a:pPr fontAlgn="base">
+              <a:buFont typeface="Arial" panose="020B0604020202020204" pitchFamily="34" charset="0"/>
+              <a:buChar char="•"/>
+            </a:pPr>
+            <a:r>
+              <a:rPr lang="cs-CZ" sz="1200" b="1" dirty="0">
+                <a:solidFill>
+                  <a:srgbClr val="000000"/>
+                </a:solidFill>
+                <a:latin typeface="Century Gothic" panose="020B0502020202020204" pitchFamily="34" charset="0"/>
+              </a:rPr>
+              <a:t>Žatecko: </a:t>
+            </a:r>
+            <a:r>
+              <a:rPr lang="cs-CZ" sz="1200" dirty="0">
+                <a:solidFill>
+                  <a:srgbClr val="000000"/>
+                </a:solidFill>
+                <a:latin typeface="Century Gothic" panose="020B0502020202020204" pitchFamily="34" charset="0"/>
+              </a:rPr>
+              <a:t>Žatec, žatecký klášter </a:t>
+            </a:r>
+          </a:p>
+          <a:p>
+            <a:pPr fontAlgn="base"/>
+            <a:r>
+              <a:rPr lang="cs-CZ" sz="1200" b="1" dirty="0">
+                <a:solidFill>
+                  <a:srgbClr val="000000"/>
+                </a:solidFill>
+                <a:latin typeface="Century Gothic" panose="020B0502020202020204" pitchFamily="34" charset="0"/>
+              </a:rPr>
+              <a:t>Živel: </a:t>
+            </a:r>
+            <a:r>
+              <a:rPr lang="cs-CZ" sz="1200" dirty="0">
+                <a:solidFill>
+                  <a:srgbClr val="000000"/>
+                </a:solidFill>
+                <a:latin typeface="Century Gothic" panose="020B0502020202020204" pitchFamily="34" charset="0"/>
+              </a:rPr>
+              <a:t>oheň </a:t>
+            </a:r>
+          </a:p>
+          <a:p>
+            <a:pPr fontAlgn="base"/>
+            <a:r>
+              <a:rPr lang="cs-CZ" sz="1200" b="1" dirty="0">
+                <a:solidFill>
+                  <a:srgbClr val="000000"/>
+                </a:solidFill>
+                <a:latin typeface="Century Gothic" panose="020B0502020202020204" pitchFamily="34" charset="0"/>
+              </a:rPr>
+              <a:t>Potrava: </a:t>
+            </a:r>
+            <a:r>
+              <a:rPr lang="cs-CZ" sz="1200" dirty="0">
+                <a:solidFill>
+                  <a:srgbClr val="000000"/>
+                </a:solidFill>
+                <a:latin typeface="Century Gothic" panose="020B0502020202020204" pitchFamily="34" charset="0"/>
+              </a:rPr>
+              <a:t>? </a:t>
+            </a:r>
+          </a:p>
+          <a:p>
+            <a:pPr fontAlgn="base"/>
+            <a:r>
+              <a:rPr lang="cs-CZ" sz="1200" b="1" dirty="0">
+                <a:solidFill>
+                  <a:srgbClr val="000000"/>
+                </a:solidFill>
+                <a:latin typeface="Century Gothic" panose="020B0502020202020204" pitchFamily="34" charset="0"/>
+              </a:rPr>
+              <a:t>Původ/Vznik:</a:t>
+            </a:r>
+            <a:r>
+              <a:rPr lang="cs-CZ" sz="1200" dirty="0">
+                <a:solidFill>
+                  <a:srgbClr val="000000"/>
+                </a:solidFill>
+                <a:latin typeface="Century Gothic" panose="020B0502020202020204" pitchFamily="34" charset="0"/>
+              </a:rPr>
+              <a:t> </a:t>
+            </a:r>
+          </a:p>
+          <a:p>
+            <a:pPr fontAlgn="base">
+              <a:buFont typeface="Arial" panose="020B0604020202020204" pitchFamily="34" charset="0"/>
+              <a:buChar char="•"/>
+            </a:pPr>
+            <a:r>
+              <a:rPr lang="cs-CZ" sz="1200" dirty="0">
+                <a:solidFill>
+                  <a:srgbClr val="000000"/>
+                </a:solidFill>
+                <a:latin typeface="Century Gothic" panose="020B0502020202020204" pitchFamily="34" charset="0"/>
+              </a:rPr>
+              <a:t>myticky pochází z padlých andělů, kteří propadli až pod zem </a:t>
+            </a:r>
+          </a:p>
+          <a:p>
+            <a:pPr fontAlgn="base"/>
+            <a:r>
+              <a:rPr lang="cs-CZ" sz="1200" b="1" dirty="0">
+                <a:solidFill>
+                  <a:srgbClr val="000000"/>
+                </a:solidFill>
+                <a:latin typeface="Century Gothic" panose="020B0502020202020204" pitchFamily="34" charset="0"/>
+              </a:rPr>
+              <a:t>Popis (jak vypadá, co umí, zajímavosti): </a:t>
+            </a:r>
+            <a:r>
+              <a:rPr lang="cs-CZ" sz="1200" dirty="0">
+                <a:solidFill>
+                  <a:srgbClr val="000000"/>
+                </a:solidFill>
+                <a:latin typeface="Century Gothic" panose="020B0502020202020204" pitchFamily="34" charset="0"/>
+              </a:rPr>
+              <a:t> </a:t>
+            </a:r>
+          </a:p>
+          <a:p>
+            <a:pPr fontAlgn="base">
+              <a:buFont typeface="Arial" panose="020B0604020202020204" pitchFamily="34" charset="0"/>
+              <a:buChar char="•"/>
+            </a:pPr>
+            <a:r>
+              <a:rPr lang="cs-CZ" sz="1200" dirty="0">
+                <a:solidFill>
+                  <a:srgbClr val="000000"/>
+                </a:solidFill>
+                <a:latin typeface="Century Gothic" panose="020B0502020202020204" pitchFamily="34" charset="0"/>
+              </a:rPr>
+              <a:t>odpudivý, chlupatý a rohatý, má drápy a ocas, také může mít jedno kopyto a kolem pasu řetěz </a:t>
+            </a:r>
+          </a:p>
+          <a:p>
+            <a:pPr fontAlgn="base">
+              <a:buFont typeface="Arial" panose="020B0604020202020204" pitchFamily="34" charset="0"/>
+              <a:buChar char="•"/>
+            </a:pPr>
+            <a:r>
+              <a:rPr lang="cs-CZ" sz="1200" dirty="0">
+                <a:solidFill>
+                  <a:srgbClr val="000000"/>
+                </a:solidFill>
+                <a:latin typeface="Century Gothic" panose="020B0502020202020204" pitchFamily="34" charset="0"/>
+              </a:rPr>
+              <a:t>pomocí intrik se zmocňuje lidských duší a stahuje lidi do pekla </a:t>
+            </a:r>
+          </a:p>
+          <a:p>
+            <a:pPr fontAlgn="base">
+              <a:buFont typeface="Arial" panose="020B0604020202020204" pitchFamily="34" charset="0"/>
+              <a:buChar char="•"/>
+            </a:pPr>
+            <a:r>
+              <a:rPr lang="cs-CZ" sz="1200" dirty="0">
+                <a:solidFill>
+                  <a:srgbClr val="000000"/>
+                </a:solidFill>
+                <a:latin typeface="Century Gothic" panose="020B0502020202020204" pitchFamily="34" charset="0"/>
+              </a:rPr>
+              <a:t>dle hierarchického postavení v pekle umí kouzlit (nejmocnější je </a:t>
+            </a:r>
+            <a:r>
+              <a:rPr lang="cs-CZ" sz="1200" dirty="0" err="1">
+                <a:solidFill>
+                  <a:srgbClr val="000000"/>
+                </a:solidFill>
+                <a:latin typeface="Century Gothic" panose="020B0502020202020204" pitchFamily="34" charset="0"/>
+              </a:rPr>
+              <a:t>Lucifer</a:t>
+            </a:r>
+            <a:r>
+              <a:rPr lang="cs-CZ" sz="1200" dirty="0">
+                <a:solidFill>
+                  <a:srgbClr val="000000"/>
+                </a:solidFill>
+                <a:latin typeface="Century Gothic" panose="020B0502020202020204" pitchFamily="34" charset="0"/>
+              </a:rPr>
+              <a:t>) </a:t>
+            </a:r>
+          </a:p>
+          <a:p>
+            <a:pPr fontAlgn="base">
+              <a:buFont typeface="Arial" panose="020B0604020202020204" pitchFamily="34" charset="0"/>
+              <a:buChar char="•"/>
+            </a:pPr>
+            <a:r>
+              <a:rPr lang="cs-CZ" sz="1200" dirty="0">
+                <a:solidFill>
+                  <a:srgbClr val="000000"/>
+                </a:solidFill>
+                <a:latin typeface="Century Gothic" panose="020B0502020202020204" pitchFamily="34" charset="0"/>
+              </a:rPr>
+              <a:t>umí měnit svou podobu (např. ve švarného mládence, kozla či černého psa), ale v jakékoli podobě je cítit sírou </a:t>
+            </a:r>
+          </a:p>
+          <a:p>
+            <a:pPr fontAlgn="base">
+              <a:buFont typeface="Arial" panose="020B0604020202020204" pitchFamily="34" charset="0"/>
+              <a:buChar char="•"/>
+            </a:pPr>
+            <a:r>
+              <a:rPr lang="cs-CZ" sz="1200" dirty="0">
+                <a:solidFill>
+                  <a:srgbClr val="000000"/>
+                </a:solidFill>
+                <a:latin typeface="Century Gothic" panose="020B0502020202020204" pitchFamily="34" charset="0"/>
+              </a:rPr>
+              <a:t>umí létat </a:t>
+            </a:r>
+          </a:p>
+          <a:p>
+            <a:pPr fontAlgn="base">
+              <a:buFont typeface="Arial" panose="020B0604020202020204" pitchFamily="34" charset="0"/>
+              <a:buChar char="•"/>
+            </a:pPr>
+            <a:r>
+              <a:rPr lang="cs-CZ" sz="1200" dirty="0">
+                <a:solidFill>
+                  <a:srgbClr val="000000"/>
+                </a:solidFill>
+                <a:latin typeface="Century Gothic" panose="020B0502020202020204" pitchFamily="34" charset="0"/>
+              </a:rPr>
+              <a:t>bývá mdlého rozumu </a:t>
+            </a:r>
+          </a:p>
+          <a:p>
+            <a:pPr fontAlgn="base"/>
+            <a:r>
+              <a:rPr lang="cs-CZ" sz="1200" b="1" dirty="0">
+                <a:solidFill>
+                  <a:srgbClr val="000000"/>
+                </a:solidFill>
+                <a:latin typeface="Century Gothic" panose="020B0502020202020204" pitchFamily="34" charset="0"/>
+              </a:rPr>
+              <a:t>Jak na něj:</a:t>
+            </a:r>
+            <a:r>
+              <a:rPr lang="cs-CZ" sz="1200" dirty="0">
+                <a:solidFill>
+                  <a:srgbClr val="000000"/>
+                </a:solidFill>
+                <a:latin typeface="Century Gothic" panose="020B0502020202020204" pitchFamily="34" charset="0"/>
+              </a:rPr>
+              <a:t> </a:t>
+            </a:r>
+          </a:p>
+          <a:p>
+            <a:pPr fontAlgn="base">
+              <a:buFont typeface="Arial" panose="020B0604020202020204" pitchFamily="34" charset="0"/>
+              <a:buChar char="•"/>
+            </a:pPr>
+            <a:r>
+              <a:rPr lang="cs-CZ" sz="1200" dirty="0">
+                <a:solidFill>
+                  <a:srgbClr val="000000"/>
+                </a:solidFill>
+                <a:latin typeface="Century Gothic" panose="020B0502020202020204" pitchFamily="34" charset="0"/>
+              </a:rPr>
+              <a:t>lze ho přechytračit, např. jde s čertem uzavřít sázku a tu pak trikem vyhrát </a:t>
+            </a:r>
+          </a:p>
+          <a:p>
+            <a:pPr fontAlgn="base">
+              <a:buFont typeface="Arial" panose="020B0604020202020204" pitchFamily="34" charset="0"/>
+              <a:buChar char="•"/>
+            </a:pPr>
+            <a:r>
+              <a:rPr lang="cs-CZ" sz="1200" dirty="0">
+                <a:solidFill>
+                  <a:srgbClr val="000000"/>
+                </a:solidFill>
+                <a:latin typeface="Century Gothic" panose="020B0502020202020204" pitchFamily="34" charset="0"/>
+              </a:rPr>
+              <a:t>zachránit se před ním lze tím, že člověk dobrým skutkem odčiní své hříchy </a:t>
+            </a:r>
+          </a:p>
+          <a:p>
+            <a:pPr fontAlgn="base">
+              <a:buFont typeface="Arial" panose="020B0604020202020204" pitchFamily="34" charset="0"/>
+              <a:buChar char="•"/>
+            </a:pPr>
+            <a:r>
+              <a:rPr lang="cs-CZ" sz="1200" dirty="0">
+                <a:solidFill>
+                  <a:srgbClr val="000000"/>
+                </a:solidFill>
+                <a:latin typeface="Century Gothic" panose="020B0502020202020204" pitchFamily="34" charset="0"/>
+              </a:rPr>
+              <a:t>účinné jsou proti němu svěcená voda, peří a kohoutí zakokrhání </a:t>
+            </a:r>
+          </a:p>
+        </p:txBody>
+      </p:sp>
+      <p:pic>
+        <p:nvPicPr>
+          <p:cNvPr id="8194" name="Picture 2" descr="https://i.pinimg.com/564x/26/86/23/268623bca5314c0c79aa0b4fc404d781.jpg"/>
+          <p:cNvPicPr>
+            <a:picLocks noChangeAspect="1" noChangeArrowheads="1"/>
+          </p:cNvPicPr>
+          <p:nvPr/>
+        </p:nvPicPr>
+        <p:blipFill rotWithShape="1">
+          <a:blip r:embed="rId2">
+            <a:extLst>
+              <a:ext uri="{28A0092B-C50C-407E-A947-70E740481C1C}">
+                <a14:useLocalDpi xmlns:a14="http://schemas.microsoft.com/office/drawing/2010/main" val="0"/>
+              </a:ext>
+            </a:extLst>
+          </a:blip>
+          <a:srcRect l="28558"/>
+          <a:stretch/>
+        </p:blipFill>
+        <p:spPr bwMode="auto">
+          <a:xfrm>
+            <a:off x="413237" y="1056205"/>
+            <a:ext cx="3650536" cy="5109796"/>
+          </a:xfrm>
+          <a:prstGeom prst="rect">
+            <a:avLst/>
+          </a:prstGeom>
+          <a:noFill/>
+          <a:extLst>
+            <a:ext uri="{909E8E84-426E-40DD-AFC4-6F175D3DCCD1}">
+              <a14:hiddenFill xmlns:a14="http://schemas.microsoft.com/office/drawing/2010/main">
+                <a:solidFill>
+                  <a:srgbClr val="FFFFFF"/>
+                </a:solidFill>
+              </a14:hiddenFill>
+            </a:ext>
+          </a:extLst>
+        </p:spPr>
+      </p:pic>
+    </p:spTree>
+    <p:extLst>
+      <p:ext uri="{BB962C8B-B14F-4D97-AF65-F5344CB8AC3E}">
+        <p14:creationId xmlns:p14="http://schemas.microsoft.com/office/powerpoint/2010/main" val="773048567"/>
+      </p:ext>
+    </p:extLst>
+  </p:cSld>
+  <p:clrMapOvr>
+    <a:masterClrMapping/>
+  </p:clrMapOvr>
+  <p:timing>
+    <p:tnLst>
+      <p:par>
+        <p:cTn id="1" dur="indefinite" restart="never" nodeType="tmRoot"/>
+      </p:par>
+    </p:tnLst>
+  </p:timing>
+</p:sld>
+</file>
+
+<file path=ppt/slides/slide9.xml><?xml version="1.0" encoding="utf-8"?>
+<p:sld xmlns:a="http://schemas.openxmlformats.org/drawingml/2006/main" xmlns:r="http://schemas.openxmlformats.org/officeDocument/2006/relationships" xmlns:p="http://schemas.openxmlformats.org/presentationml/2006/main">
+  <p:cSld>
+    <p:spTree>
+      <p:nvGrpSpPr>
+        <p:cNvPr id="1" name=""/>
+        <p:cNvGrpSpPr/>
+        <p:nvPr/>
+      </p:nvGrpSpPr>
+      <p:grpSpPr>
+        <a:xfrm>
+          <a:off x="0" y="0"/>
+          <a:ext cx="0" cy="0"/>
+          <a:chOff x="0" y="0"/>
+          <a:chExt cx="0" cy="0"/>
+        </a:xfrm>
+      </p:grpSpPr>
+      <p:pic>
+        <p:nvPicPr>
+          <p:cNvPr id="5122" name="Picture 2" descr="https://i.pinimg.com/564x/a0/45/bb/a045bba8e5252d618165a817d2d2d073.jpg"/>
+          <p:cNvPicPr>
+            <a:picLocks noChangeAspect="1" noChangeArrowheads="1"/>
+          </p:cNvPicPr>
+          <p:nvPr/>
+        </p:nvPicPr>
+        <p:blipFill>
+          <a:blip r:embed="rId2">
+            <a:extLst>
+              <a:ext uri="{28A0092B-C50C-407E-A947-70E740481C1C}">
+                <a14:useLocalDpi xmlns:a14="http://schemas.microsoft.com/office/drawing/2010/main" val="0"/>
+              </a:ext>
+            </a:extLst>
+          </a:blip>
+          <a:srcRect/>
+          <a:stretch>
+            <a:fillRect/>
+          </a:stretch>
+        </p:blipFill>
+        <p:spPr bwMode="auto">
+          <a:xfrm>
+            <a:off x="208329" y="1583469"/>
+            <a:ext cx="4002269" cy="3753461"/>
+          </a:xfrm>
+          <a:prstGeom prst="rect">
+            <a:avLst/>
+          </a:prstGeom>
+          <a:noFill/>
+          <a:extLst>
+            <a:ext uri="{909E8E84-426E-40DD-AFC4-6F175D3DCCD1}">
+              <a14:hiddenFill xmlns:a14="http://schemas.microsoft.com/office/drawing/2010/main">
+                <a:solidFill>
+                  <a:srgbClr val="FFFFFF"/>
+                </a:solidFill>
+              </a14:hiddenFill>
+            </a:ext>
+          </a:extLst>
+        </p:spPr>
+      </p:pic>
+      <p:sp>
+        <p:nvSpPr>
+          <p:cNvPr id="2" name="Obdélník 1"/>
+          <p:cNvSpPr/>
+          <p:nvPr/>
+        </p:nvSpPr>
+        <p:spPr>
+          <a:xfrm>
+            <a:off x="4210598" y="439012"/>
+            <a:ext cx="4953000" cy="5447645"/>
+          </a:xfrm>
+          <a:prstGeom prst="rect">
+            <a:avLst/>
+          </a:prstGeom>
+        </p:spPr>
+        <p:txBody>
+          <a:bodyPr>
+            <a:spAutoFit/>
+          </a:bodyPr>
+          <a:lstStyle/>
+          <a:p>
+            <a:pPr fontAlgn="base"/>
+            <a:r>
+              <a:rPr lang="cs-CZ" sz="1200" b="1" dirty="0">
+                <a:latin typeface="Century Gothic" panose="020B0502020202020204" pitchFamily="34" charset="0"/>
+              </a:rPr>
+              <a:t>BLUDNÝ KOŘEN (Radix </a:t>
+            </a:r>
+            <a:r>
+              <a:rPr lang="cs-CZ" sz="1200" b="1" dirty="0" err="1">
+                <a:latin typeface="Century Gothic" panose="020B0502020202020204" pitchFamily="34" charset="0"/>
+              </a:rPr>
+              <a:t>aberrare</a:t>
+            </a:r>
+            <a:r>
+              <a:rPr lang="cs-CZ" sz="1200" b="1" dirty="0">
+                <a:latin typeface="Century Gothic" panose="020B0502020202020204" pitchFamily="34" charset="0"/>
+              </a:rPr>
+              <a:t>) </a:t>
+            </a:r>
+            <a:endParaRPr lang="cs-CZ" sz="1200" b="1" dirty="0" smtClean="0">
+              <a:latin typeface="Century Gothic" panose="020B0502020202020204" pitchFamily="34" charset="0"/>
+            </a:endParaRPr>
+          </a:p>
+          <a:p>
+            <a:pPr fontAlgn="base"/>
+            <a:r>
+              <a:rPr lang="cs-CZ" sz="1200" b="1" dirty="0" smtClean="0">
+                <a:latin typeface="Century Gothic" panose="020B0502020202020204" pitchFamily="34" charset="0"/>
+              </a:rPr>
+              <a:t>Ležící postava mužská, leží přímo na zemi</a:t>
+            </a:r>
+          </a:p>
+          <a:p>
+            <a:pPr fontAlgn="base"/>
+            <a:r>
+              <a:rPr lang="cs-CZ" sz="1200" dirty="0" smtClean="0">
+                <a:latin typeface="Century Gothic" panose="020B0502020202020204" pitchFamily="34" charset="0"/>
+              </a:rPr>
+              <a:t>Postava je překryta větvemi, travou a mechem ve vrstvách tak, aby byla stále vidět silueta (tvar) postavy.</a:t>
+            </a:r>
+            <a:r>
+              <a:rPr lang="cs-CZ" sz="1200" b="1" dirty="0" smtClean="0">
+                <a:latin typeface="Century Gothic" panose="020B0502020202020204" pitchFamily="34" charset="0"/>
+              </a:rPr>
+              <a:t> </a:t>
+            </a:r>
+            <a:r>
+              <a:rPr lang="cs-CZ" sz="1200" dirty="0" smtClean="0">
+                <a:latin typeface="Century Gothic" panose="020B0502020202020204" pitchFamily="34" charset="0"/>
+              </a:rPr>
+              <a:t>Z postavy vyrůstají trsy trávy.</a:t>
+            </a:r>
+          </a:p>
+          <a:p>
+            <a:pPr fontAlgn="base"/>
+            <a:r>
+              <a:rPr lang="cs-CZ" sz="1200" dirty="0" smtClean="0">
+                <a:latin typeface="Century Gothic" panose="020B0502020202020204" pitchFamily="34" charset="0"/>
+              </a:rPr>
+              <a:t>Zemité barvy – tmavě zelená, černá, hnědá, tmavě hnědá</a:t>
+            </a:r>
+          </a:p>
+          <a:p>
+            <a:pPr fontAlgn="base"/>
+            <a:r>
+              <a:rPr lang="cs-CZ" sz="1200" dirty="0" smtClean="0">
+                <a:latin typeface="Century Gothic" panose="020B0502020202020204" pitchFamily="34" charset="0"/>
+              </a:rPr>
+              <a:t>Pohyb: </a:t>
+            </a:r>
+            <a:r>
+              <a:rPr lang="cs-CZ" sz="1200" b="1" dirty="0" smtClean="0">
+                <a:latin typeface="Century Gothic" panose="020B0502020202020204" pitchFamily="34" charset="0"/>
+              </a:rPr>
+              <a:t>oči, které se otevírají a zavírají</a:t>
+            </a:r>
+            <a:r>
+              <a:rPr lang="cs-CZ" sz="1200" dirty="0" smtClean="0">
+                <a:latin typeface="Century Gothic" panose="020B0502020202020204" pitchFamily="34" charset="0"/>
+              </a:rPr>
+              <a:t>. Pomalu. Pokud nepůjdou dodat oči, pak bych pohyb zajistila </a:t>
+            </a:r>
+            <a:r>
+              <a:rPr lang="cs-CZ" sz="1200" b="1" dirty="0" smtClean="0">
+                <a:latin typeface="Century Gothic" panose="020B0502020202020204" pitchFamily="34" charset="0"/>
+              </a:rPr>
+              <a:t>vlněním trsů trávy</a:t>
+            </a:r>
+          </a:p>
+          <a:p>
+            <a:pPr fontAlgn="base"/>
+            <a:r>
+              <a:rPr lang="cs-CZ" sz="1200" b="1" dirty="0" smtClean="0">
+                <a:solidFill>
+                  <a:srgbClr val="000000"/>
+                </a:solidFill>
+                <a:latin typeface="Century Gothic" panose="020B0502020202020204" pitchFamily="34" charset="0"/>
+              </a:rPr>
+              <a:t>Výskyt: </a:t>
+            </a:r>
+            <a:r>
+              <a:rPr lang="cs-CZ" sz="1200" dirty="0" smtClean="0">
+                <a:solidFill>
+                  <a:srgbClr val="000000"/>
+                </a:solidFill>
+                <a:latin typeface="Century Gothic" panose="020B0502020202020204" pitchFamily="34" charset="0"/>
+              </a:rPr>
+              <a:t>lesy, cesty </a:t>
+            </a:r>
+          </a:p>
+          <a:p>
+            <a:pPr fontAlgn="base">
+              <a:buFont typeface="Arial" panose="020B0604020202020204" pitchFamily="34" charset="0"/>
+              <a:buChar char="•"/>
+            </a:pPr>
+            <a:r>
+              <a:rPr lang="cs-CZ" sz="1200" b="1" dirty="0" smtClean="0">
+                <a:solidFill>
+                  <a:srgbClr val="000000"/>
+                </a:solidFill>
+                <a:latin typeface="Century Gothic" panose="020B0502020202020204" pitchFamily="34" charset="0"/>
+              </a:rPr>
+              <a:t>Ústecko</a:t>
+            </a:r>
+            <a:r>
+              <a:rPr lang="cs-CZ" sz="1200" b="1" dirty="0">
+                <a:solidFill>
+                  <a:srgbClr val="000000"/>
+                </a:solidFill>
+                <a:latin typeface="Century Gothic" panose="020B0502020202020204" pitchFamily="34" charset="0"/>
+              </a:rPr>
+              <a:t>:</a:t>
+            </a:r>
+            <a:r>
+              <a:rPr lang="cs-CZ" sz="1200" dirty="0">
+                <a:solidFill>
+                  <a:srgbClr val="000000"/>
+                </a:solidFill>
+                <a:latin typeface="Century Gothic" panose="020B0502020202020204" pitchFamily="34" charset="0"/>
+              </a:rPr>
+              <a:t> Tiské stěny </a:t>
+            </a:r>
+          </a:p>
+          <a:p>
+            <a:pPr fontAlgn="base"/>
+            <a:r>
+              <a:rPr lang="cs-CZ" sz="1200" b="1" dirty="0">
+                <a:solidFill>
+                  <a:srgbClr val="000000"/>
+                </a:solidFill>
+                <a:latin typeface="Century Gothic" panose="020B0502020202020204" pitchFamily="34" charset="0"/>
+              </a:rPr>
+              <a:t>Živel: </a:t>
+            </a:r>
+            <a:r>
+              <a:rPr lang="cs-CZ" sz="1200" dirty="0">
+                <a:solidFill>
+                  <a:srgbClr val="000000"/>
+                </a:solidFill>
+                <a:latin typeface="Century Gothic" panose="020B0502020202020204" pitchFamily="34" charset="0"/>
+              </a:rPr>
+              <a:t>země </a:t>
+            </a:r>
+          </a:p>
+          <a:p>
+            <a:pPr fontAlgn="base"/>
+            <a:r>
+              <a:rPr lang="cs-CZ" sz="1200" b="1" dirty="0">
+                <a:solidFill>
+                  <a:srgbClr val="000000"/>
+                </a:solidFill>
+                <a:latin typeface="Century Gothic" panose="020B0502020202020204" pitchFamily="34" charset="0"/>
+              </a:rPr>
+              <a:t>Potrava: </a:t>
+            </a:r>
+            <a:r>
+              <a:rPr lang="cs-CZ" sz="1200" dirty="0">
+                <a:solidFill>
+                  <a:srgbClr val="000000"/>
+                </a:solidFill>
+                <a:latin typeface="Century Gothic" panose="020B0502020202020204" pitchFamily="34" charset="0"/>
+              </a:rPr>
+              <a:t>? </a:t>
+            </a:r>
+          </a:p>
+          <a:p>
+            <a:pPr fontAlgn="base"/>
+            <a:r>
+              <a:rPr lang="cs-CZ" sz="1200" b="1" dirty="0">
+                <a:solidFill>
+                  <a:srgbClr val="000000"/>
+                </a:solidFill>
+                <a:latin typeface="Century Gothic" panose="020B0502020202020204" pitchFamily="34" charset="0"/>
+              </a:rPr>
+              <a:t>Původ/Vznik:</a:t>
+            </a:r>
+            <a:r>
+              <a:rPr lang="cs-CZ" sz="1200" dirty="0">
+                <a:solidFill>
+                  <a:srgbClr val="000000"/>
+                </a:solidFill>
+                <a:latin typeface="Century Gothic" panose="020B0502020202020204" pitchFamily="34" charset="0"/>
+              </a:rPr>
+              <a:t> </a:t>
+            </a:r>
+          </a:p>
+          <a:p>
+            <a:pPr fontAlgn="base">
+              <a:buFont typeface="Arial" panose="020B0604020202020204" pitchFamily="34" charset="0"/>
+              <a:buChar char="•"/>
+            </a:pPr>
+            <a:r>
+              <a:rPr lang="cs-CZ" sz="1200" dirty="0">
+                <a:solidFill>
+                  <a:srgbClr val="000000"/>
+                </a:solidFill>
+                <a:latin typeface="Century Gothic" panose="020B0502020202020204" pitchFamily="34" charset="0"/>
+              </a:rPr>
+              <a:t>vznik není jasný, možná jde o kořen z čarovného stromu nebo kus ztrouchnivělého dubu, který byl o půlnoci zasažen bleskem </a:t>
+            </a:r>
+          </a:p>
+          <a:p>
+            <a:pPr fontAlgn="base">
+              <a:buFont typeface="Arial" panose="020B0604020202020204" pitchFamily="34" charset="0"/>
+              <a:buChar char="•"/>
+            </a:pPr>
+            <a:r>
+              <a:rPr lang="cs-CZ" sz="1200" dirty="0">
+                <a:solidFill>
+                  <a:srgbClr val="000000"/>
+                </a:solidFill>
+                <a:latin typeface="Century Gothic" panose="020B0502020202020204" pitchFamily="34" charset="0"/>
+              </a:rPr>
+              <a:t>může jít o proměněného divého muže </a:t>
+            </a:r>
+          </a:p>
+          <a:p>
+            <a:pPr fontAlgn="base"/>
+            <a:r>
+              <a:rPr lang="cs-CZ" sz="1200" b="1" dirty="0">
+                <a:solidFill>
+                  <a:srgbClr val="000000"/>
+                </a:solidFill>
+                <a:latin typeface="Century Gothic" panose="020B0502020202020204" pitchFamily="34" charset="0"/>
+              </a:rPr>
+              <a:t>Popis (jak vypadá, co umí, zajímavosti): </a:t>
+            </a:r>
+            <a:r>
+              <a:rPr lang="cs-CZ" sz="1200" dirty="0">
+                <a:solidFill>
+                  <a:srgbClr val="000000"/>
+                </a:solidFill>
+                <a:latin typeface="Century Gothic" panose="020B0502020202020204" pitchFamily="34" charset="0"/>
+              </a:rPr>
+              <a:t> </a:t>
+            </a:r>
+          </a:p>
+          <a:p>
+            <a:pPr fontAlgn="base">
+              <a:buFont typeface="Arial" panose="020B0604020202020204" pitchFamily="34" charset="0"/>
+              <a:buChar char="•"/>
+            </a:pPr>
+            <a:r>
+              <a:rPr lang="cs-CZ" sz="1200" dirty="0">
+                <a:solidFill>
+                  <a:srgbClr val="000000"/>
+                </a:solidFill>
+                <a:latin typeface="Century Gothic" panose="020B0502020202020204" pitchFamily="34" charset="0"/>
+              </a:rPr>
+              <a:t>zdánlivě zapomenutý klacek, větev, nebo obyčejný kořen </a:t>
+            </a:r>
+          </a:p>
+          <a:p>
+            <a:pPr fontAlgn="base">
+              <a:buFont typeface="Arial" panose="020B0604020202020204" pitchFamily="34" charset="0"/>
+              <a:buChar char="•"/>
+            </a:pPr>
+            <a:r>
+              <a:rPr lang="cs-CZ" sz="1200" dirty="0">
+                <a:solidFill>
+                  <a:srgbClr val="000000"/>
+                </a:solidFill>
+                <a:latin typeface="Century Gothic" panose="020B0502020202020204" pitchFamily="34" charset="0"/>
+              </a:rPr>
+              <a:t>jeho síla je největší od soumraku do svítání </a:t>
+            </a:r>
+          </a:p>
+          <a:p>
+            <a:pPr fontAlgn="base">
+              <a:buFont typeface="Arial" panose="020B0604020202020204" pitchFamily="34" charset="0"/>
+              <a:buChar char="•"/>
+            </a:pPr>
+            <a:r>
+              <a:rPr lang="cs-CZ" sz="1200" dirty="0">
+                <a:solidFill>
+                  <a:srgbClr val="000000"/>
+                </a:solidFill>
+                <a:latin typeface="Century Gothic" panose="020B0502020202020204" pitchFamily="34" charset="0"/>
+              </a:rPr>
+              <a:t>svádí pocestné z cest a prokleje je k bloudění v kruhu až do vyčerpání </a:t>
+            </a:r>
+          </a:p>
+          <a:p>
+            <a:pPr fontAlgn="base">
+              <a:buFont typeface="Arial" panose="020B0604020202020204" pitchFamily="34" charset="0"/>
+              <a:buChar char="•"/>
+            </a:pPr>
+            <a:r>
+              <a:rPr lang="cs-CZ" sz="1200" dirty="0">
+                <a:solidFill>
+                  <a:srgbClr val="000000"/>
+                </a:solidFill>
+                <a:latin typeface="Century Gothic" panose="020B0502020202020204" pitchFamily="34" charset="0"/>
+              </a:rPr>
+              <a:t>může pocestného zavést do prokletých hradů, opuštěných míst obývaných hejkalem nebo do bažin k bludičkám </a:t>
+            </a:r>
+          </a:p>
+          <a:p>
+            <a:pPr fontAlgn="base"/>
+            <a:r>
+              <a:rPr lang="cs-CZ" sz="1200" b="1" dirty="0">
+                <a:solidFill>
+                  <a:srgbClr val="000000"/>
+                </a:solidFill>
+                <a:latin typeface="Century Gothic" panose="020B0502020202020204" pitchFamily="34" charset="0"/>
+              </a:rPr>
+              <a:t>Jak na něj:</a:t>
+            </a:r>
+            <a:r>
+              <a:rPr lang="cs-CZ" sz="1200" dirty="0">
+                <a:solidFill>
+                  <a:srgbClr val="000000"/>
+                </a:solidFill>
+                <a:latin typeface="Century Gothic" panose="020B0502020202020204" pitchFamily="34" charset="0"/>
+              </a:rPr>
+              <a:t> </a:t>
+            </a:r>
+          </a:p>
+          <a:p>
+            <a:pPr fontAlgn="base">
+              <a:buFont typeface="Arial" panose="020B0604020202020204" pitchFamily="34" charset="0"/>
+              <a:buChar char="•"/>
+            </a:pPr>
+            <a:r>
+              <a:rPr lang="cs-CZ" sz="1200" dirty="0">
+                <a:solidFill>
+                  <a:srgbClr val="000000"/>
+                </a:solidFill>
+                <a:latin typeface="Century Gothic" panose="020B0502020202020204" pitchFamily="34" charset="0"/>
+              </a:rPr>
+              <a:t>z bloudění po setkání s bludným kořenem může pocestného vyvést jiný člověk, který na něj natrefí </a:t>
+            </a:r>
+          </a:p>
+          <a:p>
+            <a:pPr fontAlgn="base">
+              <a:buFont typeface="Arial" panose="020B0604020202020204" pitchFamily="34" charset="0"/>
+              <a:buChar char="•"/>
+            </a:pPr>
+            <a:r>
+              <a:rPr lang="cs-CZ" sz="1200" dirty="0">
+                <a:solidFill>
+                  <a:srgbClr val="000000"/>
+                </a:solidFill>
+                <a:latin typeface="Century Gothic" panose="020B0502020202020204" pitchFamily="34" charset="0"/>
+              </a:rPr>
+              <a:t>kletbu lze zlomit tím, že si pocestný prohodí boty nebo obrátí košili </a:t>
+            </a:r>
+          </a:p>
+          <a:p>
+            <a:pPr fontAlgn="base">
+              <a:buFont typeface="Arial" panose="020B0604020202020204" pitchFamily="34" charset="0"/>
+              <a:buChar char="•"/>
+            </a:pPr>
+            <a:r>
+              <a:rPr lang="cs-CZ" sz="1200" dirty="0">
+                <a:solidFill>
+                  <a:srgbClr val="000000"/>
+                </a:solidFill>
+                <a:latin typeface="Century Gothic" panose="020B0502020202020204" pitchFamily="34" charset="0"/>
+              </a:rPr>
+              <a:t>s kletbou je třeba bojovat do prvního kohoutího zakokrhání </a:t>
+            </a:r>
+          </a:p>
+        </p:txBody>
+      </p:sp>
+    </p:spTree>
+    <p:extLst>
+      <p:ext uri="{BB962C8B-B14F-4D97-AF65-F5344CB8AC3E}">
+        <p14:creationId xmlns:p14="http://schemas.microsoft.com/office/powerpoint/2010/main" val="378578297"/>
+      </p:ext>
+    </p:extLst>
+  </p:cSld>
+  <p:clrMapOvr>
+    <a:masterClrMapping/>
+  </p:clrMapOvr>
+  <p:timing>
+    <p:tnLst>
+      <p:par>
+        <p:cTn id="1" dur="indefinite" restart="never" nodeType="tmRoot"/>
+      </p:par>
+    </p:tnLst>
+  </p:timing>
 </p:sld>
 </file>
 
